--- a/documentation/slides.pptx
+++ b/documentation/slides.pptx
@@ -1,36 +1,36 @@
 
 <file path=ppt/presentation.xml><?xml version="1.0" encoding="utf-8"?>
-<p:presentation xmlns:a="http://schemas.openxmlformats.org/drawingml/2006/main" xmlns:r="http://schemas.openxmlformats.org/officeDocument/2006/relationships" xmlns:mc="http://schemas.openxmlformats.org/markup-compatibility/2006" xmlns:mv="urn:schemas-microsoft-com:mac:vml" xmlns:p="http://schemas.openxmlformats.org/presentationml/2006/main" xmlns:c="http://schemas.openxmlformats.org/drawingml/2006/chart" xmlns:dgm="http://schemas.openxmlformats.org/drawingml/2006/diagram" xmlns:o="urn:schemas-microsoft-com:office:office" xmlns:v="urn:schemas-microsoft-com:vml" xmlns:pvml="urn:schemas-microsoft-com:office:powerpoint" xmlns:com="http://schemas.openxmlformats.org/drawingml/2006/compatibility" xmlns:p14="http://schemas.microsoft.com/office/powerpoint/2010/main" xmlns:p15="http://schemas.microsoft.com/office/powerpoint/2012/main" xmlns:ahyp="http://schemas.microsoft.com/office/drawing/2018/hyperlinkcolor" autoCompressPictures="0" embedTrueTypeFonts="1" strictFirstAndLastChars="0" saveSubsetFonts="1">
+<p:presentation xmlns:a="http://schemas.openxmlformats.org/drawingml/2006/main" xmlns:r="http://schemas.openxmlformats.org/officeDocument/2006/relationships" xmlns:p="http://schemas.openxmlformats.org/presentationml/2006/main" strictFirstAndLastChars="0" embedTrueTypeFonts="1" saveSubsetFonts="1" autoCompressPictures="0">
   <p:sldMasterIdLst>
-    <p:sldMasterId id="2147483659" r:id="rId4"/>
+    <p:sldMasterId id="2147483659" r:id="rId1"/>
   </p:sldMasterIdLst>
   <p:notesMasterIdLst>
-    <p:notesMasterId r:id="rId5"/>
+    <p:notesMasterId r:id="rId9"/>
   </p:notesMasterIdLst>
   <p:sldIdLst>
-    <p:sldId id="256" r:id="rId6"/>
-    <p:sldId id="257" r:id="rId7"/>
-    <p:sldId id="258" r:id="rId8"/>
-    <p:sldId id="259" r:id="rId9"/>
-    <p:sldId id="260" r:id="rId10"/>
-    <p:sldId id="261" r:id="rId11"/>
-    <p:sldId id="262" r:id="rId12"/>
+    <p:sldId id="256" r:id="rId2"/>
+    <p:sldId id="257" r:id="rId3"/>
+    <p:sldId id="258" r:id="rId4"/>
+    <p:sldId id="259" r:id="rId5"/>
+    <p:sldId id="260" r:id="rId6"/>
+    <p:sldId id="261" r:id="rId7"/>
+    <p:sldId id="262" r:id="rId8"/>
   </p:sldIdLst>
-  <p:sldSz cy="5143500" cx="9144000"/>
+  <p:sldSz cx="9144000" cy="5143500" type="screen16x9"/>
   <p:notesSz cx="6858000" cy="9144000"/>
   <p:embeddedFontLst>
     <p:embeddedFont>
-      <p:font typeface="Average"/>
-      <p:regular r:id="rId13"/>
+      <p:font typeface="Average" panose="020B0604020202020204" charset="0"/>
+      <p:regular r:id="rId10"/>
     </p:embeddedFont>
     <p:embeddedFont>
-      <p:font typeface="Oswald"/>
-      <p:regular r:id="rId14"/>
-      <p:bold r:id="rId15"/>
+      <p:font typeface="Oswald" panose="00000500000000000000" pitchFamily="2" charset="0"/>
+      <p:regular r:id="rId11"/>
+      <p:bold r:id="rId12"/>
     </p:embeddedFont>
   </p:embeddedFontLst>
   <p:defaultTextStyle>
-    <a:defPPr lvl="0" marR="0" rtl="0" algn="l">
+    <a:defPPr marR="0" lvl="0" algn="l" rtl="0">
       <a:lnSpc>
         <a:spcPct val="100000"/>
       </a:lnSpc>
@@ -41,7 +41,7 @@
         <a:spcPts val="0"/>
       </a:spcAft>
     </a:defPPr>
-    <a:lvl1pPr lvl="0" marR="0" rtl="0" algn="l">
+    <a:lvl1pPr marR="0" lvl="0" algn="l" rtl="0">
       <a:lnSpc>
         <a:spcPct val="100000"/>
       </a:lnSpc>
@@ -55,7 +55,7 @@
         <a:srgbClr val="000000"/>
       </a:buClr>
       <a:buFont typeface="Arial"/>
-      <a:defRPr b="0" i="0" sz="1400" u="none" cap="none" strike="noStrike">
+      <a:defRPr sz="1400" b="0" i="0" u="none" strike="noStrike" cap="none">
         <a:solidFill>
           <a:srgbClr val="000000"/>
         </a:solidFill>
@@ -65,7 +65,7 @@
         <a:sym typeface="Arial"/>
       </a:defRPr>
     </a:lvl1pPr>
-    <a:lvl2pPr lvl="1" marR="0" rtl="0" algn="l">
+    <a:lvl2pPr marR="0" lvl="1" algn="l" rtl="0">
       <a:lnSpc>
         <a:spcPct val="100000"/>
       </a:lnSpc>
@@ -79,7 +79,7 @@
         <a:srgbClr val="000000"/>
       </a:buClr>
       <a:buFont typeface="Arial"/>
-      <a:defRPr b="0" i="0" sz="1400" u="none" cap="none" strike="noStrike">
+      <a:defRPr sz="1400" b="0" i="0" u="none" strike="noStrike" cap="none">
         <a:solidFill>
           <a:srgbClr val="000000"/>
         </a:solidFill>
@@ -89,7 +89,7 @@
         <a:sym typeface="Arial"/>
       </a:defRPr>
     </a:lvl2pPr>
-    <a:lvl3pPr lvl="2" marR="0" rtl="0" algn="l">
+    <a:lvl3pPr marR="0" lvl="2" algn="l" rtl="0">
       <a:lnSpc>
         <a:spcPct val="100000"/>
       </a:lnSpc>
@@ -103,7 +103,7 @@
         <a:srgbClr val="000000"/>
       </a:buClr>
       <a:buFont typeface="Arial"/>
-      <a:defRPr b="0" i="0" sz="1400" u="none" cap="none" strike="noStrike">
+      <a:defRPr sz="1400" b="0" i="0" u="none" strike="noStrike" cap="none">
         <a:solidFill>
           <a:srgbClr val="000000"/>
         </a:solidFill>
@@ -113,7 +113,7 @@
         <a:sym typeface="Arial"/>
       </a:defRPr>
     </a:lvl3pPr>
-    <a:lvl4pPr lvl="3" marR="0" rtl="0" algn="l">
+    <a:lvl4pPr marR="0" lvl="3" algn="l" rtl="0">
       <a:lnSpc>
         <a:spcPct val="100000"/>
       </a:lnSpc>
@@ -127,7 +127,7 @@
         <a:srgbClr val="000000"/>
       </a:buClr>
       <a:buFont typeface="Arial"/>
-      <a:defRPr b="0" i="0" sz="1400" u="none" cap="none" strike="noStrike">
+      <a:defRPr sz="1400" b="0" i="0" u="none" strike="noStrike" cap="none">
         <a:solidFill>
           <a:srgbClr val="000000"/>
         </a:solidFill>
@@ -137,7 +137,7 @@
         <a:sym typeface="Arial"/>
       </a:defRPr>
     </a:lvl4pPr>
-    <a:lvl5pPr lvl="4" marR="0" rtl="0" algn="l">
+    <a:lvl5pPr marR="0" lvl="4" algn="l" rtl="0">
       <a:lnSpc>
         <a:spcPct val="100000"/>
       </a:lnSpc>
@@ -151,7 +151,7 @@
         <a:srgbClr val="000000"/>
       </a:buClr>
       <a:buFont typeface="Arial"/>
-      <a:defRPr b="0" i="0" sz="1400" u="none" cap="none" strike="noStrike">
+      <a:defRPr sz="1400" b="0" i="0" u="none" strike="noStrike" cap="none">
         <a:solidFill>
           <a:srgbClr val="000000"/>
         </a:solidFill>
@@ -161,7 +161,7 @@
         <a:sym typeface="Arial"/>
       </a:defRPr>
     </a:lvl5pPr>
-    <a:lvl6pPr lvl="5" marR="0" rtl="0" algn="l">
+    <a:lvl6pPr marR="0" lvl="5" algn="l" rtl="0">
       <a:lnSpc>
         <a:spcPct val="100000"/>
       </a:lnSpc>
@@ -175,7 +175,7 @@
         <a:srgbClr val="000000"/>
       </a:buClr>
       <a:buFont typeface="Arial"/>
-      <a:defRPr b="0" i="0" sz="1400" u="none" cap="none" strike="noStrike">
+      <a:defRPr sz="1400" b="0" i="0" u="none" strike="noStrike" cap="none">
         <a:solidFill>
           <a:srgbClr val="000000"/>
         </a:solidFill>
@@ -185,7 +185,7 @@
         <a:sym typeface="Arial"/>
       </a:defRPr>
     </a:lvl6pPr>
-    <a:lvl7pPr lvl="6" marR="0" rtl="0" algn="l">
+    <a:lvl7pPr marR="0" lvl="6" algn="l" rtl="0">
       <a:lnSpc>
         <a:spcPct val="100000"/>
       </a:lnSpc>
@@ -199,7 +199,7 @@
         <a:srgbClr val="000000"/>
       </a:buClr>
       <a:buFont typeface="Arial"/>
-      <a:defRPr b="0" i="0" sz="1400" u="none" cap="none" strike="noStrike">
+      <a:defRPr sz="1400" b="0" i="0" u="none" strike="noStrike" cap="none">
         <a:solidFill>
           <a:srgbClr val="000000"/>
         </a:solidFill>
@@ -209,7 +209,7 @@
         <a:sym typeface="Arial"/>
       </a:defRPr>
     </a:lvl7pPr>
-    <a:lvl8pPr lvl="7" marR="0" rtl="0" algn="l">
+    <a:lvl8pPr marR="0" lvl="7" algn="l" rtl="0">
       <a:lnSpc>
         <a:spcPct val="100000"/>
       </a:lnSpc>
@@ -223,7 +223,7 @@
         <a:srgbClr val="000000"/>
       </a:buClr>
       <a:buFont typeface="Arial"/>
-      <a:defRPr b="0" i="0" sz="1400" u="none" cap="none" strike="noStrike">
+      <a:defRPr sz="1400" b="0" i="0" u="none" strike="noStrike" cap="none">
         <a:solidFill>
           <a:srgbClr val="000000"/>
         </a:solidFill>
@@ -233,7 +233,7 @@
         <a:sym typeface="Arial"/>
       </a:defRPr>
     </a:lvl8pPr>
-    <a:lvl9pPr lvl="8" marR="0" rtl="0" algn="l">
+    <a:lvl9pPr marR="0" lvl="8" algn="l" rtl="0">
       <a:lnSpc>
         <a:spcPct val="100000"/>
       </a:lnSpc>
@@ -247,7 +247,7 @@
         <a:srgbClr val="000000"/>
       </a:buClr>
       <a:buFont typeface="Arial"/>
-      <a:defRPr b="0" i="0" sz="1400" u="none" cap="none" strike="noStrike">
+      <a:defRPr sz="1400" b="0" i="0" u="none" strike="noStrike" cap="none">
         <a:solidFill>
           <a:srgbClr val="000000"/>
         </a:solidFill>
@@ -260,7 +260,7 @@
   </p:defaultTextStyle>
   <p:extLst>
     <p:ext uri="{EFAFB233-063F-42B5-8137-9DF3F51BA10A}">
-      <p15:sldGuideLst>
+      <p15:sldGuideLst xmlns:p15="http://schemas.microsoft.com/office/powerpoint/2012/main">
         <p15:guide id="1" orient="horz" pos="1620">
           <p15:clr>
             <a:srgbClr val="747775"/>
@@ -278,11 +278,16 @@
 </file>
 
 <file path=ppt/notesMasters/notesMaster1.xml><?xml version="1.0" encoding="utf-8"?>
-<p:notesMaster xmlns:a="http://schemas.openxmlformats.org/drawingml/2006/main" xmlns:r="http://schemas.openxmlformats.org/officeDocument/2006/relationships" xmlns:mc="http://schemas.openxmlformats.org/markup-compatibility/2006" xmlns:mv="urn:schemas-microsoft-com:mac:vml" xmlns:p="http://schemas.openxmlformats.org/presentationml/2006/main" xmlns:c="http://schemas.openxmlformats.org/drawingml/2006/chart" xmlns:dgm="http://schemas.openxmlformats.org/drawingml/2006/diagram" xmlns:o="urn:schemas-microsoft-com:office:office" xmlns:v="urn:schemas-microsoft-com:vml" xmlns:pvml="urn:schemas-microsoft-com:office:powerpoint" xmlns:com="http://schemas.openxmlformats.org/drawingml/2006/compatibility" xmlns:p14="http://schemas.microsoft.com/office/powerpoint/2010/main" xmlns:p15="http://schemas.microsoft.com/office/powerpoint/2012/main" xmlns:ahyp="http://schemas.microsoft.com/office/drawing/2018/hyperlinkcolor">
+<p:notesMaster xmlns:a="http://schemas.openxmlformats.org/drawingml/2006/main" xmlns:r="http://schemas.openxmlformats.org/officeDocument/2006/relationships" xmlns:p="http://schemas.openxmlformats.org/presentationml/2006/main">
   <p:cSld>
+    <p:bg>
+      <p:bgRef idx="1001">
+        <a:schemeClr val="bg1"/>
+      </p:bgRef>
+    </p:bg>
     <p:spTree>
       <p:nvGrpSpPr>
-        <p:cNvPr id="2" name="Shape 2"/>
+        <p:cNvPr id="1" name="Shape 2"/>
         <p:cNvGrpSpPr/>
         <p:nvPr/>
       </p:nvGrpSpPr>
@@ -297,9 +302,11 @@
       <p:sp>
         <p:nvSpPr>
           <p:cNvPr id="3" name="Google Shape;3;n"/>
-          <p:cNvSpPr/>
+          <p:cNvSpPr>
+            <a:spLocks noGrp="1" noRot="1" noChangeAspect="1"/>
+          </p:cNvSpPr>
           <p:nvPr>
-            <p:ph idx="2" type="sldImg"/>
+            <p:ph type="sldImg" idx="2"/>
           </p:nvPr>
         </p:nvSpPr>
         <p:spPr>
@@ -308,9 +315,13 @@
             <a:ext cx="6096075" cy="3429000"/>
           </a:xfrm>
           <a:custGeom>
-            <a:rect b="b" l="l" r="r" t="t"/>
+            <a:avLst/>
+            <a:gdLst/>
+            <a:ahLst/>
+            <a:cxnLst/>
+            <a:rect l="l" t="t" r="r" b="b"/>
             <a:pathLst>
-              <a:path extrusionOk="0" h="120000" w="120000">
+              <a:path w="120000" h="120000" extrusionOk="0">
                 <a:moveTo>
                   <a:pt x="0" y="0"/>
                 </a:moveTo>
@@ -328,23 +339,25 @@
             </a:pathLst>
           </a:custGeom>
           <a:noFill/>
-          <a:ln cap="flat" cmpd="sng" w="9525">
+          <a:ln w="9525" cap="flat" cmpd="sng">
             <a:solidFill>
               <a:srgbClr val="000000"/>
             </a:solidFill>
             <a:prstDash val="solid"/>
             <a:round/>
-            <a:headEnd len="sm" w="sm" type="none"/>
-            <a:tailEnd len="sm" w="sm" type="none"/>
+            <a:headEnd type="none" w="sm" len="sm"/>
+            <a:tailEnd type="none" w="sm" len="sm"/>
           </a:ln>
         </p:spPr>
       </p:sp>
       <p:sp>
         <p:nvSpPr>
           <p:cNvPr id="4" name="Google Shape;4;n"/>
-          <p:cNvSpPr txBox="1"/>
+          <p:cNvSpPr txBox="1">
+            <a:spLocks noGrp="1"/>
+          </p:cNvSpPr>
           <p:nvPr>
-            <p:ph idx="1" type="body"/>
+            <p:ph type="body" idx="1"/>
           </p:nvPr>
         </p:nvSpPr>
         <p:spPr>
@@ -361,11 +374,11 @@
           </a:ln>
         </p:spPr>
         <p:txBody>
-          <a:bodyPr anchorCtr="0" anchor="t" bIns="91425" lIns="91425" spcFirstLastPara="1" rIns="91425" wrap="square" tIns="91425">
+          <a:bodyPr spcFirstLastPara="1" wrap="square" lIns="91425" tIns="91425" rIns="91425" bIns="91425" anchor="t" anchorCtr="0">
             <a:noAutofit/>
           </a:bodyPr>
           <a:lstStyle>
-            <a:lvl1pPr indent="-298450" lvl="0" marL="457200">
+            <a:lvl1pPr marL="457200" lvl="0" indent="-298450">
               <a:spcBef>
                 <a:spcPts val="0"/>
               </a:spcBef>
@@ -376,7 +389,7 @@
               <a:buChar char="●"/>
               <a:defRPr sz="1100"/>
             </a:lvl1pPr>
-            <a:lvl2pPr indent="-298450" lvl="1" marL="914400">
+            <a:lvl2pPr marL="914400" lvl="1" indent="-298450">
               <a:spcBef>
                 <a:spcPts val="0"/>
               </a:spcBef>
@@ -387,7 +400,7 @@
               <a:buChar char="○"/>
               <a:defRPr sz="1100"/>
             </a:lvl2pPr>
-            <a:lvl3pPr indent="-298450" lvl="2" marL="1371600">
+            <a:lvl3pPr marL="1371600" lvl="2" indent="-298450">
               <a:spcBef>
                 <a:spcPts val="0"/>
               </a:spcBef>
@@ -398,7 +411,7 @@
               <a:buChar char="■"/>
               <a:defRPr sz="1100"/>
             </a:lvl3pPr>
-            <a:lvl4pPr indent="-298450" lvl="3" marL="1828800">
+            <a:lvl4pPr marL="1828800" lvl="3" indent="-298450">
               <a:spcBef>
                 <a:spcPts val="0"/>
               </a:spcBef>
@@ -409,7 +422,7 @@
               <a:buChar char="●"/>
               <a:defRPr sz="1100"/>
             </a:lvl4pPr>
-            <a:lvl5pPr indent="-298450" lvl="4" marL="2286000">
+            <a:lvl5pPr marL="2286000" lvl="4" indent="-298450">
               <a:spcBef>
                 <a:spcPts val="0"/>
               </a:spcBef>
@@ -420,7 +433,7 @@
               <a:buChar char="○"/>
               <a:defRPr sz="1100"/>
             </a:lvl5pPr>
-            <a:lvl6pPr indent="-298450" lvl="5" marL="2743200">
+            <a:lvl6pPr marL="2743200" lvl="5" indent="-298450">
               <a:spcBef>
                 <a:spcPts val="0"/>
               </a:spcBef>
@@ -431,7 +444,7 @@
               <a:buChar char="■"/>
               <a:defRPr sz="1100"/>
             </a:lvl6pPr>
-            <a:lvl7pPr indent="-298450" lvl="6" marL="3200400">
+            <a:lvl7pPr marL="3200400" lvl="6" indent="-298450">
               <a:spcBef>
                 <a:spcPts val="0"/>
               </a:spcBef>
@@ -442,7 +455,7 @@
               <a:buChar char="●"/>
               <a:defRPr sz="1100"/>
             </a:lvl7pPr>
-            <a:lvl8pPr indent="-298450" lvl="7" marL="3657600">
+            <a:lvl8pPr marL="3657600" lvl="7" indent="-298450">
               <a:spcBef>
                 <a:spcPts val="0"/>
               </a:spcBef>
@@ -453,7 +466,7 @@
               <a:buChar char="○"/>
               <a:defRPr sz="1100"/>
             </a:lvl8pPr>
-            <a:lvl9pPr indent="-298450" lvl="8" marL="4114800">
+            <a:lvl9pPr marL="4114800" lvl="8" indent="-298450">
               <a:spcBef>
                 <a:spcPts val="0"/>
               </a:spcBef>
@@ -465,14 +478,16 @@
               <a:defRPr sz="1100"/>
             </a:lvl9pPr>
           </a:lstStyle>
-          <a:p/>
+          <a:p>
+            <a:endParaRPr/>
+          </a:p>
         </p:txBody>
       </p:sp>
     </p:spTree>
   </p:cSld>
-  <p:clrMap accent1="accent1" accent2="accent2" accent3="accent3" accent4="accent4" accent5="accent5" accent6="accent6" bg1="lt1" bg2="dk2" tx1="dk1" tx2="lt2" folHlink="folHlink" hlink="hlink"/>
+  <p:clrMap bg1="lt1" tx1="dk1" bg2="dk2" tx2="lt2" accent1="accent1" accent2="accent2" accent3="accent3" accent4="accent4" accent5="accent5" accent6="accent6" hlink="hlink" folHlink="folHlink"/>
   <p:notesStyle>
-    <a:defPPr lvl="0" marR="0" rtl="0" algn="l">
+    <a:defPPr marR="0" lvl="0" algn="l" rtl="0">
       <a:lnSpc>
         <a:spcPct val="100000"/>
       </a:lnSpc>
@@ -483,7 +498,7 @@
         <a:spcPts val="0"/>
       </a:spcAft>
     </a:defPPr>
-    <a:lvl1pPr lvl="0" marR="0" rtl="0" algn="l">
+    <a:lvl1pPr marR="0" lvl="0" algn="l" rtl="0">
       <a:lnSpc>
         <a:spcPct val="100000"/>
       </a:lnSpc>
@@ -497,7 +512,7 @@
         <a:srgbClr val="000000"/>
       </a:buClr>
       <a:buFont typeface="Arial"/>
-      <a:defRPr b="0" i="0" sz="1400" u="none" cap="none" strike="noStrike">
+      <a:defRPr sz="1400" b="0" i="0" u="none" strike="noStrike" cap="none">
         <a:solidFill>
           <a:srgbClr val="000000"/>
         </a:solidFill>
@@ -507,7 +522,7 @@
         <a:sym typeface="Arial"/>
       </a:defRPr>
     </a:lvl1pPr>
-    <a:lvl2pPr lvl="1" marR="0" rtl="0" algn="l">
+    <a:lvl2pPr marR="0" lvl="1" algn="l" rtl="0">
       <a:lnSpc>
         <a:spcPct val="100000"/>
       </a:lnSpc>
@@ -521,7 +536,7 @@
         <a:srgbClr val="000000"/>
       </a:buClr>
       <a:buFont typeface="Arial"/>
-      <a:defRPr b="0" i="0" sz="1400" u="none" cap="none" strike="noStrike">
+      <a:defRPr sz="1400" b="0" i="0" u="none" strike="noStrike" cap="none">
         <a:solidFill>
           <a:srgbClr val="000000"/>
         </a:solidFill>
@@ -531,7 +546,7 @@
         <a:sym typeface="Arial"/>
       </a:defRPr>
     </a:lvl2pPr>
-    <a:lvl3pPr lvl="2" marR="0" rtl="0" algn="l">
+    <a:lvl3pPr marR="0" lvl="2" algn="l" rtl="0">
       <a:lnSpc>
         <a:spcPct val="100000"/>
       </a:lnSpc>
@@ -545,7 +560,7 @@
         <a:srgbClr val="000000"/>
       </a:buClr>
       <a:buFont typeface="Arial"/>
-      <a:defRPr b="0" i="0" sz="1400" u="none" cap="none" strike="noStrike">
+      <a:defRPr sz="1400" b="0" i="0" u="none" strike="noStrike" cap="none">
         <a:solidFill>
           <a:srgbClr val="000000"/>
         </a:solidFill>
@@ -555,7 +570,7 @@
         <a:sym typeface="Arial"/>
       </a:defRPr>
     </a:lvl3pPr>
-    <a:lvl4pPr lvl="3" marR="0" rtl="0" algn="l">
+    <a:lvl4pPr marR="0" lvl="3" algn="l" rtl="0">
       <a:lnSpc>
         <a:spcPct val="100000"/>
       </a:lnSpc>
@@ -569,7 +584,7 @@
         <a:srgbClr val="000000"/>
       </a:buClr>
       <a:buFont typeface="Arial"/>
-      <a:defRPr b="0" i="0" sz="1400" u="none" cap="none" strike="noStrike">
+      <a:defRPr sz="1400" b="0" i="0" u="none" strike="noStrike" cap="none">
         <a:solidFill>
           <a:srgbClr val="000000"/>
         </a:solidFill>
@@ -579,7 +594,7 @@
         <a:sym typeface="Arial"/>
       </a:defRPr>
     </a:lvl4pPr>
-    <a:lvl5pPr lvl="4" marR="0" rtl="0" algn="l">
+    <a:lvl5pPr marR="0" lvl="4" algn="l" rtl="0">
       <a:lnSpc>
         <a:spcPct val="100000"/>
       </a:lnSpc>
@@ -593,7 +608,7 @@
         <a:srgbClr val="000000"/>
       </a:buClr>
       <a:buFont typeface="Arial"/>
-      <a:defRPr b="0" i="0" sz="1400" u="none" cap="none" strike="noStrike">
+      <a:defRPr sz="1400" b="0" i="0" u="none" strike="noStrike" cap="none">
         <a:solidFill>
           <a:srgbClr val="000000"/>
         </a:solidFill>
@@ -603,7 +618,7 @@
         <a:sym typeface="Arial"/>
       </a:defRPr>
     </a:lvl5pPr>
-    <a:lvl6pPr lvl="5" marR="0" rtl="0" algn="l">
+    <a:lvl6pPr marR="0" lvl="5" algn="l" rtl="0">
       <a:lnSpc>
         <a:spcPct val="100000"/>
       </a:lnSpc>
@@ -617,7 +632,7 @@
         <a:srgbClr val="000000"/>
       </a:buClr>
       <a:buFont typeface="Arial"/>
-      <a:defRPr b="0" i="0" sz="1400" u="none" cap="none" strike="noStrike">
+      <a:defRPr sz="1400" b="0" i="0" u="none" strike="noStrike" cap="none">
         <a:solidFill>
           <a:srgbClr val="000000"/>
         </a:solidFill>
@@ -627,7 +642,7 @@
         <a:sym typeface="Arial"/>
       </a:defRPr>
     </a:lvl6pPr>
-    <a:lvl7pPr lvl="6" marR="0" rtl="0" algn="l">
+    <a:lvl7pPr marR="0" lvl="6" algn="l" rtl="0">
       <a:lnSpc>
         <a:spcPct val="100000"/>
       </a:lnSpc>
@@ -641,7 +656,7 @@
         <a:srgbClr val="000000"/>
       </a:buClr>
       <a:buFont typeface="Arial"/>
-      <a:defRPr b="0" i="0" sz="1400" u="none" cap="none" strike="noStrike">
+      <a:defRPr sz="1400" b="0" i="0" u="none" strike="noStrike" cap="none">
         <a:solidFill>
           <a:srgbClr val="000000"/>
         </a:solidFill>
@@ -651,7 +666,7 @@
         <a:sym typeface="Arial"/>
       </a:defRPr>
     </a:lvl7pPr>
-    <a:lvl8pPr lvl="7" marR="0" rtl="0" algn="l">
+    <a:lvl8pPr marR="0" lvl="7" algn="l" rtl="0">
       <a:lnSpc>
         <a:spcPct val="100000"/>
       </a:lnSpc>
@@ -665,7 +680,7 @@
         <a:srgbClr val="000000"/>
       </a:buClr>
       <a:buFont typeface="Arial"/>
-      <a:defRPr b="0" i="0" sz="1400" u="none" cap="none" strike="noStrike">
+      <a:defRPr sz="1400" b="0" i="0" u="none" strike="noStrike" cap="none">
         <a:solidFill>
           <a:srgbClr val="000000"/>
         </a:solidFill>
@@ -675,7 +690,7 @@
         <a:sym typeface="Arial"/>
       </a:defRPr>
     </a:lvl8pPr>
-    <a:lvl9pPr lvl="8" marR="0" rtl="0" algn="l">
+    <a:lvl9pPr marR="0" lvl="8" algn="l" rtl="0">
       <a:lnSpc>
         <a:spcPct val="100000"/>
       </a:lnSpc>
@@ -689,7 +704,7 @@
         <a:srgbClr val="000000"/>
       </a:buClr>
       <a:buFont typeface="Arial"/>
-      <a:defRPr b="0" i="0" sz="1400" u="none" cap="none" strike="noStrike">
+      <a:defRPr sz="1400" b="0" i="0" u="none" strike="noStrike" cap="none">
         <a:solidFill>
           <a:srgbClr val="000000"/>
         </a:solidFill>
@@ -704,11 +719,11 @@
 </file>
 
 <file path=ppt/notesSlides/notesSlide1.xml><?xml version="1.0" encoding="utf-8"?>
-<p:notes xmlns:a="http://schemas.openxmlformats.org/drawingml/2006/main" xmlns:r="http://schemas.openxmlformats.org/officeDocument/2006/relationships" xmlns:mc="http://schemas.openxmlformats.org/markup-compatibility/2006" xmlns:mv="urn:schemas-microsoft-com:mac:vml" xmlns:p="http://schemas.openxmlformats.org/presentationml/2006/main" xmlns:c="http://schemas.openxmlformats.org/drawingml/2006/chart" xmlns:dgm="http://schemas.openxmlformats.org/drawingml/2006/diagram" xmlns:o="urn:schemas-microsoft-com:office:office" xmlns:v="urn:schemas-microsoft-com:vml" xmlns:pvml="urn:schemas-microsoft-com:office:powerpoint" xmlns:com="http://schemas.openxmlformats.org/drawingml/2006/compatibility" xmlns:p14="http://schemas.microsoft.com/office/powerpoint/2010/main" xmlns:p15="http://schemas.microsoft.com/office/powerpoint/2012/main" xmlns:ahyp="http://schemas.microsoft.com/office/drawing/2018/hyperlinkcolor" showMasterPhAnim="0" showMasterSp="0">
+<p:notes xmlns:a="http://schemas.openxmlformats.org/drawingml/2006/main" xmlns:r="http://schemas.openxmlformats.org/officeDocument/2006/relationships" xmlns:p="http://schemas.openxmlformats.org/presentationml/2006/main" showMasterSp="0" showMasterPhAnim="0">
   <p:cSld>
     <p:spTree>
       <p:nvGrpSpPr>
-        <p:cNvPr id="55" name="Shape 55"/>
+        <p:cNvPr id="1" name="Shape 55"/>
         <p:cNvGrpSpPr/>
         <p:nvPr/>
       </p:nvGrpSpPr>
@@ -723,9 +738,11 @@
       <p:sp>
         <p:nvSpPr>
           <p:cNvPr id="56" name="Google Shape;56;p:notes"/>
-          <p:cNvSpPr/>
+          <p:cNvSpPr>
+            <a:spLocks noGrp="1" noRot="1" noChangeAspect="1"/>
+          </p:cNvSpPr>
           <p:nvPr>
-            <p:ph idx="2" type="sldImg"/>
+            <p:ph type="sldImg" idx="2"/>
           </p:nvPr>
         </p:nvSpPr>
         <p:spPr>
@@ -734,9 +751,13 @@
             <a:ext cx="6096075" cy="3429000"/>
           </a:xfrm>
           <a:custGeom>
-            <a:rect b="b" l="l" r="r" t="t"/>
+            <a:avLst/>
+            <a:gdLst/>
+            <a:ahLst/>
+            <a:cxnLst/>
+            <a:rect l="l" t="t" r="r" b="b"/>
             <a:pathLst>
-              <a:path extrusionOk="0" h="120000" w="120000">
+              <a:path w="120000" h="120000" extrusionOk="0">
                 <a:moveTo>
                   <a:pt x="0" y="0"/>
                 </a:moveTo>
@@ -758,9 +779,11 @@
       <p:sp>
         <p:nvSpPr>
           <p:cNvPr id="57" name="Google Shape;57;p:notes"/>
-          <p:cNvSpPr txBox="1"/>
+          <p:cNvSpPr txBox="1">
+            <a:spLocks noGrp="1"/>
+          </p:cNvSpPr>
           <p:nvPr>
-            <p:ph idx="1" type="body"/>
+            <p:ph type="body" idx="1"/>
           </p:nvPr>
         </p:nvSpPr>
         <p:spPr>
@@ -773,12 +796,12 @@
           </a:prstGeom>
         </p:spPr>
         <p:txBody>
-          <a:bodyPr anchorCtr="0" anchor="t" bIns="91425" lIns="91425" spcFirstLastPara="1" rIns="91425" wrap="square" tIns="91425">
+          <a:bodyPr spcFirstLastPara="1" wrap="square" lIns="91425" tIns="91425" rIns="91425" bIns="91425" anchor="t" anchorCtr="0">
             <a:noAutofit/>
           </a:bodyPr>
           <a:lstStyle/>
           <a:p>
-            <a:pPr indent="0" lvl="0" marL="0" rtl="0" algn="l">
+            <a:pPr marL="0" lvl="0" indent="0" algn="l" rtl="0">
               <a:spcBef>
                 <a:spcPts val="0"/>
               </a:spcBef>
@@ -787,9 +810,6 @@
               </a:spcAft>
               <a:buNone/>
             </a:pPr>
-            <a:r>
-              <a:t/>
-            </a:r>
             <a:endParaRPr/>
           </a:p>
         </p:txBody>
@@ -803,11 +823,11 @@
 </file>
 
 <file path=ppt/notesSlides/notesSlide2.xml><?xml version="1.0" encoding="utf-8"?>
-<p:notes xmlns:a="http://schemas.openxmlformats.org/drawingml/2006/main" xmlns:r="http://schemas.openxmlformats.org/officeDocument/2006/relationships" xmlns:mc="http://schemas.openxmlformats.org/markup-compatibility/2006" xmlns:mv="urn:schemas-microsoft-com:mac:vml" xmlns:p="http://schemas.openxmlformats.org/presentationml/2006/main" xmlns:c="http://schemas.openxmlformats.org/drawingml/2006/chart" xmlns:dgm="http://schemas.openxmlformats.org/drawingml/2006/diagram" xmlns:o="urn:schemas-microsoft-com:office:office" xmlns:v="urn:schemas-microsoft-com:vml" xmlns:pvml="urn:schemas-microsoft-com:office:powerpoint" xmlns:com="http://schemas.openxmlformats.org/drawingml/2006/compatibility" xmlns:p14="http://schemas.microsoft.com/office/powerpoint/2010/main" xmlns:p15="http://schemas.microsoft.com/office/powerpoint/2012/main" xmlns:ahyp="http://schemas.microsoft.com/office/drawing/2018/hyperlinkcolor" showMasterPhAnim="0" showMasterSp="0">
+<p:notes xmlns:a="http://schemas.openxmlformats.org/drawingml/2006/main" xmlns:r="http://schemas.openxmlformats.org/officeDocument/2006/relationships" xmlns:p="http://schemas.openxmlformats.org/presentationml/2006/main" showMasterSp="0" showMasterPhAnim="0">
   <p:cSld>
     <p:spTree>
       <p:nvGrpSpPr>
-        <p:cNvPr id="61" name="Shape 61"/>
+        <p:cNvPr id="1" name="Shape 61"/>
         <p:cNvGrpSpPr/>
         <p:nvPr/>
       </p:nvGrpSpPr>
@@ -822,9 +842,11 @@
       <p:sp>
         <p:nvSpPr>
           <p:cNvPr id="62" name="Google Shape;62;g31b18f40da6_0_0:notes"/>
-          <p:cNvSpPr/>
+          <p:cNvSpPr>
+            <a:spLocks noGrp="1" noRot="1" noChangeAspect="1"/>
+          </p:cNvSpPr>
           <p:nvPr>
-            <p:ph idx="2" type="sldImg"/>
+            <p:ph type="sldImg" idx="2"/>
           </p:nvPr>
         </p:nvSpPr>
         <p:spPr>
@@ -833,9 +855,13 @@
             <a:ext cx="6096000" cy="3429000"/>
           </a:xfrm>
           <a:custGeom>
-            <a:rect b="b" l="l" r="r" t="t"/>
+            <a:avLst/>
+            <a:gdLst/>
+            <a:ahLst/>
+            <a:cxnLst/>
+            <a:rect l="l" t="t" r="r" b="b"/>
             <a:pathLst>
-              <a:path extrusionOk="0" h="120000" w="120000">
+              <a:path w="120000" h="120000" extrusionOk="0">
                 <a:moveTo>
                   <a:pt x="0" y="0"/>
                 </a:moveTo>
@@ -857,9 +883,11 @@
       <p:sp>
         <p:nvSpPr>
           <p:cNvPr id="63" name="Google Shape;63;g31b18f40da6_0_0:notes"/>
-          <p:cNvSpPr txBox="1"/>
+          <p:cNvSpPr txBox="1">
+            <a:spLocks noGrp="1"/>
+          </p:cNvSpPr>
           <p:nvPr>
-            <p:ph idx="1" type="body"/>
+            <p:ph type="body" idx="1"/>
           </p:nvPr>
         </p:nvSpPr>
         <p:spPr>
@@ -872,12 +900,12 @@
           </a:prstGeom>
         </p:spPr>
         <p:txBody>
-          <a:bodyPr anchorCtr="0" anchor="t" bIns="91425" lIns="91425" spcFirstLastPara="1" rIns="91425" wrap="square" tIns="91425">
+          <a:bodyPr spcFirstLastPara="1" wrap="square" lIns="91425" tIns="91425" rIns="91425" bIns="91425" anchor="t" anchorCtr="0">
             <a:noAutofit/>
           </a:bodyPr>
           <a:lstStyle/>
           <a:p>
-            <a:pPr indent="0" lvl="0" marL="0" rtl="0" algn="l">
+            <a:pPr marL="0" lvl="0" indent="0" algn="l" rtl="0">
               <a:spcBef>
                 <a:spcPts val="0"/>
               </a:spcBef>
@@ -886,9 +914,6 @@
               </a:spcAft>
               <a:buNone/>
             </a:pPr>
-            <a:r>
-              <a:t/>
-            </a:r>
             <a:endParaRPr/>
           </a:p>
         </p:txBody>
@@ -902,11 +927,11 @@
 </file>
 
 <file path=ppt/notesSlides/notesSlide3.xml><?xml version="1.0" encoding="utf-8"?>
-<p:notes xmlns:a="http://schemas.openxmlformats.org/drawingml/2006/main" xmlns:r="http://schemas.openxmlformats.org/officeDocument/2006/relationships" xmlns:mc="http://schemas.openxmlformats.org/markup-compatibility/2006" xmlns:mv="urn:schemas-microsoft-com:mac:vml" xmlns:p="http://schemas.openxmlformats.org/presentationml/2006/main" xmlns:c="http://schemas.openxmlformats.org/drawingml/2006/chart" xmlns:dgm="http://schemas.openxmlformats.org/drawingml/2006/diagram" xmlns:o="urn:schemas-microsoft-com:office:office" xmlns:v="urn:schemas-microsoft-com:vml" xmlns:pvml="urn:schemas-microsoft-com:office:powerpoint" xmlns:com="http://schemas.openxmlformats.org/drawingml/2006/compatibility" xmlns:p14="http://schemas.microsoft.com/office/powerpoint/2010/main" xmlns:p15="http://schemas.microsoft.com/office/powerpoint/2012/main" xmlns:ahyp="http://schemas.microsoft.com/office/drawing/2018/hyperlinkcolor" showMasterPhAnim="0" showMasterSp="0">
+<p:notes xmlns:a="http://schemas.openxmlformats.org/drawingml/2006/main" xmlns:r="http://schemas.openxmlformats.org/officeDocument/2006/relationships" xmlns:p="http://schemas.openxmlformats.org/presentationml/2006/main" showMasterSp="0" showMasterPhAnim="0">
   <p:cSld>
     <p:spTree>
       <p:nvGrpSpPr>
-        <p:cNvPr id="67" name="Shape 67"/>
+        <p:cNvPr id="1" name="Shape 67"/>
         <p:cNvGrpSpPr/>
         <p:nvPr/>
       </p:nvGrpSpPr>
@@ -921,9 +946,11 @@
       <p:sp>
         <p:nvSpPr>
           <p:cNvPr id="68" name="Google Shape;68;g31b18f40da6_0_5:notes"/>
-          <p:cNvSpPr/>
+          <p:cNvSpPr>
+            <a:spLocks noGrp="1" noRot="1" noChangeAspect="1"/>
+          </p:cNvSpPr>
           <p:nvPr>
-            <p:ph idx="2" type="sldImg"/>
+            <p:ph type="sldImg" idx="2"/>
           </p:nvPr>
         </p:nvSpPr>
         <p:spPr>
@@ -932,9 +959,13 @@
             <a:ext cx="6096000" cy="3429000"/>
           </a:xfrm>
           <a:custGeom>
-            <a:rect b="b" l="l" r="r" t="t"/>
+            <a:avLst/>
+            <a:gdLst/>
+            <a:ahLst/>
+            <a:cxnLst/>
+            <a:rect l="l" t="t" r="r" b="b"/>
             <a:pathLst>
-              <a:path extrusionOk="0" h="120000" w="120000">
+              <a:path w="120000" h="120000" extrusionOk="0">
                 <a:moveTo>
                   <a:pt x="0" y="0"/>
                 </a:moveTo>
@@ -956,9 +987,11 @@
       <p:sp>
         <p:nvSpPr>
           <p:cNvPr id="69" name="Google Shape;69;g31b18f40da6_0_5:notes"/>
-          <p:cNvSpPr txBox="1"/>
+          <p:cNvSpPr txBox="1">
+            <a:spLocks noGrp="1"/>
+          </p:cNvSpPr>
           <p:nvPr>
-            <p:ph idx="1" type="body"/>
+            <p:ph type="body" idx="1"/>
           </p:nvPr>
         </p:nvSpPr>
         <p:spPr>
@@ -971,12 +1004,12 @@
           </a:prstGeom>
         </p:spPr>
         <p:txBody>
-          <a:bodyPr anchorCtr="0" anchor="t" bIns="91425" lIns="91425" spcFirstLastPara="1" rIns="91425" wrap="square" tIns="91425">
+          <a:bodyPr spcFirstLastPara="1" wrap="square" lIns="91425" tIns="91425" rIns="91425" bIns="91425" anchor="t" anchorCtr="0">
             <a:noAutofit/>
           </a:bodyPr>
           <a:lstStyle/>
           <a:p>
-            <a:pPr indent="0" lvl="0" marL="0" rtl="0" algn="l">
+            <a:pPr marL="0" lvl="0" indent="0" algn="l" rtl="0">
               <a:spcBef>
                 <a:spcPts val="0"/>
               </a:spcBef>
@@ -985,9 +1018,6 @@
               </a:spcAft>
               <a:buNone/>
             </a:pPr>
-            <a:r>
-              <a:t/>
-            </a:r>
             <a:endParaRPr/>
           </a:p>
         </p:txBody>
@@ -1001,11 +1031,11 @@
 </file>
 
 <file path=ppt/notesSlides/notesSlide4.xml><?xml version="1.0" encoding="utf-8"?>
-<p:notes xmlns:a="http://schemas.openxmlformats.org/drawingml/2006/main" xmlns:r="http://schemas.openxmlformats.org/officeDocument/2006/relationships" xmlns:mc="http://schemas.openxmlformats.org/markup-compatibility/2006" xmlns:mv="urn:schemas-microsoft-com:mac:vml" xmlns:p="http://schemas.openxmlformats.org/presentationml/2006/main" xmlns:c="http://schemas.openxmlformats.org/drawingml/2006/chart" xmlns:dgm="http://schemas.openxmlformats.org/drawingml/2006/diagram" xmlns:o="urn:schemas-microsoft-com:office:office" xmlns:v="urn:schemas-microsoft-com:vml" xmlns:pvml="urn:schemas-microsoft-com:office:powerpoint" xmlns:com="http://schemas.openxmlformats.org/drawingml/2006/compatibility" xmlns:p14="http://schemas.microsoft.com/office/powerpoint/2010/main" xmlns:p15="http://schemas.microsoft.com/office/powerpoint/2012/main" xmlns:ahyp="http://schemas.microsoft.com/office/drawing/2018/hyperlinkcolor" showMasterPhAnim="0" showMasterSp="0">
+<p:notes xmlns:a="http://schemas.openxmlformats.org/drawingml/2006/main" xmlns:r="http://schemas.openxmlformats.org/officeDocument/2006/relationships" xmlns:p="http://schemas.openxmlformats.org/presentationml/2006/main" showMasterSp="0" showMasterPhAnim="0">
   <p:cSld>
     <p:spTree>
       <p:nvGrpSpPr>
-        <p:cNvPr id="73" name="Shape 73"/>
+        <p:cNvPr id="1" name="Shape 73"/>
         <p:cNvGrpSpPr/>
         <p:nvPr/>
       </p:nvGrpSpPr>
@@ -1020,20 +1050,26 @@
       <p:sp>
         <p:nvSpPr>
           <p:cNvPr id="74" name="Google Shape;74;g31b18f40da6_0_1380:notes"/>
-          <p:cNvSpPr/>
+          <p:cNvSpPr>
+            <a:spLocks noGrp="1" noRot="1" noChangeAspect="1"/>
+          </p:cNvSpPr>
           <p:nvPr>
-            <p:ph idx="2" type="sldImg"/>
+            <p:ph type="sldImg" idx="2"/>
           </p:nvPr>
         </p:nvSpPr>
         <p:spPr>
           <a:xfrm>
-            <a:off x="381300" y="685800"/>
+            <a:off x="381000" y="685800"/>
             <a:ext cx="6096000" cy="3429000"/>
           </a:xfrm>
           <a:custGeom>
-            <a:rect b="b" l="l" r="r" t="t"/>
+            <a:avLst/>
+            <a:gdLst/>
+            <a:ahLst/>
+            <a:cxnLst/>
+            <a:rect l="l" t="t" r="r" b="b"/>
             <a:pathLst>
-              <a:path extrusionOk="0" h="120000" w="120000">
+              <a:path w="120000" h="120000" extrusionOk="0">
                 <a:moveTo>
                   <a:pt x="0" y="0"/>
                 </a:moveTo>
@@ -1055,9 +1091,11 @@
       <p:sp>
         <p:nvSpPr>
           <p:cNvPr id="75" name="Google Shape;75;g31b18f40da6_0_1380:notes"/>
-          <p:cNvSpPr txBox="1"/>
+          <p:cNvSpPr txBox="1">
+            <a:spLocks noGrp="1"/>
+          </p:cNvSpPr>
           <p:nvPr>
-            <p:ph idx="1" type="body"/>
+            <p:ph type="body" idx="1"/>
           </p:nvPr>
         </p:nvSpPr>
         <p:spPr>
@@ -1070,12 +1108,12 @@
           </a:prstGeom>
         </p:spPr>
         <p:txBody>
-          <a:bodyPr anchorCtr="0" anchor="t" bIns="91425" lIns="91425" spcFirstLastPara="1" rIns="91425" wrap="square" tIns="91425">
+          <a:bodyPr spcFirstLastPara="1" wrap="square" lIns="91425" tIns="91425" rIns="91425" bIns="91425" anchor="t" anchorCtr="0">
             <a:noAutofit/>
           </a:bodyPr>
           <a:lstStyle/>
           <a:p>
-            <a:pPr indent="0" lvl="0" marL="0" rtl="0" algn="l">
+            <a:pPr marL="0" lvl="0" indent="0" algn="l" rtl="0">
               <a:spcBef>
                 <a:spcPts val="0"/>
               </a:spcBef>
@@ -1084,9 +1122,6 @@
               </a:spcAft>
               <a:buNone/>
             </a:pPr>
-            <a:r>
-              <a:t/>
-            </a:r>
             <a:endParaRPr/>
           </a:p>
         </p:txBody>
@@ -1100,11 +1135,11 @@
 </file>
 
 <file path=ppt/notesSlides/notesSlide5.xml><?xml version="1.0" encoding="utf-8"?>
-<p:notes xmlns:a="http://schemas.openxmlformats.org/drawingml/2006/main" xmlns:r="http://schemas.openxmlformats.org/officeDocument/2006/relationships" xmlns:mc="http://schemas.openxmlformats.org/markup-compatibility/2006" xmlns:mv="urn:schemas-microsoft-com:mac:vml" xmlns:p="http://schemas.openxmlformats.org/presentationml/2006/main" xmlns:c="http://schemas.openxmlformats.org/drawingml/2006/chart" xmlns:dgm="http://schemas.openxmlformats.org/drawingml/2006/diagram" xmlns:o="urn:schemas-microsoft-com:office:office" xmlns:v="urn:schemas-microsoft-com:vml" xmlns:pvml="urn:schemas-microsoft-com:office:powerpoint" xmlns:com="http://schemas.openxmlformats.org/drawingml/2006/compatibility" xmlns:p14="http://schemas.microsoft.com/office/powerpoint/2010/main" xmlns:p15="http://schemas.microsoft.com/office/powerpoint/2012/main" xmlns:ahyp="http://schemas.microsoft.com/office/drawing/2018/hyperlinkcolor" showMasterPhAnim="0" showMasterSp="0">
+<p:notes xmlns:a="http://schemas.openxmlformats.org/drawingml/2006/main" xmlns:r="http://schemas.openxmlformats.org/officeDocument/2006/relationships" xmlns:p="http://schemas.openxmlformats.org/presentationml/2006/main" showMasterSp="0" showMasterPhAnim="0">
   <p:cSld>
     <p:spTree>
       <p:nvGrpSpPr>
-        <p:cNvPr id="79" name="Shape 79"/>
+        <p:cNvPr id="1" name="Shape 79"/>
         <p:cNvGrpSpPr/>
         <p:nvPr/>
       </p:nvGrpSpPr>
@@ -1119,20 +1154,26 @@
       <p:sp>
         <p:nvSpPr>
           <p:cNvPr id="80" name="Google Shape;80;g31b18f40da6_0_10:notes"/>
-          <p:cNvSpPr/>
+          <p:cNvSpPr>
+            <a:spLocks noGrp="1" noRot="1" noChangeAspect="1"/>
+          </p:cNvSpPr>
           <p:nvPr>
-            <p:ph idx="2" type="sldImg"/>
+            <p:ph type="sldImg" idx="2"/>
           </p:nvPr>
         </p:nvSpPr>
         <p:spPr>
           <a:xfrm>
-            <a:off x="381300" y="685800"/>
+            <a:off x="381000" y="685800"/>
             <a:ext cx="6096000" cy="3429000"/>
           </a:xfrm>
           <a:custGeom>
-            <a:rect b="b" l="l" r="r" t="t"/>
+            <a:avLst/>
+            <a:gdLst/>
+            <a:ahLst/>
+            <a:cxnLst/>
+            <a:rect l="l" t="t" r="r" b="b"/>
             <a:pathLst>
-              <a:path extrusionOk="0" h="120000" w="120000">
+              <a:path w="120000" h="120000" extrusionOk="0">
                 <a:moveTo>
                   <a:pt x="0" y="0"/>
                 </a:moveTo>
@@ -1154,9 +1195,11 @@
       <p:sp>
         <p:nvSpPr>
           <p:cNvPr id="81" name="Google Shape;81;g31b18f40da6_0_10:notes"/>
-          <p:cNvSpPr txBox="1"/>
+          <p:cNvSpPr txBox="1">
+            <a:spLocks noGrp="1"/>
+          </p:cNvSpPr>
           <p:nvPr>
-            <p:ph idx="1" type="body"/>
+            <p:ph type="body" idx="1"/>
           </p:nvPr>
         </p:nvSpPr>
         <p:spPr>
@@ -1169,12 +1212,12 @@
           </a:prstGeom>
         </p:spPr>
         <p:txBody>
-          <a:bodyPr anchorCtr="0" anchor="t" bIns="91425" lIns="91425" spcFirstLastPara="1" rIns="91425" wrap="square" tIns="91425">
+          <a:bodyPr spcFirstLastPara="1" wrap="square" lIns="91425" tIns="91425" rIns="91425" bIns="91425" anchor="t" anchorCtr="0">
             <a:noAutofit/>
           </a:bodyPr>
           <a:lstStyle/>
           <a:p>
-            <a:pPr indent="0" lvl="0" marL="0" rtl="0" algn="l">
+            <a:pPr marL="0" lvl="0" indent="0" algn="l" rtl="0">
               <a:spcBef>
                 <a:spcPts val="0"/>
               </a:spcBef>
@@ -1183,9 +1226,6 @@
               </a:spcAft>
               <a:buNone/>
             </a:pPr>
-            <a:r>
-              <a:t/>
-            </a:r>
             <a:endParaRPr/>
           </a:p>
         </p:txBody>
@@ -1199,11 +1239,11 @@
 </file>
 
 <file path=ppt/notesSlides/notesSlide6.xml><?xml version="1.0" encoding="utf-8"?>
-<p:notes xmlns:a="http://schemas.openxmlformats.org/drawingml/2006/main" xmlns:r="http://schemas.openxmlformats.org/officeDocument/2006/relationships" xmlns:mc="http://schemas.openxmlformats.org/markup-compatibility/2006" xmlns:mv="urn:schemas-microsoft-com:mac:vml" xmlns:p="http://schemas.openxmlformats.org/presentationml/2006/main" xmlns:c="http://schemas.openxmlformats.org/drawingml/2006/chart" xmlns:dgm="http://schemas.openxmlformats.org/drawingml/2006/diagram" xmlns:o="urn:schemas-microsoft-com:office:office" xmlns:v="urn:schemas-microsoft-com:vml" xmlns:pvml="urn:schemas-microsoft-com:office:powerpoint" xmlns:com="http://schemas.openxmlformats.org/drawingml/2006/compatibility" xmlns:p14="http://schemas.microsoft.com/office/powerpoint/2010/main" xmlns:p15="http://schemas.microsoft.com/office/powerpoint/2012/main" xmlns:ahyp="http://schemas.microsoft.com/office/drawing/2018/hyperlinkcolor" showMasterPhAnim="0" showMasterSp="0">
+<p:notes xmlns:a="http://schemas.openxmlformats.org/drawingml/2006/main" xmlns:r="http://schemas.openxmlformats.org/officeDocument/2006/relationships" xmlns:p="http://schemas.openxmlformats.org/presentationml/2006/main" showMasterSp="0" showMasterPhAnim="0">
   <p:cSld>
     <p:spTree>
       <p:nvGrpSpPr>
-        <p:cNvPr id="85" name="Shape 85"/>
+        <p:cNvPr id="1" name="Shape 85"/>
         <p:cNvGrpSpPr/>
         <p:nvPr/>
       </p:nvGrpSpPr>
@@ -1218,20 +1258,26 @@
       <p:sp>
         <p:nvSpPr>
           <p:cNvPr id="86" name="Google Shape;86;g31b18f40da6_0_1390:notes"/>
-          <p:cNvSpPr/>
+          <p:cNvSpPr>
+            <a:spLocks noGrp="1" noRot="1" noChangeAspect="1"/>
+          </p:cNvSpPr>
           <p:nvPr>
-            <p:ph idx="2" type="sldImg"/>
+            <p:ph type="sldImg" idx="2"/>
           </p:nvPr>
         </p:nvSpPr>
         <p:spPr>
           <a:xfrm>
-            <a:off x="381300" y="685800"/>
+            <a:off x="381000" y="685800"/>
             <a:ext cx="6096000" cy="3429000"/>
           </a:xfrm>
           <a:custGeom>
-            <a:rect b="b" l="l" r="r" t="t"/>
+            <a:avLst/>
+            <a:gdLst/>
+            <a:ahLst/>
+            <a:cxnLst/>
+            <a:rect l="l" t="t" r="r" b="b"/>
             <a:pathLst>
-              <a:path extrusionOk="0" h="120000" w="120000">
+              <a:path w="120000" h="120000" extrusionOk="0">
                 <a:moveTo>
                   <a:pt x="0" y="0"/>
                 </a:moveTo>
@@ -1253,9 +1299,11 @@
       <p:sp>
         <p:nvSpPr>
           <p:cNvPr id="87" name="Google Shape;87;g31b18f40da6_0_1390:notes"/>
-          <p:cNvSpPr txBox="1"/>
+          <p:cNvSpPr txBox="1">
+            <a:spLocks noGrp="1"/>
+          </p:cNvSpPr>
           <p:nvPr>
-            <p:ph idx="1" type="body"/>
+            <p:ph type="body" idx="1"/>
           </p:nvPr>
         </p:nvSpPr>
         <p:spPr>
@@ -1268,12 +1316,12 @@
           </a:prstGeom>
         </p:spPr>
         <p:txBody>
-          <a:bodyPr anchorCtr="0" anchor="t" bIns="91425" lIns="91425" spcFirstLastPara="1" rIns="91425" wrap="square" tIns="91425">
+          <a:bodyPr spcFirstLastPara="1" wrap="square" lIns="91425" tIns="91425" rIns="91425" bIns="91425" anchor="t" anchorCtr="0">
             <a:noAutofit/>
           </a:bodyPr>
           <a:lstStyle/>
           <a:p>
-            <a:pPr indent="0" lvl="0" marL="0" rtl="0" algn="l">
+            <a:pPr marL="0" lvl="0" indent="0" algn="l" rtl="0">
               <a:spcBef>
                 <a:spcPts val="0"/>
               </a:spcBef>
@@ -1282,9 +1330,6 @@
               </a:spcAft>
               <a:buNone/>
             </a:pPr>
-            <a:r>
-              <a:t/>
-            </a:r>
             <a:endParaRPr/>
           </a:p>
         </p:txBody>
@@ -1298,11 +1343,11 @@
 </file>
 
 <file path=ppt/notesSlides/notesSlide7.xml><?xml version="1.0" encoding="utf-8"?>
-<p:notes xmlns:a="http://schemas.openxmlformats.org/drawingml/2006/main" xmlns:r="http://schemas.openxmlformats.org/officeDocument/2006/relationships" xmlns:mc="http://schemas.openxmlformats.org/markup-compatibility/2006" xmlns:mv="urn:schemas-microsoft-com:mac:vml" xmlns:p="http://schemas.openxmlformats.org/presentationml/2006/main" xmlns:c="http://schemas.openxmlformats.org/drawingml/2006/chart" xmlns:dgm="http://schemas.openxmlformats.org/drawingml/2006/diagram" xmlns:o="urn:schemas-microsoft-com:office:office" xmlns:v="urn:schemas-microsoft-com:vml" xmlns:pvml="urn:schemas-microsoft-com:office:powerpoint" xmlns:com="http://schemas.openxmlformats.org/drawingml/2006/compatibility" xmlns:p14="http://schemas.microsoft.com/office/powerpoint/2010/main" xmlns:p15="http://schemas.microsoft.com/office/powerpoint/2012/main" xmlns:ahyp="http://schemas.microsoft.com/office/drawing/2018/hyperlinkcolor" showMasterPhAnim="0" showMasterSp="0">
+<p:notes xmlns:a="http://schemas.openxmlformats.org/drawingml/2006/main" xmlns:r="http://schemas.openxmlformats.org/officeDocument/2006/relationships" xmlns:p="http://schemas.openxmlformats.org/presentationml/2006/main" showMasterSp="0" showMasterPhAnim="0">
   <p:cSld>
     <p:spTree>
       <p:nvGrpSpPr>
-        <p:cNvPr id="91" name="Shape 91"/>
+        <p:cNvPr id="1" name="Shape 91"/>
         <p:cNvGrpSpPr/>
         <p:nvPr/>
       </p:nvGrpSpPr>
@@ -1317,20 +1362,26 @@
       <p:sp>
         <p:nvSpPr>
           <p:cNvPr id="92" name="Google Shape;92;g31b18f40da6_0_15:notes"/>
-          <p:cNvSpPr/>
+          <p:cNvSpPr>
+            <a:spLocks noGrp="1" noRot="1" noChangeAspect="1"/>
+          </p:cNvSpPr>
           <p:nvPr>
-            <p:ph idx="2" type="sldImg"/>
+            <p:ph type="sldImg" idx="2"/>
           </p:nvPr>
         </p:nvSpPr>
         <p:spPr>
           <a:xfrm>
-            <a:off x="381300" y="685800"/>
+            <a:off x="381000" y="685800"/>
             <a:ext cx="6096000" cy="3429000"/>
           </a:xfrm>
           <a:custGeom>
-            <a:rect b="b" l="l" r="r" t="t"/>
+            <a:avLst/>
+            <a:gdLst/>
+            <a:ahLst/>
+            <a:cxnLst/>
+            <a:rect l="l" t="t" r="r" b="b"/>
             <a:pathLst>
-              <a:path extrusionOk="0" h="120000" w="120000">
+              <a:path w="120000" h="120000" extrusionOk="0">
                 <a:moveTo>
                   <a:pt x="0" y="0"/>
                 </a:moveTo>
@@ -1352,9 +1403,11 @@
       <p:sp>
         <p:nvSpPr>
           <p:cNvPr id="93" name="Google Shape;93;g31b18f40da6_0_15:notes"/>
-          <p:cNvSpPr txBox="1"/>
+          <p:cNvSpPr txBox="1">
+            <a:spLocks noGrp="1"/>
+          </p:cNvSpPr>
           <p:nvPr>
-            <p:ph idx="1" type="body"/>
+            <p:ph type="body" idx="1"/>
           </p:nvPr>
         </p:nvSpPr>
         <p:spPr>
@@ -1367,12 +1420,12 @@
           </a:prstGeom>
         </p:spPr>
         <p:txBody>
-          <a:bodyPr anchorCtr="0" anchor="t" bIns="91425" lIns="91425" spcFirstLastPara="1" rIns="91425" wrap="square" tIns="91425">
+          <a:bodyPr spcFirstLastPara="1" wrap="square" lIns="91425" tIns="91425" rIns="91425" bIns="91425" anchor="t" anchorCtr="0">
             <a:noAutofit/>
           </a:bodyPr>
           <a:lstStyle/>
           <a:p>
-            <a:pPr indent="0" lvl="0" marL="0" rtl="0" algn="l">
+            <a:pPr marL="0" lvl="0" indent="0" algn="l" rtl="0">
               <a:spcBef>
                 <a:spcPts val="0"/>
               </a:spcBef>
@@ -1381,9 +1434,6 @@
               </a:spcAft>
               <a:buNone/>
             </a:pPr>
-            <a:r>
-              <a:t/>
-            </a:r>
             <a:endParaRPr/>
           </a:p>
         </p:txBody>
@@ -1397,11 +1447,11 @@
 </file>
 
 <file path=ppt/slideLayouts/slideLayout1.xml><?xml version="1.0" encoding="utf-8"?>
-<p:sldLayout xmlns:a="http://schemas.openxmlformats.org/drawingml/2006/main" xmlns:r="http://schemas.openxmlformats.org/officeDocument/2006/relationships" xmlns:mc="http://schemas.openxmlformats.org/markup-compatibility/2006" xmlns:mv="urn:schemas-microsoft-com:mac:vml" xmlns:p="http://schemas.openxmlformats.org/presentationml/2006/main" xmlns:c="http://schemas.openxmlformats.org/drawingml/2006/chart" xmlns:dgm="http://schemas.openxmlformats.org/drawingml/2006/diagram" xmlns:o="urn:schemas-microsoft-com:office:office" xmlns:v="urn:schemas-microsoft-com:vml" xmlns:pvml="urn:schemas-microsoft-com:office:powerpoint" xmlns:com="http://schemas.openxmlformats.org/drawingml/2006/compatibility" xmlns:p14="http://schemas.microsoft.com/office/powerpoint/2010/main" xmlns:p15="http://schemas.microsoft.com/office/powerpoint/2012/main" xmlns:ahyp="http://schemas.microsoft.com/office/drawing/2018/hyperlinkcolor" matchingName="Title slide" type="title">
+<p:sldLayout xmlns:a="http://schemas.openxmlformats.org/drawingml/2006/main" xmlns:r="http://schemas.openxmlformats.org/officeDocument/2006/relationships" xmlns:p="http://schemas.openxmlformats.org/presentationml/2006/main" matchingName="Title slide" type="title">
   <p:cSld name="TITLE">
     <p:spTree>
       <p:nvGrpSpPr>
-        <p:cNvPr id="9" name="Shape 9"/>
+        <p:cNvPr id="1" name="Shape 9"/>
         <p:cNvGrpSpPr/>
         <p:nvPr/>
       </p:nvGrpSpPr>
@@ -1449,12 +1499,12 @@
             </a:ln>
           </p:spPr>
           <p:txBody>
-            <a:bodyPr anchorCtr="0" anchor="ctr" bIns="91425" lIns="91425" spcFirstLastPara="1" rIns="91425" wrap="square" tIns="91425">
+            <a:bodyPr spcFirstLastPara="1" wrap="square" lIns="91425" tIns="91425" rIns="91425" bIns="91425" anchor="ctr" anchorCtr="0">
               <a:noAutofit/>
             </a:bodyPr>
             <a:lstStyle/>
             <a:p>
-              <a:pPr indent="0" lvl="0" marL="0" rtl="0" algn="l">
+              <a:pPr marL="0" lvl="0" indent="0" algn="l" rtl="0">
                 <a:spcBef>
                   <a:spcPts val="0"/>
                 </a:spcBef>
@@ -1463,9 +1513,6 @@
                 </a:spcAft>
                 <a:buNone/>
               </a:pPr>
-              <a:r>
-                <a:t/>
-              </a:r>
               <a:endParaRPr/>
             </a:p>
           </p:txBody>
@@ -1492,12 +1539,12 @@
             </a:ln>
           </p:spPr>
           <p:txBody>
-            <a:bodyPr anchorCtr="0" anchor="ctr" bIns="91425" lIns="91425" spcFirstLastPara="1" rIns="91425" wrap="square" tIns="91425">
+            <a:bodyPr spcFirstLastPara="1" wrap="square" lIns="91425" tIns="91425" rIns="91425" bIns="91425" anchor="ctr" anchorCtr="0">
               <a:noAutofit/>
             </a:bodyPr>
             <a:lstStyle/>
             <a:p>
-              <a:pPr indent="0" lvl="0" marL="0" rtl="0" algn="l">
+              <a:pPr marL="0" lvl="0" indent="0" algn="l" rtl="0">
                 <a:spcBef>
                   <a:spcPts val="0"/>
                 </a:spcBef>
@@ -1506,9 +1553,6 @@
                 </a:spcAft>
                 <a:buNone/>
               </a:pPr>
-              <a:r>
-                <a:t/>
-              </a:r>
               <a:endParaRPr/>
             </a:p>
           </p:txBody>
@@ -1535,12 +1579,12 @@
             </a:ln>
           </p:spPr>
           <p:txBody>
-            <a:bodyPr anchorCtr="0" anchor="ctr" bIns="91425" lIns="91425" spcFirstLastPara="1" rIns="91425" wrap="square" tIns="91425">
+            <a:bodyPr spcFirstLastPara="1" wrap="square" lIns="91425" tIns="91425" rIns="91425" bIns="91425" anchor="ctr" anchorCtr="0">
               <a:noAutofit/>
             </a:bodyPr>
             <a:lstStyle/>
             <a:p>
-              <a:pPr indent="0" lvl="0" marL="0" rtl="0" algn="l">
+              <a:pPr marL="0" lvl="0" indent="0" algn="l" rtl="0">
                 <a:spcBef>
                   <a:spcPts val="0"/>
                 </a:spcBef>
@@ -1549,9 +1593,6 @@
                 </a:spcAft>
                 <a:buNone/>
               </a:pPr>
-              <a:r>
-                <a:t/>
-              </a:r>
               <a:endParaRPr/>
             </a:p>
           </p:txBody>
@@ -1560,7 +1601,9 @@
       <p:sp>
         <p:nvSpPr>
           <p:cNvPr id="14" name="Google Shape;14;p2"/>
-          <p:cNvSpPr txBox="1"/>
+          <p:cNvSpPr txBox="1">
+            <a:spLocks noGrp="1"/>
+          </p:cNvSpPr>
           <p:nvPr>
             <p:ph type="ctrTitle"/>
           </p:nvPr>
@@ -1575,7 +1618,7 @@
           </a:prstGeom>
         </p:spPr>
         <p:txBody>
-          <a:bodyPr anchorCtr="0" anchor="b" bIns="91425" lIns="91425" spcFirstLastPara="1" rIns="91425" wrap="square" tIns="91425">
+          <a:bodyPr spcFirstLastPara="1" wrap="square" lIns="91425" tIns="91425" rIns="91425" bIns="91425" anchor="b" anchorCtr="0">
             <a:normAutofit/>
           </a:bodyPr>
           <a:lstStyle>
@@ -1679,15 +1722,19 @@
               <a:defRPr sz="4800"/>
             </a:lvl9pPr>
           </a:lstStyle>
-          <a:p/>
+          <a:p>
+            <a:endParaRPr/>
+          </a:p>
         </p:txBody>
       </p:sp>
       <p:sp>
         <p:nvSpPr>
           <p:cNvPr id="15" name="Google Shape;15;p2"/>
-          <p:cNvSpPr txBox="1"/>
+          <p:cNvSpPr txBox="1">
+            <a:spLocks noGrp="1"/>
+          </p:cNvSpPr>
           <p:nvPr>
-            <p:ph idx="1" type="subTitle"/>
+            <p:ph type="subTitle" idx="1"/>
           </p:nvPr>
         </p:nvSpPr>
         <p:spPr>
@@ -1700,7 +1747,7 @@
           </a:prstGeom>
         </p:spPr>
         <p:txBody>
-          <a:bodyPr anchorCtr="0" anchor="t" bIns="91425" lIns="91425" spcFirstLastPara="1" rIns="91425" wrap="square" tIns="91425">
+          <a:bodyPr spcFirstLastPara="1" wrap="square" lIns="91425" tIns="91425" rIns="91425" bIns="91425" anchor="t" anchorCtr="0">
             <a:normAutofit/>
           </a:bodyPr>
           <a:lstStyle>
@@ -1831,15 +1878,19 @@
               <a:defRPr sz="2100"/>
             </a:lvl9pPr>
           </a:lstStyle>
-          <a:p/>
+          <a:p>
+            <a:endParaRPr/>
+          </a:p>
         </p:txBody>
       </p:sp>
       <p:sp>
         <p:nvSpPr>
           <p:cNvPr id="16" name="Google Shape;16;p2"/>
-          <p:cNvSpPr txBox="1"/>
+          <p:cNvSpPr txBox="1">
+            <a:spLocks noGrp="1"/>
+          </p:cNvSpPr>
           <p:nvPr>
-            <p:ph idx="12" type="sldNum"/>
+            <p:ph type="sldNum" idx="12"/>
           </p:nvPr>
         </p:nvSpPr>
         <p:spPr>
@@ -1852,7 +1903,7 @@
           </a:prstGeom>
         </p:spPr>
         <p:txBody>
-          <a:bodyPr anchorCtr="0" anchor="ctr" bIns="91425" lIns="91425" spcFirstLastPara="1" rIns="91425" wrap="square" tIns="91425">
+          <a:bodyPr spcFirstLastPara="1" wrap="square" lIns="91425" tIns="91425" rIns="91425" bIns="91425" anchor="ctr" anchorCtr="0">
             <a:normAutofit/>
           </a:bodyPr>
           <a:lstStyle>
@@ -1894,7 +1945,7 @@
             </a:lvl9pPr>
           </a:lstStyle>
           <a:p>
-            <a:pPr indent="0" lvl="0" marL="0" rtl="0" algn="r">
+            <a:pPr marL="0" lvl="0" indent="0" algn="r" rtl="0">
               <a:spcBef>
                 <a:spcPts val="0"/>
               </a:spcBef>
@@ -1920,11 +1971,11 @@
 </file>
 
 <file path=ppt/slideLayouts/slideLayout10.xml><?xml version="1.0" encoding="utf-8"?>
-<p:sldLayout xmlns:a="http://schemas.openxmlformats.org/drawingml/2006/main" xmlns:r="http://schemas.openxmlformats.org/officeDocument/2006/relationships" xmlns:mc="http://schemas.openxmlformats.org/markup-compatibility/2006" xmlns:mv="urn:schemas-microsoft-com:mac:vml" xmlns:p="http://schemas.openxmlformats.org/presentationml/2006/main" xmlns:c="http://schemas.openxmlformats.org/drawingml/2006/chart" xmlns:dgm="http://schemas.openxmlformats.org/drawingml/2006/diagram" xmlns:o="urn:schemas-microsoft-com:office:office" xmlns:v="urn:schemas-microsoft-com:vml" xmlns:pvml="urn:schemas-microsoft-com:office:powerpoint" xmlns:com="http://schemas.openxmlformats.org/drawingml/2006/compatibility" xmlns:p14="http://schemas.microsoft.com/office/powerpoint/2010/main" xmlns:p15="http://schemas.microsoft.com/office/powerpoint/2012/main" xmlns:ahyp="http://schemas.microsoft.com/office/drawing/2018/hyperlinkcolor" matchingName="Big number">
+<p:sldLayout xmlns:a="http://schemas.openxmlformats.org/drawingml/2006/main" xmlns:r="http://schemas.openxmlformats.org/officeDocument/2006/relationships" xmlns:p="http://schemas.openxmlformats.org/presentationml/2006/main" matchingName="Big number">
   <p:cSld name="BIG_NUMBER">
     <p:spTree>
       <p:nvGrpSpPr>
-        <p:cNvPr id="49" name="Shape 49"/>
+        <p:cNvPr id="1" name="Shape 49"/>
         <p:cNvGrpSpPr/>
         <p:nvPr/>
       </p:nvGrpSpPr>
@@ -1939,9 +1990,11 @@
       <p:sp>
         <p:nvSpPr>
           <p:cNvPr id="50" name="Google Shape;50;p11"/>
-          <p:cNvSpPr txBox="1"/>
+          <p:cNvSpPr txBox="1">
+            <a:spLocks noGrp="1"/>
+          </p:cNvSpPr>
           <p:nvPr>
-            <p:ph hasCustomPrompt="1" type="title"/>
+            <p:ph type="title" hasCustomPrompt="1"/>
           </p:nvPr>
         </p:nvSpPr>
         <p:spPr>
@@ -1954,7 +2007,7 @@
           </a:prstGeom>
         </p:spPr>
         <p:txBody>
-          <a:bodyPr anchorCtr="0" anchor="b" bIns="91425" lIns="91425" spcFirstLastPara="1" rIns="91425" wrap="square" tIns="91425">
+          <a:bodyPr spcFirstLastPara="1" wrap="square" lIns="91425" tIns="91425" rIns="91425" bIns="91425" anchor="b" anchorCtr="0">
             <a:normAutofit/>
           </a:bodyPr>
           <a:lstStyle>
@@ -2068,9 +2121,11 @@
       <p:sp>
         <p:nvSpPr>
           <p:cNvPr id="51" name="Google Shape;51;p11"/>
-          <p:cNvSpPr txBox="1"/>
+          <p:cNvSpPr txBox="1">
+            <a:spLocks noGrp="1"/>
+          </p:cNvSpPr>
           <p:nvPr>
-            <p:ph idx="1" type="body"/>
+            <p:ph type="body" idx="1"/>
           </p:nvPr>
         </p:nvSpPr>
         <p:spPr>
@@ -2083,11 +2138,11 @@
           </a:prstGeom>
         </p:spPr>
         <p:txBody>
-          <a:bodyPr anchorCtr="0" anchor="t" bIns="91425" lIns="91425" spcFirstLastPara="1" rIns="91425" wrap="square" tIns="91425">
+          <a:bodyPr spcFirstLastPara="1" wrap="square" lIns="91425" tIns="91425" rIns="91425" bIns="91425" anchor="t" anchorCtr="0">
             <a:normAutofit/>
           </a:bodyPr>
           <a:lstStyle>
-            <a:lvl1pPr indent="-342900" lvl="0" marL="457200" algn="ctr">
+            <a:lvl1pPr marL="457200" lvl="0" indent="-342900" algn="ctr">
               <a:spcBef>
                 <a:spcPts val="0"/>
               </a:spcBef>
@@ -2098,7 +2153,7 @@
               <a:buChar char="●"/>
               <a:defRPr/>
             </a:lvl1pPr>
-            <a:lvl2pPr indent="-317500" lvl="1" marL="914400" algn="ctr">
+            <a:lvl2pPr marL="914400" lvl="1" indent="-317500" algn="ctr">
               <a:spcBef>
                 <a:spcPts val="0"/>
               </a:spcBef>
@@ -2109,7 +2164,7 @@
               <a:buChar char="○"/>
               <a:defRPr/>
             </a:lvl2pPr>
-            <a:lvl3pPr indent="-317500" lvl="2" marL="1371600" algn="ctr">
+            <a:lvl3pPr marL="1371600" lvl="2" indent="-317500" algn="ctr">
               <a:spcBef>
                 <a:spcPts val="0"/>
               </a:spcBef>
@@ -2120,7 +2175,7 @@
               <a:buChar char="■"/>
               <a:defRPr/>
             </a:lvl3pPr>
-            <a:lvl4pPr indent="-317500" lvl="3" marL="1828800" algn="ctr">
+            <a:lvl4pPr marL="1828800" lvl="3" indent="-317500" algn="ctr">
               <a:spcBef>
                 <a:spcPts val="0"/>
               </a:spcBef>
@@ -2131,7 +2186,7 @@
               <a:buChar char="●"/>
               <a:defRPr/>
             </a:lvl4pPr>
-            <a:lvl5pPr indent="-317500" lvl="4" marL="2286000" algn="ctr">
+            <a:lvl5pPr marL="2286000" lvl="4" indent="-317500" algn="ctr">
               <a:spcBef>
                 <a:spcPts val="0"/>
               </a:spcBef>
@@ -2142,7 +2197,7 @@
               <a:buChar char="○"/>
               <a:defRPr/>
             </a:lvl5pPr>
-            <a:lvl6pPr indent="-317500" lvl="5" marL="2743200" algn="ctr">
+            <a:lvl6pPr marL="2743200" lvl="5" indent="-317500" algn="ctr">
               <a:spcBef>
                 <a:spcPts val="0"/>
               </a:spcBef>
@@ -2153,7 +2208,7 @@
               <a:buChar char="■"/>
               <a:defRPr/>
             </a:lvl6pPr>
-            <a:lvl7pPr indent="-317500" lvl="6" marL="3200400" algn="ctr">
+            <a:lvl7pPr marL="3200400" lvl="6" indent="-317500" algn="ctr">
               <a:spcBef>
                 <a:spcPts val="0"/>
               </a:spcBef>
@@ -2164,7 +2219,7 @@
               <a:buChar char="●"/>
               <a:defRPr/>
             </a:lvl7pPr>
-            <a:lvl8pPr indent="-317500" lvl="7" marL="3657600" algn="ctr">
+            <a:lvl8pPr marL="3657600" lvl="7" indent="-317500" algn="ctr">
               <a:spcBef>
                 <a:spcPts val="0"/>
               </a:spcBef>
@@ -2175,7 +2230,7 @@
               <a:buChar char="○"/>
               <a:defRPr/>
             </a:lvl8pPr>
-            <a:lvl9pPr indent="-317500" lvl="8" marL="4114800" algn="ctr">
+            <a:lvl9pPr marL="4114800" lvl="8" indent="-317500" algn="ctr">
               <a:spcBef>
                 <a:spcPts val="0"/>
               </a:spcBef>
@@ -2187,15 +2242,19 @@
               <a:defRPr/>
             </a:lvl9pPr>
           </a:lstStyle>
-          <a:p/>
+          <a:p>
+            <a:endParaRPr/>
+          </a:p>
         </p:txBody>
       </p:sp>
       <p:sp>
         <p:nvSpPr>
           <p:cNvPr id="52" name="Google Shape;52;p11"/>
-          <p:cNvSpPr txBox="1"/>
+          <p:cNvSpPr txBox="1">
+            <a:spLocks noGrp="1"/>
+          </p:cNvSpPr>
           <p:nvPr>
-            <p:ph idx="12" type="sldNum"/>
+            <p:ph type="sldNum" idx="12"/>
           </p:nvPr>
         </p:nvSpPr>
         <p:spPr>
@@ -2208,7 +2267,7 @@
           </a:prstGeom>
         </p:spPr>
         <p:txBody>
-          <a:bodyPr anchorCtr="0" anchor="ctr" bIns="91425" lIns="91425" spcFirstLastPara="1" rIns="91425" wrap="square" tIns="91425">
+          <a:bodyPr spcFirstLastPara="1" wrap="square" lIns="91425" tIns="91425" rIns="91425" bIns="91425" anchor="ctr" anchorCtr="0">
             <a:normAutofit/>
           </a:bodyPr>
           <a:lstStyle>
@@ -2250,7 +2309,7 @@
             </a:lvl9pPr>
           </a:lstStyle>
           <a:p>
-            <a:pPr indent="0" lvl="0" marL="0" rtl="0" algn="r">
+            <a:pPr marL="0" lvl="0" indent="0" algn="r" rtl="0">
               <a:spcBef>
                 <a:spcPts val="0"/>
               </a:spcBef>
@@ -2276,11 +2335,11 @@
 </file>
 
 <file path=ppt/slideLayouts/slideLayout11.xml><?xml version="1.0" encoding="utf-8"?>
-<p:sldLayout xmlns:a="http://schemas.openxmlformats.org/drawingml/2006/main" xmlns:r="http://schemas.openxmlformats.org/officeDocument/2006/relationships" xmlns:mc="http://schemas.openxmlformats.org/markup-compatibility/2006" xmlns:mv="urn:schemas-microsoft-com:mac:vml" xmlns:p="http://schemas.openxmlformats.org/presentationml/2006/main" xmlns:c="http://schemas.openxmlformats.org/drawingml/2006/chart" xmlns:dgm="http://schemas.openxmlformats.org/drawingml/2006/diagram" xmlns:o="urn:schemas-microsoft-com:office:office" xmlns:v="urn:schemas-microsoft-com:vml" xmlns:pvml="urn:schemas-microsoft-com:office:powerpoint" xmlns:com="http://schemas.openxmlformats.org/drawingml/2006/compatibility" xmlns:p14="http://schemas.microsoft.com/office/powerpoint/2010/main" xmlns:p15="http://schemas.microsoft.com/office/powerpoint/2012/main" xmlns:ahyp="http://schemas.microsoft.com/office/drawing/2018/hyperlinkcolor" matchingName="Blank" type="blank">
+<p:sldLayout xmlns:a="http://schemas.openxmlformats.org/drawingml/2006/main" xmlns:r="http://schemas.openxmlformats.org/officeDocument/2006/relationships" xmlns:p="http://schemas.openxmlformats.org/presentationml/2006/main" matchingName="Blank" type="blank">
   <p:cSld name="BLANK">
     <p:spTree>
       <p:nvGrpSpPr>
-        <p:cNvPr id="53" name="Shape 53"/>
+        <p:cNvPr id="1" name="Shape 53"/>
         <p:cNvGrpSpPr/>
         <p:nvPr/>
       </p:nvGrpSpPr>
@@ -2295,9 +2354,11 @@
       <p:sp>
         <p:nvSpPr>
           <p:cNvPr id="54" name="Google Shape;54;p12"/>
-          <p:cNvSpPr txBox="1"/>
+          <p:cNvSpPr txBox="1">
+            <a:spLocks noGrp="1"/>
+          </p:cNvSpPr>
           <p:nvPr>
-            <p:ph idx="12" type="sldNum"/>
+            <p:ph type="sldNum" idx="12"/>
           </p:nvPr>
         </p:nvSpPr>
         <p:spPr>
@@ -2310,7 +2371,7 @@
           </a:prstGeom>
         </p:spPr>
         <p:txBody>
-          <a:bodyPr anchorCtr="0" anchor="ctr" bIns="91425" lIns="91425" spcFirstLastPara="1" rIns="91425" wrap="square" tIns="91425">
+          <a:bodyPr spcFirstLastPara="1" wrap="square" lIns="91425" tIns="91425" rIns="91425" bIns="91425" anchor="ctr" anchorCtr="0">
             <a:normAutofit/>
           </a:bodyPr>
           <a:lstStyle>
@@ -2352,7 +2413,7 @@
             </a:lvl9pPr>
           </a:lstStyle>
           <a:p>
-            <a:pPr indent="0" lvl="0" marL="0" rtl="0" algn="r">
+            <a:pPr marL="0" lvl="0" indent="0" algn="r" rtl="0">
               <a:spcBef>
                 <a:spcPts val="0"/>
               </a:spcBef>
@@ -2378,11 +2439,11 @@
 </file>
 
 <file path=ppt/slideLayouts/slideLayout2.xml><?xml version="1.0" encoding="utf-8"?>
-<p:sldLayout xmlns:a="http://schemas.openxmlformats.org/drawingml/2006/main" xmlns:r="http://schemas.openxmlformats.org/officeDocument/2006/relationships" xmlns:mc="http://schemas.openxmlformats.org/markup-compatibility/2006" xmlns:mv="urn:schemas-microsoft-com:mac:vml" xmlns:p="http://schemas.openxmlformats.org/presentationml/2006/main" xmlns:c="http://schemas.openxmlformats.org/drawingml/2006/chart" xmlns:dgm="http://schemas.openxmlformats.org/drawingml/2006/diagram" xmlns:o="urn:schemas-microsoft-com:office:office" xmlns:v="urn:schemas-microsoft-com:vml" xmlns:pvml="urn:schemas-microsoft-com:office:powerpoint" xmlns:com="http://schemas.openxmlformats.org/drawingml/2006/compatibility" xmlns:p14="http://schemas.microsoft.com/office/powerpoint/2010/main" xmlns:p15="http://schemas.microsoft.com/office/powerpoint/2012/main" xmlns:ahyp="http://schemas.microsoft.com/office/drawing/2018/hyperlinkcolor" matchingName="Section header" type="secHead">
+<p:sldLayout xmlns:a="http://schemas.openxmlformats.org/drawingml/2006/main" xmlns:r="http://schemas.openxmlformats.org/officeDocument/2006/relationships" xmlns:p="http://schemas.openxmlformats.org/presentationml/2006/main" matchingName="Section header" type="secHead">
   <p:cSld name="SECTION_HEADER">
     <p:spTree>
       <p:nvGrpSpPr>
-        <p:cNvPr id="17" name="Shape 17"/>
+        <p:cNvPr id="1" name="Shape 17"/>
         <p:cNvGrpSpPr/>
         <p:nvPr/>
       </p:nvGrpSpPr>
@@ -2397,7 +2458,9 @@
       <p:sp>
         <p:nvSpPr>
           <p:cNvPr id="18" name="Google Shape;18;p3"/>
-          <p:cNvSpPr txBox="1"/>
+          <p:cNvSpPr txBox="1">
+            <a:spLocks noGrp="1"/>
+          </p:cNvSpPr>
           <p:nvPr>
             <p:ph type="title"/>
           </p:nvPr>
@@ -2412,7 +2475,7 @@
           </a:prstGeom>
         </p:spPr>
         <p:txBody>
-          <a:bodyPr anchorCtr="0" anchor="ctr" bIns="91425" lIns="91425" spcFirstLastPara="1" rIns="91425" wrap="square" tIns="91425">
+          <a:bodyPr spcFirstLastPara="1" wrap="square" lIns="91425" tIns="91425" rIns="91425" bIns="91425" anchor="ctr" anchorCtr="0">
             <a:normAutofit/>
           </a:bodyPr>
           <a:lstStyle>
@@ -2516,15 +2579,19 @@
               <a:defRPr sz="3600"/>
             </a:lvl9pPr>
           </a:lstStyle>
-          <a:p/>
+          <a:p>
+            <a:endParaRPr/>
+          </a:p>
         </p:txBody>
       </p:sp>
       <p:sp>
         <p:nvSpPr>
           <p:cNvPr id="19" name="Google Shape;19;p3"/>
-          <p:cNvSpPr txBox="1"/>
+          <p:cNvSpPr txBox="1">
+            <a:spLocks noGrp="1"/>
+          </p:cNvSpPr>
           <p:nvPr>
-            <p:ph idx="12" type="sldNum"/>
+            <p:ph type="sldNum" idx="12"/>
           </p:nvPr>
         </p:nvSpPr>
         <p:spPr>
@@ -2537,7 +2604,7 @@
           </a:prstGeom>
         </p:spPr>
         <p:txBody>
-          <a:bodyPr anchorCtr="0" anchor="ctr" bIns="91425" lIns="91425" spcFirstLastPara="1" rIns="91425" wrap="square" tIns="91425">
+          <a:bodyPr spcFirstLastPara="1" wrap="square" lIns="91425" tIns="91425" rIns="91425" bIns="91425" anchor="ctr" anchorCtr="0">
             <a:normAutofit/>
           </a:bodyPr>
           <a:lstStyle>
@@ -2579,7 +2646,7 @@
             </a:lvl9pPr>
           </a:lstStyle>
           <a:p>
-            <a:pPr indent="0" lvl="0" marL="0" rtl="0" algn="r">
+            <a:pPr marL="0" lvl="0" indent="0" algn="r" rtl="0">
               <a:spcBef>
                 <a:spcPts val="0"/>
               </a:spcBef>
@@ -2605,11 +2672,11 @@
 </file>
 
 <file path=ppt/slideLayouts/slideLayout3.xml><?xml version="1.0" encoding="utf-8"?>
-<p:sldLayout xmlns:a="http://schemas.openxmlformats.org/drawingml/2006/main" xmlns:r="http://schemas.openxmlformats.org/officeDocument/2006/relationships" xmlns:mc="http://schemas.openxmlformats.org/markup-compatibility/2006" xmlns:mv="urn:schemas-microsoft-com:mac:vml" xmlns:p="http://schemas.openxmlformats.org/presentationml/2006/main" xmlns:c="http://schemas.openxmlformats.org/drawingml/2006/chart" xmlns:dgm="http://schemas.openxmlformats.org/drawingml/2006/diagram" xmlns:o="urn:schemas-microsoft-com:office:office" xmlns:v="urn:schemas-microsoft-com:vml" xmlns:pvml="urn:schemas-microsoft-com:office:powerpoint" xmlns:com="http://schemas.openxmlformats.org/drawingml/2006/compatibility" xmlns:p14="http://schemas.microsoft.com/office/powerpoint/2010/main" xmlns:p15="http://schemas.microsoft.com/office/powerpoint/2012/main" xmlns:ahyp="http://schemas.microsoft.com/office/drawing/2018/hyperlinkcolor" matchingName="Title and body" type="tx">
+<p:sldLayout xmlns:a="http://schemas.openxmlformats.org/drawingml/2006/main" xmlns:r="http://schemas.openxmlformats.org/officeDocument/2006/relationships" xmlns:p="http://schemas.openxmlformats.org/presentationml/2006/main" matchingName="Title and body" type="tx">
   <p:cSld name="TITLE_AND_BODY">
     <p:spTree>
       <p:nvGrpSpPr>
-        <p:cNvPr id="20" name="Shape 20"/>
+        <p:cNvPr id="1" name="Shape 20"/>
         <p:cNvGrpSpPr/>
         <p:nvPr/>
       </p:nvGrpSpPr>
@@ -2624,7 +2691,9 @@
       <p:sp>
         <p:nvSpPr>
           <p:cNvPr id="21" name="Google Shape;21;p4"/>
-          <p:cNvSpPr txBox="1"/>
+          <p:cNvSpPr txBox="1">
+            <a:spLocks noGrp="1"/>
+          </p:cNvSpPr>
           <p:nvPr>
             <p:ph type="title"/>
           </p:nvPr>
@@ -2639,7 +2708,7 @@
           </a:prstGeom>
         </p:spPr>
         <p:txBody>
-          <a:bodyPr anchorCtr="0" anchor="t" bIns="91425" lIns="91425" spcFirstLastPara="1" rIns="91425" wrap="square" tIns="91425">
+          <a:bodyPr spcFirstLastPara="1" wrap="square" lIns="91425" tIns="91425" rIns="91425" bIns="91425" anchor="t" anchorCtr="0">
             <a:normAutofit/>
           </a:bodyPr>
           <a:lstStyle>
@@ -2743,15 +2812,19 @@
               <a:defRPr/>
             </a:lvl9pPr>
           </a:lstStyle>
-          <a:p/>
+          <a:p>
+            <a:endParaRPr/>
+          </a:p>
         </p:txBody>
       </p:sp>
       <p:sp>
         <p:nvSpPr>
           <p:cNvPr id="22" name="Google Shape;22;p4"/>
-          <p:cNvSpPr txBox="1"/>
+          <p:cNvSpPr txBox="1">
+            <a:spLocks noGrp="1"/>
+          </p:cNvSpPr>
           <p:nvPr>
-            <p:ph idx="1" type="body"/>
+            <p:ph type="body" idx="1"/>
           </p:nvPr>
         </p:nvSpPr>
         <p:spPr>
@@ -2764,11 +2837,11 @@
           </a:prstGeom>
         </p:spPr>
         <p:txBody>
-          <a:bodyPr anchorCtr="0" anchor="t" bIns="91425" lIns="91425" spcFirstLastPara="1" rIns="91425" wrap="square" tIns="91425">
+          <a:bodyPr spcFirstLastPara="1" wrap="square" lIns="91425" tIns="91425" rIns="91425" bIns="91425" anchor="t" anchorCtr="0">
             <a:normAutofit/>
           </a:bodyPr>
           <a:lstStyle>
-            <a:lvl1pPr indent="-342900" lvl="0" marL="457200">
+            <a:lvl1pPr marL="457200" lvl="0" indent="-342900">
               <a:spcBef>
                 <a:spcPts val="0"/>
               </a:spcBef>
@@ -2779,7 +2852,7 @@
               <a:buChar char="●"/>
               <a:defRPr/>
             </a:lvl1pPr>
-            <a:lvl2pPr indent="-317500" lvl="1" marL="914400">
+            <a:lvl2pPr marL="914400" lvl="1" indent="-317500">
               <a:spcBef>
                 <a:spcPts val="0"/>
               </a:spcBef>
@@ -2790,7 +2863,7 @@
               <a:buChar char="○"/>
               <a:defRPr/>
             </a:lvl2pPr>
-            <a:lvl3pPr indent="-317500" lvl="2" marL="1371600">
+            <a:lvl3pPr marL="1371600" lvl="2" indent="-317500">
               <a:spcBef>
                 <a:spcPts val="0"/>
               </a:spcBef>
@@ -2801,7 +2874,7 @@
               <a:buChar char="■"/>
               <a:defRPr/>
             </a:lvl3pPr>
-            <a:lvl4pPr indent="-317500" lvl="3" marL="1828800">
+            <a:lvl4pPr marL="1828800" lvl="3" indent="-317500">
               <a:spcBef>
                 <a:spcPts val="0"/>
               </a:spcBef>
@@ -2812,7 +2885,7 @@
               <a:buChar char="●"/>
               <a:defRPr/>
             </a:lvl4pPr>
-            <a:lvl5pPr indent="-317500" lvl="4" marL="2286000">
+            <a:lvl5pPr marL="2286000" lvl="4" indent="-317500">
               <a:spcBef>
                 <a:spcPts val="0"/>
               </a:spcBef>
@@ -2823,7 +2896,7 @@
               <a:buChar char="○"/>
               <a:defRPr/>
             </a:lvl5pPr>
-            <a:lvl6pPr indent="-317500" lvl="5" marL="2743200">
+            <a:lvl6pPr marL="2743200" lvl="5" indent="-317500">
               <a:spcBef>
                 <a:spcPts val="0"/>
               </a:spcBef>
@@ -2834,7 +2907,7 @@
               <a:buChar char="■"/>
               <a:defRPr/>
             </a:lvl6pPr>
-            <a:lvl7pPr indent="-317500" lvl="6" marL="3200400">
+            <a:lvl7pPr marL="3200400" lvl="6" indent="-317500">
               <a:spcBef>
                 <a:spcPts val="0"/>
               </a:spcBef>
@@ -2845,7 +2918,7 @@
               <a:buChar char="●"/>
               <a:defRPr/>
             </a:lvl7pPr>
-            <a:lvl8pPr indent="-317500" lvl="7" marL="3657600">
+            <a:lvl8pPr marL="3657600" lvl="7" indent="-317500">
               <a:spcBef>
                 <a:spcPts val="0"/>
               </a:spcBef>
@@ -2856,7 +2929,7 @@
               <a:buChar char="○"/>
               <a:defRPr/>
             </a:lvl8pPr>
-            <a:lvl9pPr indent="-317500" lvl="8" marL="4114800">
+            <a:lvl9pPr marL="4114800" lvl="8" indent="-317500">
               <a:spcBef>
                 <a:spcPts val="0"/>
               </a:spcBef>
@@ -2868,15 +2941,19 @@
               <a:defRPr/>
             </a:lvl9pPr>
           </a:lstStyle>
-          <a:p/>
+          <a:p>
+            <a:endParaRPr/>
+          </a:p>
         </p:txBody>
       </p:sp>
       <p:sp>
         <p:nvSpPr>
           <p:cNvPr id="23" name="Google Shape;23;p4"/>
-          <p:cNvSpPr txBox="1"/>
+          <p:cNvSpPr txBox="1">
+            <a:spLocks noGrp="1"/>
+          </p:cNvSpPr>
           <p:nvPr>
-            <p:ph idx="12" type="sldNum"/>
+            <p:ph type="sldNum" idx="12"/>
           </p:nvPr>
         </p:nvSpPr>
         <p:spPr>
@@ -2889,7 +2966,7 @@
           </a:prstGeom>
         </p:spPr>
         <p:txBody>
-          <a:bodyPr anchorCtr="0" anchor="ctr" bIns="91425" lIns="91425" spcFirstLastPara="1" rIns="91425" wrap="square" tIns="91425">
+          <a:bodyPr spcFirstLastPara="1" wrap="square" lIns="91425" tIns="91425" rIns="91425" bIns="91425" anchor="ctr" anchorCtr="0">
             <a:normAutofit/>
           </a:bodyPr>
           <a:lstStyle>
@@ -2931,7 +3008,7 @@
             </a:lvl9pPr>
           </a:lstStyle>
           <a:p>
-            <a:pPr indent="0" lvl="0" marL="0" rtl="0" algn="r">
+            <a:pPr marL="0" lvl="0" indent="0" algn="r" rtl="0">
               <a:spcBef>
                 <a:spcPts val="0"/>
               </a:spcBef>
@@ -2957,11 +3034,11 @@
 </file>
 
 <file path=ppt/slideLayouts/slideLayout4.xml><?xml version="1.0" encoding="utf-8"?>
-<p:sldLayout xmlns:a="http://schemas.openxmlformats.org/drawingml/2006/main" xmlns:r="http://schemas.openxmlformats.org/officeDocument/2006/relationships" xmlns:mc="http://schemas.openxmlformats.org/markup-compatibility/2006" xmlns:mv="urn:schemas-microsoft-com:mac:vml" xmlns:p="http://schemas.openxmlformats.org/presentationml/2006/main" xmlns:c="http://schemas.openxmlformats.org/drawingml/2006/chart" xmlns:dgm="http://schemas.openxmlformats.org/drawingml/2006/diagram" xmlns:o="urn:schemas-microsoft-com:office:office" xmlns:v="urn:schemas-microsoft-com:vml" xmlns:pvml="urn:schemas-microsoft-com:office:powerpoint" xmlns:com="http://schemas.openxmlformats.org/drawingml/2006/compatibility" xmlns:p14="http://schemas.microsoft.com/office/powerpoint/2010/main" xmlns:p15="http://schemas.microsoft.com/office/powerpoint/2012/main" xmlns:ahyp="http://schemas.microsoft.com/office/drawing/2018/hyperlinkcolor" matchingName="Title and two columns" type="twoColTx">
+<p:sldLayout xmlns:a="http://schemas.openxmlformats.org/drawingml/2006/main" xmlns:r="http://schemas.openxmlformats.org/officeDocument/2006/relationships" xmlns:p="http://schemas.openxmlformats.org/presentationml/2006/main" matchingName="Title and two columns" type="twoColTx">
   <p:cSld name="TITLE_AND_TWO_COLUMNS">
     <p:spTree>
       <p:nvGrpSpPr>
-        <p:cNvPr id="24" name="Shape 24"/>
+        <p:cNvPr id="1" name="Shape 24"/>
         <p:cNvGrpSpPr/>
         <p:nvPr/>
       </p:nvGrpSpPr>
@@ -2976,7 +3053,9 @@
       <p:sp>
         <p:nvSpPr>
           <p:cNvPr id="25" name="Google Shape;25;p5"/>
-          <p:cNvSpPr txBox="1"/>
+          <p:cNvSpPr txBox="1">
+            <a:spLocks noGrp="1"/>
+          </p:cNvSpPr>
           <p:nvPr>
             <p:ph type="title"/>
           </p:nvPr>
@@ -2991,7 +3070,7 @@
           </a:prstGeom>
         </p:spPr>
         <p:txBody>
-          <a:bodyPr anchorCtr="0" anchor="t" bIns="91425" lIns="91425" spcFirstLastPara="1" rIns="91425" wrap="square" tIns="91425">
+          <a:bodyPr spcFirstLastPara="1" wrap="square" lIns="91425" tIns="91425" rIns="91425" bIns="91425" anchor="t" anchorCtr="0">
             <a:normAutofit/>
           </a:bodyPr>
           <a:lstStyle>
@@ -3095,15 +3174,19 @@
               <a:defRPr/>
             </a:lvl9pPr>
           </a:lstStyle>
-          <a:p/>
+          <a:p>
+            <a:endParaRPr/>
+          </a:p>
         </p:txBody>
       </p:sp>
       <p:sp>
         <p:nvSpPr>
           <p:cNvPr id="26" name="Google Shape;26;p5"/>
-          <p:cNvSpPr txBox="1"/>
+          <p:cNvSpPr txBox="1">
+            <a:spLocks noGrp="1"/>
+          </p:cNvSpPr>
           <p:nvPr>
-            <p:ph idx="1" type="body"/>
+            <p:ph type="body" idx="1"/>
           </p:nvPr>
         </p:nvSpPr>
         <p:spPr>
@@ -3116,11 +3199,11 @@
           </a:prstGeom>
         </p:spPr>
         <p:txBody>
-          <a:bodyPr anchorCtr="0" anchor="t" bIns="91425" lIns="91425" spcFirstLastPara="1" rIns="91425" wrap="square" tIns="91425">
+          <a:bodyPr spcFirstLastPara="1" wrap="square" lIns="91425" tIns="91425" rIns="91425" bIns="91425" anchor="t" anchorCtr="0">
             <a:normAutofit/>
           </a:bodyPr>
           <a:lstStyle>
-            <a:lvl1pPr indent="-317500" lvl="0" marL="457200">
+            <a:lvl1pPr marL="457200" lvl="0" indent="-317500">
               <a:spcBef>
                 <a:spcPts val="0"/>
               </a:spcBef>
@@ -3131,7 +3214,7 @@
               <a:buChar char="●"/>
               <a:defRPr sz="1400"/>
             </a:lvl1pPr>
-            <a:lvl2pPr indent="-304800" lvl="1" marL="914400">
+            <a:lvl2pPr marL="914400" lvl="1" indent="-304800">
               <a:spcBef>
                 <a:spcPts val="0"/>
               </a:spcBef>
@@ -3142,7 +3225,7 @@
               <a:buChar char="○"/>
               <a:defRPr sz="1200"/>
             </a:lvl2pPr>
-            <a:lvl3pPr indent="-304800" lvl="2" marL="1371600">
+            <a:lvl3pPr marL="1371600" lvl="2" indent="-304800">
               <a:spcBef>
                 <a:spcPts val="0"/>
               </a:spcBef>
@@ -3153,7 +3236,7 @@
               <a:buChar char="■"/>
               <a:defRPr sz="1200"/>
             </a:lvl3pPr>
-            <a:lvl4pPr indent="-304800" lvl="3" marL="1828800">
+            <a:lvl4pPr marL="1828800" lvl="3" indent="-304800">
               <a:spcBef>
                 <a:spcPts val="0"/>
               </a:spcBef>
@@ -3164,7 +3247,7 @@
               <a:buChar char="●"/>
               <a:defRPr sz="1200"/>
             </a:lvl4pPr>
-            <a:lvl5pPr indent="-304800" lvl="4" marL="2286000">
+            <a:lvl5pPr marL="2286000" lvl="4" indent="-304800">
               <a:spcBef>
                 <a:spcPts val="0"/>
               </a:spcBef>
@@ -3175,7 +3258,7 @@
               <a:buChar char="○"/>
               <a:defRPr sz="1200"/>
             </a:lvl5pPr>
-            <a:lvl6pPr indent="-304800" lvl="5" marL="2743200">
+            <a:lvl6pPr marL="2743200" lvl="5" indent="-304800">
               <a:spcBef>
                 <a:spcPts val="0"/>
               </a:spcBef>
@@ -3186,7 +3269,7 @@
               <a:buChar char="■"/>
               <a:defRPr sz="1200"/>
             </a:lvl6pPr>
-            <a:lvl7pPr indent="-304800" lvl="6" marL="3200400">
+            <a:lvl7pPr marL="3200400" lvl="6" indent="-304800">
               <a:spcBef>
                 <a:spcPts val="0"/>
               </a:spcBef>
@@ -3197,7 +3280,7 @@
               <a:buChar char="●"/>
               <a:defRPr sz="1200"/>
             </a:lvl7pPr>
-            <a:lvl8pPr indent="-304800" lvl="7" marL="3657600">
+            <a:lvl8pPr marL="3657600" lvl="7" indent="-304800">
               <a:spcBef>
                 <a:spcPts val="0"/>
               </a:spcBef>
@@ -3208,7 +3291,7 @@
               <a:buChar char="○"/>
               <a:defRPr sz="1200"/>
             </a:lvl8pPr>
-            <a:lvl9pPr indent="-304800" lvl="8" marL="4114800">
+            <a:lvl9pPr marL="4114800" lvl="8" indent="-304800">
               <a:spcBef>
                 <a:spcPts val="0"/>
               </a:spcBef>
@@ -3220,15 +3303,19 @@
               <a:defRPr sz="1200"/>
             </a:lvl9pPr>
           </a:lstStyle>
-          <a:p/>
+          <a:p>
+            <a:endParaRPr/>
+          </a:p>
         </p:txBody>
       </p:sp>
       <p:sp>
         <p:nvSpPr>
           <p:cNvPr id="27" name="Google Shape;27;p5"/>
-          <p:cNvSpPr txBox="1"/>
+          <p:cNvSpPr txBox="1">
+            <a:spLocks noGrp="1"/>
+          </p:cNvSpPr>
           <p:nvPr>
-            <p:ph idx="2" type="body"/>
+            <p:ph type="body" idx="2"/>
           </p:nvPr>
         </p:nvSpPr>
         <p:spPr>
@@ -3241,11 +3328,11 @@
           </a:prstGeom>
         </p:spPr>
         <p:txBody>
-          <a:bodyPr anchorCtr="0" anchor="t" bIns="91425" lIns="91425" spcFirstLastPara="1" rIns="91425" wrap="square" tIns="91425">
+          <a:bodyPr spcFirstLastPara="1" wrap="square" lIns="91425" tIns="91425" rIns="91425" bIns="91425" anchor="t" anchorCtr="0">
             <a:normAutofit/>
           </a:bodyPr>
           <a:lstStyle>
-            <a:lvl1pPr indent="-317500" lvl="0" marL="457200">
+            <a:lvl1pPr marL="457200" lvl="0" indent="-317500">
               <a:spcBef>
                 <a:spcPts val="0"/>
               </a:spcBef>
@@ -3256,7 +3343,7 @@
               <a:buChar char="●"/>
               <a:defRPr sz="1400"/>
             </a:lvl1pPr>
-            <a:lvl2pPr indent="-304800" lvl="1" marL="914400">
+            <a:lvl2pPr marL="914400" lvl="1" indent="-304800">
               <a:spcBef>
                 <a:spcPts val="0"/>
               </a:spcBef>
@@ -3267,7 +3354,7 @@
               <a:buChar char="○"/>
               <a:defRPr sz="1200"/>
             </a:lvl2pPr>
-            <a:lvl3pPr indent="-304800" lvl="2" marL="1371600">
+            <a:lvl3pPr marL="1371600" lvl="2" indent="-304800">
               <a:spcBef>
                 <a:spcPts val="0"/>
               </a:spcBef>
@@ -3278,7 +3365,7 @@
               <a:buChar char="■"/>
               <a:defRPr sz="1200"/>
             </a:lvl3pPr>
-            <a:lvl4pPr indent="-304800" lvl="3" marL="1828800">
+            <a:lvl4pPr marL="1828800" lvl="3" indent="-304800">
               <a:spcBef>
                 <a:spcPts val="0"/>
               </a:spcBef>
@@ -3289,7 +3376,7 @@
               <a:buChar char="●"/>
               <a:defRPr sz="1200"/>
             </a:lvl4pPr>
-            <a:lvl5pPr indent="-304800" lvl="4" marL="2286000">
+            <a:lvl5pPr marL="2286000" lvl="4" indent="-304800">
               <a:spcBef>
                 <a:spcPts val="0"/>
               </a:spcBef>
@@ -3300,7 +3387,7 @@
               <a:buChar char="○"/>
               <a:defRPr sz="1200"/>
             </a:lvl5pPr>
-            <a:lvl6pPr indent="-304800" lvl="5" marL="2743200">
+            <a:lvl6pPr marL="2743200" lvl="5" indent="-304800">
               <a:spcBef>
                 <a:spcPts val="0"/>
               </a:spcBef>
@@ -3311,7 +3398,7 @@
               <a:buChar char="■"/>
               <a:defRPr sz="1200"/>
             </a:lvl6pPr>
-            <a:lvl7pPr indent="-304800" lvl="6" marL="3200400">
+            <a:lvl7pPr marL="3200400" lvl="6" indent="-304800">
               <a:spcBef>
                 <a:spcPts val="0"/>
               </a:spcBef>
@@ -3322,7 +3409,7 @@
               <a:buChar char="●"/>
               <a:defRPr sz="1200"/>
             </a:lvl7pPr>
-            <a:lvl8pPr indent="-304800" lvl="7" marL="3657600">
+            <a:lvl8pPr marL="3657600" lvl="7" indent="-304800">
               <a:spcBef>
                 <a:spcPts val="0"/>
               </a:spcBef>
@@ -3333,7 +3420,7 @@
               <a:buChar char="○"/>
               <a:defRPr sz="1200"/>
             </a:lvl8pPr>
-            <a:lvl9pPr indent="-304800" lvl="8" marL="4114800">
+            <a:lvl9pPr marL="4114800" lvl="8" indent="-304800">
               <a:spcBef>
                 <a:spcPts val="0"/>
               </a:spcBef>
@@ -3345,15 +3432,19 @@
               <a:defRPr sz="1200"/>
             </a:lvl9pPr>
           </a:lstStyle>
-          <a:p/>
+          <a:p>
+            <a:endParaRPr/>
+          </a:p>
         </p:txBody>
       </p:sp>
       <p:sp>
         <p:nvSpPr>
           <p:cNvPr id="28" name="Google Shape;28;p5"/>
-          <p:cNvSpPr txBox="1"/>
+          <p:cNvSpPr txBox="1">
+            <a:spLocks noGrp="1"/>
+          </p:cNvSpPr>
           <p:nvPr>
-            <p:ph idx="12" type="sldNum"/>
+            <p:ph type="sldNum" idx="12"/>
           </p:nvPr>
         </p:nvSpPr>
         <p:spPr>
@@ -3366,7 +3457,7 @@
           </a:prstGeom>
         </p:spPr>
         <p:txBody>
-          <a:bodyPr anchorCtr="0" anchor="ctr" bIns="91425" lIns="91425" spcFirstLastPara="1" rIns="91425" wrap="square" tIns="91425">
+          <a:bodyPr spcFirstLastPara="1" wrap="square" lIns="91425" tIns="91425" rIns="91425" bIns="91425" anchor="ctr" anchorCtr="0">
             <a:normAutofit/>
           </a:bodyPr>
           <a:lstStyle>
@@ -3408,7 +3499,7 @@
             </a:lvl9pPr>
           </a:lstStyle>
           <a:p>
-            <a:pPr indent="0" lvl="0" marL="0" rtl="0" algn="r">
+            <a:pPr marL="0" lvl="0" indent="0" algn="r" rtl="0">
               <a:spcBef>
                 <a:spcPts val="0"/>
               </a:spcBef>
@@ -3434,11 +3525,11 @@
 </file>
 
 <file path=ppt/slideLayouts/slideLayout5.xml><?xml version="1.0" encoding="utf-8"?>
-<p:sldLayout xmlns:a="http://schemas.openxmlformats.org/drawingml/2006/main" xmlns:r="http://schemas.openxmlformats.org/officeDocument/2006/relationships" xmlns:mc="http://schemas.openxmlformats.org/markup-compatibility/2006" xmlns:mv="urn:schemas-microsoft-com:mac:vml" xmlns:p="http://schemas.openxmlformats.org/presentationml/2006/main" xmlns:c="http://schemas.openxmlformats.org/drawingml/2006/chart" xmlns:dgm="http://schemas.openxmlformats.org/drawingml/2006/diagram" xmlns:o="urn:schemas-microsoft-com:office:office" xmlns:v="urn:schemas-microsoft-com:vml" xmlns:pvml="urn:schemas-microsoft-com:office:powerpoint" xmlns:com="http://schemas.openxmlformats.org/drawingml/2006/compatibility" xmlns:p14="http://schemas.microsoft.com/office/powerpoint/2010/main" xmlns:p15="http://schemas.microsoft.com/office/powerpoint/2012/main" xmlns:ahyp="http://schemas.microsoft.com/office/drawing/2018/hyperlinkcolor" matchingName="Title only" type="titleOnly">
+<p:sldLayout xmlns:a="http://schemas.openxmlformats.org/drawingml/2006/main" xmlns:r="http://schemas.openxmlformats.org/officeDocument/2006/relationships" xmlns:p="http://schemas.openxmlformats.org/presentationml/2006/main" matchingName="Title only" type="titleOnly">
   <p:cSld name="TITLE_ONLY">
     <p:spTree>
       <p:nvGrpSpPr>
-        <p:cNvPr id="29" name="Shape 29"/>
+        <p:cNvPr id="1" name="Shape 29"/>
         <p:cNvGrpSpPr/>
         <p:nvPr/>
       </p:nvGrpSpPr>
@@ -3453,7 +3544,9 @@
       <p:sp>
         <p:nvSpPr>
           <p:cNvPr id="30" name="Google Shape;30;p6"/>
-          <p:cNvSpPr txBox="1"/>
+          <p:cNvSpPr txBox="1">
+            <a:spLocks noGrp="1"/>
+          </p:cNvSpPr>
           <p:nvPr>
             <p:ph type="title"/>
           </p:nvPr>
@@ -3468,7 +3561,7 @@
           </a:prstGeom>
         </p:spPr>
         <p:txBody>
-          <a:bodyPr anchorCtr="0" anchor="t" bIns="91425" lIns="91425" spcFirstLastPara="1" rIns="91425" wrap="square" tIns="91425">
+          <a:bodyPr spcFirstLastPara="1" wrap="square" lIns="91425" tIns="91425" rIns="91425" bIns="91425" anchor="t" anchorCtr="0">
             <a:normAutofit/>
           </a:bodyPr>
           <a:lstStyle>
@@ -3572,15 +3665,19 @@
               <a:defRPr/>
             </a:lvl9pPr>
           </a:lstStyle>
-          <a:p/>
+          <a:p>
+            <a:endParaRPr/>
+          </a:p>
         </p:txBody>
       </p:sp>
       <p:sp>
         <p:nvSpPr>
           <p:cNvPr id="31" name="Google Shape;31;p6"/>
-          <p:cNvSpPr txBox="1"/>
+          <p:cNvSpPr txBox="1">
+            <a:spLocks noGrp="1"/>
+          </p:cNvSpPr>
           <p:nvPr>
-            <p:ph idx="12" type="sldNum"/>
+            <p:ph type="sldNum" idx="12"/>
           </p:nvPr>
         </p:nvSpPr>
         <p:spPr>
@@ -3593,7 +3690,7 @@
           </a:prstGeom>
         </p:spPr>
         <p:txBody>
-          <a:bodyPr anchorCtr="0" anchor="ctr" bIns="91425" lIns="91425" spcFirstLastPara="1" rIns="91425" wrap="square" tIns="91425">
+          <a:bodyPr spcFirstLastPara="1" wrap="square" lIns="91425" tIns="91425" rIns="91425" bIns="91425" anchor="ctr" anchorCtr="0">
             <a:normAutofit/>
           </a:bodyPr>
           <a:lstStyle>
@@ -3635,7 +3732,7 @@
             </a:lvl9pPr>
           </a:lstStyle>
           <a:p>
-            <a:pPr indent="0" lvl="0" marL="0" rtl="0" algn="r">
+            <a:pPr marL="0" lvl="0" indent="0" algn="r" rtl="0">
               <a:spcBef>
                 <a:spcPts val="0"/>
               </a:spcBef>
@@ -3661,11 +3758,11 @@
 </file>
 
 <file path=ppt/slideLayouts/slideLayout6.xml><?xml version="1.0" encoding="utf-8"?>
-<p:sldLayout xmlns:a="http://schemas.openxmlformats.org/drawingml/2006/main" xmlns:r="http://schemas.openxmlformats.org/officeDocument/2006/relationships" xmlns:mc="http://schemas.openxmlformats.org/markup-compatibility/2006" xmlns:mv="urn:schemas-microsoft-com:mac:vml" xmlns:p="http://schemas.openxmlformats.org/presentationml/2006/main" xmlns:c="http://schemas.openxmlformats.org/drawingml/2006/chart" xmlns:dgm="http://schemas.openxmlformats.org/drawingml/2006/diagram" xmlns:o="urn:schemas-microsoft-com:office:office" xmlns:v="urn:schemas-microsoft-com:vml" xmlns:pvml="urn:schemas-microsoft-com:office:powerpoint" xmlns:com="http://schemas.openxmlformats.org/drawingml/2006/compatibility" xmlns:p14="http://schemas.microsoft.com/office/powerpoint/2010/main" xmlns:p15="http://schemas.microsoft.com/office/powerpoint/2012/main" xmlns:ahyp="http://schemas.microsoft.com/office/drawing/2018/hyperlinkcolor" matchingName="One column text">
+<p:sldLayout xmlns:a="http://schemas.openxmlformats.org/drawingml/2006/main" xmlns:r="http://schemas.openxmlformats.org/officeDocument/2006/relationships" xmlns:p="http://schemas.openxmlformats.org/presentationml/2006/main" matchingName="One column text">
   <p:cSld name="ONE_COLUMN_TEXT">
     <p:spTree>
       <p:nvGrpSpPr>
-        <p:cNvPr id="32" name="Shape 32"/>
+        <p:cNvPr id="1" name="Shape 32"/>
         <p:cNvGrpSpPr/>
         <p:nvPr/>
       </p:nvGrpSpPr>
@@ -3680,7 +3777,9 @@
       <p:sp>
         <p:nvSpPr>
           <p:cNvPr id="33" name="Google Shape;33;p7"/>
-          <p:cNvSpPr txBox="1"/>
+          <p:cNvSpPr txBox="1">
+            <a:spLocks noGrp="1"/>
+          </p:cNvSpPr>
           <p:nvPr>
             <p:ph type="title"/>
           </p:nvPr>
@@ -3695,7 +3794,7 @@
           </a:prstGeom>
         </p:spPr>
         <p:txBody>
-          <a:bodyPr anchorCtr="0" anchor="b" bIns="91425" lIns="91425" spcFirstLastPara="1" rIns="91425" wrap="square" tIns="91425">
+          <a:bodyPr spcFirstLastPara="1" wrap="square" lIns="91425" tIns="91425" rIns="91425" bIns="91425" anchor="b" anchorCtr="0">
             <a:normAutofit/>
           </a:bodyPr>
           <a:lstStyle>
@@ -3799,15 +3898,19 @@
               <a:defRPr sz="2400"/>
             </a:lvl9pPr>
           </a:lstStyle>
-          <a:p/>
+          <a:p>
+            <a:endParaRPr/>
+          </a:p>
         </p:txBody>
       </p:sp>
       <p:sp>
         <p:nvSpPr>
           <p:cNvPr id="34" name="Google Shape;34;p7"/>
-          <p:cNvSpPr txBox="1"/>
+          <p:cNvSpPr txBox="1">
+            <a:spLocks noGrp="1"/>
+          </p:cNvSpPr>
           <p:nvPr>
-            <p:ph idx="1" type="body"/>
+            <p:ph type="body" idx="1"/>
           </p:nvPr>
         </p:nvSpPr>
         <p:spPr>
@@ -3820,11 +3923,11 @@
           </a:prstGeom>
         </p:spPr>
         <p:txBody>
-          <a:bodyPr anchorCtr="0" anchor="t" bIns="91425" lIns="91425" spcFirstLastPara="1" rIns="91425" wrap="square" tIns="91425">
+          <a:bodyPr spcFirstLastPara="1" wrap="square" lIns="91425" tIns="91425" rIns="91425" bIns="91425" anchor="t" anchorCtr="0">
             <a:normAutofit/>
           </a:bodyPr>
           <a:lstStyle>
-            <a:lvl1pPr indent="-304800" lvl="0" marL="457200">
+            <a:lvl1pPr marL="457200" lvl="0" indent="-304800">
               <a:spcBef>
                 <a:spcPts val="0"/>
               </a:spcBef>
@@ -3835,7 +3938,7 @@
               <a:buChar char="●"/>
               <a:defRPr sz="1200"/>
             </a:lvl1pPr>
-            <a:lvl2pPr indent="-304800" lvl="1" marL="914400">
+            <a:lvl2pPr marL="914400" lvl="1" indent="-304800">
               <a:spcBef>
                 <a:spcPts val="0"/>
               </a:spcBef>
@@ -3846,7 +3949,7 @@
               <a:buChar char="○"/>
               <a:defRPr sz="1200"/>
             </a:lvl2pPr>
-            <a:lvl3pPr indent="-304800" lvl="2" marL="1371600">
+            <a:lvl3pPr marL="1371600" lvl="2" indent="-304800">
               <a:spcBef>
                 <a:spcPts val="0"/>
               </a:spcBef>
@@ -3857,7 +3960,7 @@
               <a:buChar char="■"/>
               <a:defRPr sz="1200"/>
             </a:lvl3pPr>
-            <a:lvl4pPr indent="-304800" lvl="3" marL="1828800">
+            <a:lvl4pPr marL="1828800" lvl="3" indent="-304800">
               <a:spcBef>
                 <a:spcPts val="0"/>
               </a:spcBef>
@@ -3868,7 +3971,7 @@
               <a:buChar char="●"/>
               <a:defRPr sz="1200"/>
             </a:lvl4pPr>
-            <a:lvl5pPr indent="-304800" lvl="4" marL="2286000">
+            <a:lvl5pPr marL="2286000" lvl="4" indent="-304800">
               <a:spcBef>
                 <a:spcPts val="0"/>
               </a:spcBef>
@@ -3879,7 +3982,7 @@
               <a:buChar char="○"/>
               <a:defRPr sz="1200"/>
             </a:lvl5pPr>
-            <a:lvl6pPr indent="-304800" lvl="5" marL="2743200">
+            <a:lvl6pPr marL="2743200" lvl="5" indent="-304800">
               <a:spcBef>
                 <a:spcPts val="0"/>
               </a:spcBef>
@@ -3890,7 +3993,7 @@
               <a:buChar char="■"/>
               <a:defRPr sz="1200"/>
             </a:lvl6pPr>
-            <a:lvl7pPr indent="-304800" lvl="6" marL="3200400">
+            <a:lvl7pPr marL="3200400" lvl="6" indent="-304800">
               <a:spcBef>
                 <a:spcPts val="0"/>
               </a:spcBef>
@@ -3901,7 +4004,7 @@
               <a:buChar char="●"/>
               <a:defRPr sz="1200"/>
             </a:lvl7pPr>
-            <a:lvl8pPr indent="-304800" lvl="7" marL="3657600">
+            <a:lvl8pPr marL="3657600" lvl="7" indent="-304800">
               <a:spcBef>
                 <a:spcPts val="0"/>
               </a:spcBef>
@@ -3912,7 +4015,7 @@
               <a:buChar char="○"/>
               <a:defRPr sz="1200"/>
             </a:lvl8pPr>
-            <a:lvl9pPr indent="-304800" lvl="8" marL="4114800">
+            <a:lvl9pPr marL="4114800" lvl="8" indent="-304800">
               <a:spcBef>
                 <a:spcPts val="0"/>
               </a:spcBef>
@@ -3924,15 +4027,19 @@
               <a:defRPr sz="1200"/>
             </a:lvl9pPr>
           </a:lstStyle>
-          <a:p/>
+          <a:p>
+            <a:endParaRPr/>
+          </a:p>
         </p:txBody>
       </p:sp>
       <p:sp>
         <p:nvSpPr>
           <p:cNvPr id="35" name="Google Shape;35;p7"/>
-          <p:cNvSpPr txBox="1"/>
+          <p:cNvSpPr txBox="1">
+            <a:spLocks noGrp="1"/>
+          </p:cNvSpPr>
           <p:nvPr>
-            <p:ph idx="12" type="sldNum"/>
+            <p:ph type="sldNum" idx="12"/>
           </p:nvPr>
         </p:nvSpPr>
         <p:spPr>
@@ -3945,7 +4052,7 @@
           </a:prstGeom>
         </p:spPr>
         <p:txBody>
-          <a:bodyPr anchorCtr="0" anchor="ctr" bIns="91425" lIns="91425" spcFirstLastPara="1" rIns="91425" wrap="square" tIns="91425">
+          <a:bodyPr spcFirstLastPara="1" wrap="square" lIns="91425" tIns="91425" rIns="91425" bIns="91425" anchor="ctr" anchorCtr="0">
             <a:normAutofit/>
           </a:bodyPr>
           <a:lstStyle>
@@ -3987,7 +4094,7 @@
             </a:lvl9pPr>
           </a:lstStyle>
           <a:p>
-            <a:pPr indent="0" lvl="0" marL="0" rtl="0" algn="r">
+            <a:pPr marL="0" lvl="0" indent="0" algn="r" rtl="0">
               <a:spcBef>
                 <a:spcPts val="0"/>
               </a:spcBef>
@@ -4013,18 +4120,19 @@
 </file>
 
 <file path=ppt/slideLayouts/slideLayout7.xml><?xml version="1.0" encoding="utf-8"?>
-<p:sldLayout xmlns:a="http://schemas.openxmlformats.org/drawingml/2006/main" xmlns:r="http://schemas.openxmlformats.org/officeDocument/2006/relationships" xmlns:mc="http://schemas.openxmlformats.org/markup-compatibility/2006" xmlns:mv="urn:schemas-microsoft-com:mac:vml" xmlns:p="http://schemas.openxmlformats.org/presentationml/2006/main" xmlns:c="http://schemas.openxmlformats.org/drawingml/2006/chart" xmlns:dgm="http://schemas.openxmlformats.org/drawingml/2006/diagram" xmlns:o="urn:schemas-microsoft-com:office:office" xmlns:v="urn:schemas-microsoft-com:vml" xmlns:pvml="urn:schemas-microsoft-com:office:powerpoint" xmlns:com="http://schemas.openxmlformats.org/drawingml/2006/compatibility" xmlns:p14="http://schemas.microsoft.com/office/powerpoint/2010/main" xmlns:p15="http://schemas.microsoft.com/office/powerpoint/2012/main" xmlns:ahyp="http://schemas.microsoft.com/office/drawing/2018/hyperlinkcolor" matchingName="Main point">
+<p:sldLayout xmlns:a="http://schemas.openxmlformats.org/drawingml/2006/main" xmlns:r="http://schemas.openxmlformats.org/officeDocument/2006/relationships" xmlns:p="http://schemas.openxmlformats.org/presentationml/2006/main" matchingName="Main point">
   <p:cSld name="MAIN_POINT">
     <p:bg>
       <p:bgPr>
         <a:solidFill>
           <a:schemeClr val="lt2"/>
         </a:solidFill>
+        <a:effectLst/>
       </p:bgPr>
     </p:bg>
     <p:spTree>
       <p:nvGrpSpPr>
-        <p:cNvPr id="36" name="Shape 36"/>
+        <p:cNvPr id="1" name="Shape 36"/>
         <p:cNvGrpSpPr/>
         <p:nvPr/>
       </p:nvGrpSpPr>
@@ -4039,7 +4147,9 @@
       <p:sp>
         <p:nvSpPr>
           <p:cNvPr id="37" name="Google Shape;37;p8"/>
-          <p:cNvSpPr txBox="1"/>
+          <p:cNvSpPr txBox="1">
+            <a:spLocks noGrp="1"/>
+          </p:cNvSpPr>
           <p:nvPr>
             <p:ph type="title"/>
           </p:nvPr>
@@ -4054,7 +4164,7 @@
           </a:prstGeom>
         </p:spPr>
         <p:txBody>
-          <a:bodyPr anchorCtr="0" anchor="ctr" bIns="91425" lIns="91425" spcFirstLastPara="1" rIns="91425" wrap="square" tIns="91425">
+          <a:bodyPr spcFirstLastPara="1" wrap="square" lIns="91425" tIns="91425" rIns="91425" bIns="91425" anchor="ctr" anchorCtr="0">
             <a:normAutofit/>
           </a:bodyPr>
           <a:lstStyle>
@@ -4221,15 +4331,19 @@
               </a:defRPr>
             </a:lvl9pPr>
           </a:lstStyle>
-          <a:p/>
+          <a:p>
+            <a:endParaRPr/>
+          </a:p>
         </p:txBody>
       </p:sp>
       <p:sp>
         <p:nvSpPr>
           <p:cNvPr id="38" name="Google Shape;38;p8"/>
-          <p:cNvSpPr txBox="1"/>
+          <p:cNvSpPr txBox="1">
+            <a:spLocks noGrp="1"/>
+          </p:cNvSpPr>
           <p:nvPr>
-            <p:ph idx="12" type="sldNum"/>
+            <p:ph type="sldNum" idx="12"/>
           </p:nvPr>
         </p:nvSpPr>
         <p:spPr>
@@ -4242,7 +4356,7 @@
           </a:prstGeom>
         </p:spPr>
         <p:txBody>
-          <a:bodyPr anchorCtr="0" anchor="ctr" bIns="91425" lIns="91425" spcFirstLastPara="1" rIns="91425" wrap="square" tIns="91425">
+          <a:bodyPr spcFirstLastPara="1" wrap="square" lIns="91425" tIns="91425" rIns="91425" bIns="91425" anchor="ctr" anchorCtr="0">
             <a:normAutofit/>
           </a:bodyPr>
           <a:lstStyle>
@@ -4320,7 +4434,7 @@
             </a:lvl9pPr>
           </a:lstStyle>
           <a:p>
-            <a:pPr indent="0" lvl="0" marL="0" rtl="0" algn="r">
+            <a:pPr marL="0" lvl="0" indent="0" algn="r" rtl="0">
               <a:spcBef>
                 <a:spcPts val="0"/>
               </a:spcBef>
@@ -4346,11 +4460,11 @@
 </file>
 
 <file path=ppt/slideLayouts/slideLayout8.xml><?xml version="1.0" encoding="utf-8"?>
-<p:sldLayout xmlns:a="http://schemas.openxmlformats.org/drawingml/2006/main" xmlns:r="http://schemas.openxmlformats.org/officeDocument/2006/relationships" xmlns:mc="http://schemas.openxmlformats.org/markup-compatibility/2006" xmlns:mv="urn:schemas-microsoft-com:mac:vml" xmlns:p="http://schemas.openxmlformats.org/presentationml/2006/main" xmlns:c="http://schemas.openxmlformats.org/drawingml/2006/chart" xmlns:dgm="http://schemas.openxmlformats.org/drawingml/2006/diagram" xmlns:o="urn:schemas-microsoft-com:office:office" xmlns:v="urn:schemas-microsoft-com:vml" xmlns:pvml="urn:schemas-microsoft-com:office:powerpoint" xmlns:com="http://schemas.openxmlformats.org/drawingml/2006/compatibility" xmlns:p14="http://schemas.microsoft.com/office/powerpoint/2010/main" xmlns:p15="http://schemas.microsoft.com/office/powerpoint/2012/main" xmlns:ahyp="http://schemas.microsoft.com/office/drawing/2018/hyperlinkcolor" matchingName="Section title and description">
+<p:sldLayout xmlns:a="http://schemas.openxmlformats.org/drawingml/2006/main" xmlns:r="http://schemas.openxmlformats.org/officeDocument/2006/relationships" xmlns:p="http://schemas.openxmlformats.org/presentationml/2006/main" matchingName="Section title and description">
   <p:cSld name="SECTION_TITLE_AND_DESCRIPTION">
     <p:spTree>
       <p:nvGrpSpPr>
-        <p:cNvPr id="39" name="Shape 39"/>
+        <p:cNvPr id="1" name="Shape 39"/>
         <p:cNvGrpSpPr/>
         <p:nvPr/>
       </p:nvGrpSpPr>
@@ -4384,12 +4498,12 @@
           </a:ln>
         </p:spPr>
         <p:txBody>
-          <a:bodyPr anchorCtr="0" anchor="ctr" bIns="91425" lIns="91425" spcFirstLastPara="1" rIns="91425" wrap="square" tIns="91425">
+          <a:bodyPr spcFirstLastPara="1" wrap="square" lIns="91425" tIns="91425" rIns="91425" bIns="91425" anchor="ctr" anchorCtr="0">
             <a:noAutofit/>
           </a:bodyPr>
           <a:lstStyle/>
           <a:p>
-            <a:pPr indent="0" lvl="0" marL="0" rtl="0" algn="l">
+            <a:pPr marL="0" lvl="0" indent="0" algn="l" rtl="0">
               <a:spcBef>
                 <a:spcPts val="0"/>
               </a:spcBef>
@@ -4398,9 +4512,6 @@
               </a:spcAft>
               <a:buNone/>
             </a:pPr>
-            <a:r>
-              <a:t/>
-            </a:r>
             <a:endParaRPr/>
           </a:p>
         </p:txBody>
@@ -4420,21 +4531,23 @@
             <a:avLst/>
           </a:prstGeom>
           <a:noFill/>
-          <a:ln cap="flat" cmpd="sng" w="19050">
+          <a:ln w="19050" cap="flat" cmpd="sng">
             <a:solidFill>
               <a:schemeClr val="lt1"/>
             </a:solidFill>
             <a:prstDash val="solid"/>
             <a:round/>
-            <a:headEnd len="sm" w="sm" type="none"/>
-            <a:tailEnd len="sm" w="sm" type="none"/>
+            <a:headEnd type="none" w="sm" len="sm"/>
+            <a:tailEnd type="none" w="sm" len="sm"/>
           </a:ln>
         </p:spPr>
       </p:cxnSp>
       <p:sp>
         <p:nvSpPr>
           <p:cNvPr id="42" name="Google Shape;42;p9"/>
-          <p:cNvSpPr txBox="1"/>
+          <p:cNvSpPr txBox="1">
+            <a:spLocks noGrp="1"/>
+          </p:cNvSpPr>
           <p:nvPr>
             <p:ph type="title"/>
           </p:nvPr>
@@ -4449,7 +4562,7 @@
           </a:prstGeom>
         </p:spPr>
         <p:txBody>
-          <a:bodyPr anchorCtr="0" anchor="b" bIns="91425" lIns="91425" spcFirstLastPara="1" rIns="91425" wrap="square" tIns="91425">
+          <a:bodyPr spcFirstLastPara="1" wrap="square" lIns="91425" tIns="91425" rIns="91425" bIns="91425" anchor="b" anchorCtr="0">
             <a:normAutofit/>
           </a:bodyPr>
           <a:lstStyle>
@@ -4553,15 +4666,19 @@
               <a:defRPr sz="4200"/>
             </a:lvl9pPr>
           </a:lstStyle>
-          <a:p/>
+          <a:p>
+            <a:endParaRPr/>
+          </a:p>
         </p:txBody>
       </p:sp>
       <p:sp>
         <p:nvSpPr>
           <p:cNvPr id="43" name="Google Shape;43;p9"/>
-          <p:cNvSpPr txBox="1"/>
+          <p:cNvSpPr txBox="1">
+            <a:spLocks noGrp="1"/>
+          </p:cNvSpPr>
           <p:nvPr>
-            <p:ph idx="1" type="subTitle"/>
+            <p:ph type="subTitle" idx="1"/>
           </p:nvPr>
         </p:nvSpPr>
         <p:spPr>
@@ -4574,7 +4691,7 @@
           </a:prstGeom>
         </p:spPr>
         <p:txBody>
-          <a:bodyPr anchorCtr="0" anchor="t" bIns="91425" lIns="91425" spcFirstLastPara="1" rIns="91425" wrap="square" tIns="91425">
+          <a:bodyPr spcFirstLastPara="1" wrap="square" lIns="91425" tIns="91425" rIns="91425" bIns="91425" anchor="t" anchorCtr="0">
             <a:normAutofit/>
           </a:bodyPr>
           <a:lstStyle>
@@ -4768,15 +4885,19 @@
               </a:defRPr>
             </a:lvl9pPr>
           </a:lstStyle>
-          <a:p/>
+          <a:p>
+            <a:endParaRPr/>
+          </a:p>
         </p:txBody>
       </p:sp>
       <p:sp>
         <p:nvSpPr>
           <p:cNvPr id="44" name="Google Shape;44;p9"/>
-          <p:cNvSpPr txBox="1"/>
+          <p:cNvSpPr txBox="1">
+            <a:spLocks noGrp="1"/>
+          </p:cNvSpPr>
           <p:nvPr>
-            <p:ph idx="2" type="body"/>
+            <p:ph type="body" idx="2"/>
           </p:nvPr>
         </p:nvSpPr>
         <p:spPr>
@@ -4789,11 +4910,11 @@
           </a:prstGeom>
         </p:spPr>
         <p:txBody>
-          <a:bodyPr anchorCtr="0" anchor="ctr" bIns="91425" lIns="91425" spcFirstLastPara="1" rIns="91425" wrap="square" tIns="91425">
+          <a:bodyPr spcFirstLastPara="1" wrap="square" lIns="91425" tIns="91425" rIns="91425" bIns="91425" anchor="ctr" anchorCtr="0">
             <a:normAutofit/>
           </a:bodyPr>
           <a:lstStyle>
-            <a:lvl1pPr indent="-342900" lvl="0" marL="457200">
+            <a:lvl1pPr marL="457200" lvl="0" indent="-342900">
               <a:spcBef>
                 <a:spcPts val="0"/>
               </a:spcBef>
@@ -4811,7 +4932,7 @@
                 </a:solidFill>
               </a:defRPr>
             </a:lvl1pPr>
-            <a:lvl2pPr indent="-317500" lvl="1" marL="914400">
+            <a:lvl2pPr marL="914400" lvl="1" indent="-317500">
               <a:spcBef>
                 <a:spcPts val="0"/>
               </a:spcBef>
@@ -4829,7 +4950,7 @@
                 </a:solidFill>
               </a:defRPr>
             </a:lvl2pPr>
-            <a:lvl3pPr indent="-317500" lvl="2" marL="1371600">
+            <a:lvl3pPr marL="1371600" lvl="2" indent="-317500">
               <a:spcBef>
                 <a:spcPts val="0"/>
               </a:spcBef>
@@ -4847,7 +4968,7 @@
                 </a:solidFill>
               </a:defRPr>
             </a:lvl3pPr>
-            <a:lvl4pPr indent="-317500" lvl="3" marL="1828800">
+            <a:lvl4pPr marL="1828800" lvl="3" indent="-317500">
               <a:spcBef>
                 <a:spcPts val="0"/>
               </a:spcBef>
@@ -4865,7 +4986,7 @@
                 </a:solidFill>
               </a:defRPr>
             </a:lvl4pPr>
-            <a:lvl5pPr indent="-317500" lvl="4" marL="2286000">
+            <a:lvl5pPr marL="2286000" lvl="4" indent="-317500">
               <a:spcBef>
                 <a:spcPts val="0"/>
               </a:spcBef>
@@ -4883,7 +5004,7 @@
                 </a:solidFill>
               </a:defRPr>
             </a:lvl5pPr>
-            <a:lvl6pPr indent="-317500" lvl="5" marL="2743200">
+            <a:lvl6pPr marL="2743200" lvl="5" indent="-317500">
               <a:spcBef>
                 <a:spcPts val="0"/>
               </a:spcBef>
@@ -4901,7 +5022,7 @@
                 </a:solidFill>
               </a:defRPr>
             </a:lvl6pPr>
-            <a:lvl7pPr indent="-317500" lvl="6" marL="3200400">
+            <a:lvl7pPr marL="3200400" lvl="6" indent="-317500">
               <a:spcBef>
                 <a:spcPts val="0"/>
               </a:spcBef>
@@ -4919,7 +5040,7 @@
                 </a:solidFill>
               </a:defRPr>
             </a:lvl7pPr>
-            <a:lvl8pPr indent="-317500" lvl="7" marL="3657600">
+            <a:lvl8pPr marL="3657600" lvl="7" indent="-317500">
               <a:spcBef>
                 <a:spcPts val="0"/>
               </a:spcBef>
@@ -4937,7 +5058,7 @@
                 </a:solidFill>
               </a:defRPr>
             </a:lvl8pPr>
-            <a:lvl9pPr indent="-317500" lvl="8" marL="4114800">
+            <a:lvl9pPr marL="4114800" lvl="8" indent="-317500">
               <a:spcBef>
                 <a:spcPts val="0"/>
               </a:spcBef>
@@ -4956,15 +5077,19 @@
               </a:defRPr>
             </a:lvl9pPr>
           </a:lstStyle>
-          <a:p/>
+          <a:p>
+            <a:endParaRPr/>
+          </a:p>
         </p:txBody>
       </p:sp>
       <p:sp>
         <p:nvSpPr>
           <p:cNvPr id="45" name="Google Shape;45;p9"/>
-          <p:cNvSpPr txBox="1"/>
+          <p:cNvSpPr txBox="1">
+            <a:spLocks noGrp="1"/>
+          </p:cNvSpPr>
           <p:nvPr>
-            <p:ph idx="12" type="sldNum"/>
+            <p:ph type="sldNum" idx="12"/>
           </p:nvPr>
         </p:nvSpPr>
         <p:spPr>
@@ -4977,7 +5102,7 @@
           </a:prstGeom>
         </p:spPr>
         <p:txBody>
-          <a:bodyPr anchorCtr="0" anchor="ctr" bIns="91425" lIns="91425" spcFirstLastPara="1" rIns="91425" wrap="square" tIns="91425">
+          <a:bodyPr spcFirstLastPara="1" wrap="square" lIns="91425" tIns="91425" rIns="91425" bIns="91425" anchor="ctr" anchorCtr="0">
             <a:normAutofit/>
           </a:bodyPr>
           <a:lstStyle>
@@ -5055,7 +5180,7 @@
             </a:lvl9pPr>
           </a:lstStyle>
           <a:p>
-            <a:pPr indent="0" lvl="0" marL="0" rtl="0" algn="r">
+            <a:pPr marL="0" lvl="0" indent="0" algn="r" rtl="0">
               <a:spcBef>
                 <a:spcPts val="0"/>
               </a:spcBef>
@@ -5081,11 +5206,11 @@
 </file>
 
 <file path=ppt/slideLayouts/slideLayout9.xml><?xml version="1.0" encoding="utf-8"?>
-<p:sldLayout xmlns:a="http://schemas.openxmlformats.org/drawingml/2006/main" xmlns:r="http://schemas.openxmlformats.org/officeDocument/2006/relationships" xmlns:mc="http://schemas.openxmlformats.org/markup-compatibility/2006" xmlns:mv="urn:schemas-microsoft-com:mac:vml" xmlns:p="http://schemas.openxmlformats.org/presentationml/2006/main" xmlns:c="http://schemas.openxmlformats.org/drawingml/2006/chart" xmlns:dgm="http://schemas.openxmlformats.org/drawingml/2006/diagram" xmlns:o="urn:schemas-microsoft-com:office:office" xmlns:v="urn:schemas-microsoft-com:vml" xmlns:pvml="urn:schemas-microsoft-com:office:powerpoint" xmlns:com="http://schemas.openxmlformats.org/drawingml/2006/compatibility" xmlns:p14="http://schemas.microsoft.com/office/powerpoint/2010/main" xmlns:p15="http://schemas.microsoft.com/office/powerpoint/2012/main" xmlns:ahyp="http://schemas.microsoft.com/office/drawing/2018/hyperlinkcolor" matchingName="Caption">
+<p:sldLayout xmlns:a="http://schemas.openxmlformats.org/drawingml/2006/main" xmlns:r="http://schemas.openxmlformats.org/officeDocument/2006/relationships" xmlns:p="http://schemas.openxmlformats.org/presentationml/2006/main" matchingName="Caption">
   <p:cSld name="CAPTION_ONLY">
     <p:spTree>
       <p:nvGrpSpPr>
-        <p:cNvPr id="46" name="Shape 46"/>
+        <p:cNvPr id="1" name="Shape 46"/>
         <p:cNvGrpSpPr/>
         <p:nvPr/>
       </p:nvGrpSpPr>
@@ -5100,9 +5225,11 @@
       <p:sp>
         <p:nvSpPr>
           <p:cNvPr id="47" name="Google Shape;47;p10"/>
-          <p:cNvSpPr txBox="1"/>
+          <p:cNvSpPr txBox="1">
+            <a:spLocks noGrp="1"/>
+          </p:cNvSpPr>
           <p:nvPr>
-            <p:ph idx="1" type="body"/>
+            <p:ph type="body" idx="1"/>
           </p:nvPr>
         </p:nvSpPr>
         <p:spPr>
@@ -5115,11 +5242,11 @@
           </a:prstGeom>
         </p:spPr>
         <p:txBody>
-          <a:bodyPr anchorCtr="0" anchor="ctr" bIns="91425" lIns="91425" spcFirstLastPara="1" rIns="91425" wrap="square" tIns="91425">
+          <a:bodyPr spcFirstLastPara="1" wrap="square" lIns="91425" tIns="91425" rIns="91425" bIns="91425" anchor="ctr" anchorCtr="0">
             <a:normAutofit/>
           </a:bodyPr>
           <a:lstStyle>
-            <a:lvl1pPr indent="-228600" lvl="0" marL="457200">
+            <a:lvl1pPr marL="457200" lvl="0" indent="-228600">
               <a:lnSpc>
                 <a:spcPct val="100000"/>
               </a:lnSpc>
@@ -5146,15 +5273,19 @@
               </a:defRPr>
             </a:lvl1pPr>
           </a:lstStyle>
-          <a:p/>
+          <a:p>
+            <a:endParaRPr/>
+          </a:p>
         </p:txBody>
       </p:sp>
       <p:sp>
         <p:nvSpPr>
           <p:cNvPr id="48" name="Google Shape;48;p10"/>
-          <p:cNvSpPr txBox="1"/>
+          <p:cNvSpPr txBox="1">
+            <a:spLocks noGrp="1"/>
+          </p:cNvSpPr>
           <p:nvPr>
-            <p:ph idx="12" type="sldNum"/>
+            <p:ph type="sldNum" idx="12"/>
           </p:nvPr>
         </p:nvSpPr>
         <p:spPr>
@@ -5167,7 +5298,7 @@
           </a:prstGeom>
         </p:spPr>
         <p:txBody>
-          <a:bodyPr anchorCtr="0" anchor="ctr" bIns="91425" lIns="91425" spcFirstLastPara="1" rIns="91425" wrap="square" tIns="91425">
+          <a:bodyPr spcFirstLastPara="1" wrap="square" lIns="91425" tIns="91425" rIns="91425" bIns="91425" anchor="ctr" anchorCtr="0">
             <a:normAutofit/>
           </a:bodyPr>
           <a:lstStyle>
@@ -5209,7 +5340,7 @@
             </a:lvl9pPr>
           </a:lstStyle>
           <a:p>
-            <a:pPr indent="0" lvl="0" marL="0" rtl="0" algn="r">
+            <a:pPr marL="0" lvl="0" indent="0" algn="r" rtl="0">
               <a:spcBef>
                 <a:spcPts val="0"/>
               </a:spcBef>
@@ -5235,18 +5366,19 @@
 </file>
 
 <file path=ppt/slideMasters/slideMaster1.xml><?xml version="1.0" encoding="utf-8"?>
-<p:sldMaster xmlns:a="http://schemas.openxmlformats.org/drawingml/2006/main" xmlns:r="http://schemas.openxmlformats.org/officeDocument/2006/relationships" xmlns:mc="http://schemas.openxmlformats.org/markup-compatibility/2006" xmlns:mv="urn:schemas-microsoft-com:mac:vml" xmlns:p="http://schemas.openxmlformats.org/presentationml/2006/main" xmlns:c="http://schemas.openxmlformats.org/drawingml/2006/chart" xmlns:dgm="http://schemas.openxmlformats.org/drawingml/2006/diagram" xmlns:o="urn:schemas-microsoft-com:office:office" xmlns:v="urn:schemas-microsoft-com:vml" xmlns:pvml="urn:schemas-microsoft-com:office:powerpoint" xmlns:com="http://schemas.openxmlformats.org/drawingml/2006/compatibility" xmlns:p14="http://schemas.microsoft.com/office/powerpoint/2010/main" xmlns:p15="http://schemas.microsoft.com/office/powerpoint/2012/main" xmlns:ahyp="http://schemas.microsoft.com/office/drawing/2018/hyperlinkcolor">
+<p:sldMaster xmlns:a="http://schemas.openxmlformats.org/drawingml/2006/main" xmlns:r="http://schemas.openxmlformats.org/officeDocument/2006/relationships" xmlns:p="http://schemas.openxmlformats.org/presentationml/2006/main">
   <p:cSld name="slate">
     <p:bg>
       <p:bgPr>
         <a:solidFill>
           <a:schemeClr val="lt1"/>
         </a:solidFill>
+        <a:effectLst/>
       </p:bgPr>
     </p:bg>
     <p:spTree>
       <p:nvGrpSpPr>
-        <p:cNvPr id="5" name="Shape 5"/>
+        <p:cNvPr id="1" name="Shape 5"/>
         <p:cNvGrpSpPr/>
         <p:nvPr/>
       </p:nvGrpSpPr>
@@ -5261,7 +5393,9 @@
       <p:sp>
         <p:nvSpPr>
           <p:cNvPr id="6" name="Google Shape;6;p1"/>
-          <p:cNvSpPr txBox="1"/>
+          <p:cNvSpPr txBox="1">
+            <a:spLocks noGrp="1"/>
+          </p:cNvSpPr>
           <p:nvPr>
             <p:ph type="title"/>
           </p:nvPr>
@@ -5280,7 +5414,7 @@
           </a:ln>
         </p:spPr>
         <p:txBody>
-          <a:bodyPr anchorCtr="0" anchor="t" bIns="91425" lIns="91425" spcFirstLastPara="1" rIns="91425" wrap="square" tIns="91425">
+          <a:bodyPr spcFirstLastPara="1" wrap="square" lIns="91425" tIns="91425" rIns="91425" bIns="91425" anchor="t" anchorCtr="0">
             <a:normAutofit/>
           </a:bodyPr>
           <a:lstStyle>
@@ -5492,15 +5626,19 @@
               </a:defRPr>
             </a:lvl9pPr>
           </a:lstStyle>
-          <a:p/>
+          <a:p>
+            <a:endParaRPr/>
+          </a:p>
         </p:txBody>
       </p:sp>
       <p:sp>
         <p:nvSpPr>
           <p:cNvPr id="7" name="Google Shape;7;p1"/>
-          <p:cNvSpPr txBox="1"/>
+          <p:cNvSpPr txBox="1">
+            <a:spLocks noGrp="1"/>
+          </p:cNvSpPr>
           <p:nvPr>
-            <p:ph idx="1" type="body"/>
+            <p:ph type="body" idx="1"/>
           </p:nvPr>
         </p:nvSpPr>
         <p:spPr>
@@ -5517,11 +5655,11 @@
           </a:ln>
         </p:spPr>
         <p:txBody>
-          <a:bodyPr anchorCtr="0" anchor="t" bIns="91425" lIns="91425" spcFirstLastPara="1" rIns="91425" wrap="square" tIns="91425">
+          <a:bodyPr spcFirstLastPara="1" wrap="square" lIns="91425" tIns="91425" rIns="91425" bIns="91425" anchor="t" anchorCtr="0">
             <a:normAutofit/>
           </a:bodyPr>
           <a:lstStyle>
-            <a:lvl1pPr indent="-342900" lvl="0" marL="457200">
+            <a:lvl1pPr marL="457200" lvl="0" indent="-342900">
               <a:lnSpc>
                 <a:spcPct val="115000"/>
               </a:lnSpc>
@@ -5547,7 +5685,7 @@
                 <a:sym typeface="Average"/>
               </a:defRPr>
             </a:lvl1pPr>
-            <a:lvl2pPr indent="-317500" lvl="1" marL="914400">
+            <a:lvl2pPr marL="914400" lvl="1" indent="-317500">
               <a:lnSpc>
                 <a:spcPct val="115000"/>
               </a:lnSpc>
@@ -5573,7 +5711,7 @@
                 <a:sym typeface="Average"/>
               </a:defRPr>
             </a:lvl2pPr>
-            <a:lvl3pPr indent="-317500" lvl="2" marL="1371600">
+            <a:lvl3pPr marL="1371600" lvl="2" indent="-317500">
               <a:lnSpc>
                 <a:spcPct val="115000"/>
               </a:lnSpc>
@@ -5599,7 +5737,7 @@
                 <a:sym typeface="Average"/>
               </a:defRPr>
             </a:lvl3pPr>
-            <a:lvl4pPr indent="-317500" lvl="3" marL="1828800">
+            <a:lvl4pPr marL="1828800" lvl="3" indent="-317500">
               <a:lnSpc>
                 <a:spcPct val="115000"/>
               </a:lnSpc>
@@ -5625,7 +5763,7 @@
                 <a:sym typeface="Average"/>
               </a:defRPr>
             </a:lvl4pPr>
-            <a:lvl5pPr indent="-317500" lvl="4" marL="2286000">
+            <a:lvl5pPr marL="2286000" lvl="4" indent="-317500">
               <a:lnSpc>
                 <a:spcPct val="115000"/>
               </a:lnSpc>
@@ -5651,7 +5789,7 @@
                 <a:sym typeface="Average"/>
               </a:defRPr>
             </a:lvl5pPr>
-            <a:lvl6pPr indent="-317500" lvl="5" marL="2743200">
+            <a:lvl6pPr marL="2743200" lvl="5" indent="-317500">
               <a:lnSpc>
                 <a:spcPct val="115000"/>
               </a:lnSpc>
@@ -5677,7 +5815,7 @@
                 <a:sym typeface="Average"/>
               </a:defRPr>
             </a:lvl6pPr>
-            <a:lvl7pPr indent="-317500" lvl="6" marL="3200400">
+            <a:lvl7pPr marL="3200400" lvl="6" indent="-317500">
               <a:lnSpc>
                 <a:spcPct val="115000"/>
               </a:lnSpc>
@@ -5703,7 +5841,7 @@
                 <a:sym typeface="Average"/>
               </a:defRPr>
             </a:lvl7pPr>
-            <a:lvl8pPr indent="-317500" lvl="7" marL="3657600">
+            <a:lvl8pPr marL="3657600" lvl="7" indent="-317500">
               <a:lnSpc>
                 <a:spcPct val="115000"/>
               </a:lnSpc>
@@ -5729,7 +5867,7 @@
                 <a:sym typeface="Average"/>
               </a:defRPr>
             </a:lvl8pPr>
-            <a:lvl9pPr indent="-317500" lvl="8" marL="4114800">
+            <a:lvl9pPr marL="4114800" lvl="8" indent="-317500">
               <a:lnSpc>
                 <a:spcPct val="115000"/>
               </a:lnSpc>
@@ -5756,15 +5894,19 @@
               </a:defRPr>
             </a:lvl9pPr>
           </a:lstStyle>
-          <a:p/>
+          <a:p>
+            <a:endParaRPr/>
+          </a:p>
         </p:txBody>
       </p:sp>
       <p:sp>
         <p:nvSpPr>
           <p:cNvPr id="8" name="Google Shape;8;p1"/>
-          <p:cNvSpPr txBox="1"/>
+          <p:cNvSpPr txBox="1">
+            <a:spLocks noGrp="1"/>
+          </p:cNvSpPr>
           <p:nvPr>
-            <p:ph idx="12" type="sldNum"/>
+            <p:ph type="sldNum" idx="12"/>
           </p:nvPr>
         </p:nvSpPr>
         <p:spPr>
@@ -5781,7 +5923,7 @@
           </a:ln>
         </p:spPr>
         <p:txBody>
-          <a:bodyPr anchorCtr="0" anchor="ctr" bIns="91425" lIns="91425" spcFirstLastPara="1" rIns="91425" wrap="square" tIns="91425">
+          <a:bodyPr spcFirstLastPara="1" wrap="square" lIns="91425" tIns="91425" rIns="91425" bIns="91425" anchor="ctr" anchorCtr="0">
             <a:normAutofit/>
           </a:bodyPr>
           <a:lstStyle>
@@ -5895,7 +6037,7 @@
             </a:lvl9pPr>
           </a:lstStyle>
           <a:p>
-            <a:pPr indent="0" lvl="0" marL="0" rtl="0" algn="r">
+            <a:pPr marL="0" lvl="0" indent="0" algn="r" rtl="0">
               <a:spcBef>
                 <a:spcPts val="0"/>
               </a:spcBef>
@@ -5914,7 +6056,7 @@
       </p:sp>
     </p:spTree>
   </p:cSld>
-  <p:clrMap accent1="accent1" accent2="accent2" accent3="accent3" accent4="accent4" accent5="accent5" accent6="accent6" bg1="lt1" bg2="dk2" tx1="dk1" tx2="lt2" folHlink="folHlink" hlink="hlink"/>
+  <p:clrMap bg1="lt1" tx1="dk1" bg2="dk2" tx2="lt2" accent1="accent1" accent2="accent2" accent3="accent3" accent4="accent4" accent5="accent5" accent6="accent6" hlink="hlink" folHlink="folHlink"/>
   <p:sldLayoutIdLst>
     <p:sldLayoutId id="2147483648" r:id="rId1"/>
     <p:sldLayoutId id="2147483649" r:id="rId2"/>
@@ -5928,10 +6070,10 @@
     <p:sldLayoutId id="2147483657" r:id="rId10"/>
     <p:sldLayoutId id="2147483658" r:id="rId11"/>
   </p:sldLayoutIdLst>
-  <p:hf dt="0" ftr="0" hdr="0" sldNum="0"/>
+  <p:hf sldNum="0" hdr="0" ftr="0" dt="0"/>
   <p:txStyles>
     <p:titleStyle>
-      <a:defPPr lvl="0" marR="0" rtl="0" algn="l">
+      <a:defPPr marR="0" lvl="0" algn="l" rtl="0">
         <a:lnSpc>
           <a:spcPct val="100000"/>
         </a:lnSpc>
@@ -5942,7 +6084,7 @@
           <a:spcPts val="0"/>
         </a:spcAft>
       </a:defPPr>
-      <a:lvl1pPr lvl="0" marR="0" rtl="0" algn="l">
+      <a:lvl1pPr marR="0" lvl="0" algn="l" rtl="0">
         <a:lnSpc>
           <a:spcPct val="100000"/>
         </a:lnSpc>
@@ -5956,7 +6098,7 @@
           <a:srgbClr val="000000"/>
         </a:buClr>
         <a:buFont typeface="Arial"/>
-        <a:defRPr b="0" i="0" sz="1400" u="none" cap="none" strike="noStrike">
+        <a:defRPr sz="1400" b="0" i="0" u="none" strike="noStrike" cap="none">
           <a:solidFill>
             <a:srgbClr val="000000"/>
           </a:solidFill>
@@ -5966,7 +6108,7 @@
           <a:sym typeface="Arial"/>
         </a:defRPr>
       </a:lvl1pPr>
-      <a:lvl2pPr lvl="1" marR="0" rtl="0" algn="l">
+      <a:lvl2pPr marR="0" lvl="1" algn="l" rtl="0">
         <a:lnSpc>
           <a:spcPct val="100000"/>
         </a:lnSpc>
@@ -5980,7 +6122,7 @@
           <a:srgbClr val="000000"/>
         </a:buClr>
         <a:buFont typeface="Arial"/>
-        <a:defRPr b="0" i="0" sz="1400" u="none" cap="none" strike="noStrike">
+        <a:defRPr sz="1400" b="0" i="0" u="none" strike="noStrike" cap="none">
           <a:solidFill>
             <a:srgbClr val="000000"/>
           </a:solidFill>
@@ -5990,7 +6132,7 @@
           <a:sym typeface="Arial"/>
         </a:defRPr>
       </a:lvl2pPr>
-      <a:lvl3pPr lvl="2" marR="0" rtl="0" algn="l">
+      <a:lvl3pPr marR="0" lvl="2" algn="l" rtl="0">
         <a:lnSpc>
           <a:spcPct val="100000"/>
         </a:lnSpc>
@@ -6004,7 +6146,7 @@
           <a:srgbClr val="000000"/>
         </a:buClr>
         <a:buFont typeface="Arial"/>
-        <a:defRPr b="0" i="0" sz="1400" u="none" cap="none" strike="noStrike">
+        <a:defRPr sz="1400" b="0" i="0" u="none" strike="noStrike" cap="none">
           <a:solidFill>
             <a:srgbClr val="000000"/>
           </a:solidFill>
@@ -6014,7 +6156,7 @@
           <a:sym typeface="Arial"/>
         </a:defRPr>
       </a:lvl3pPr>
-      <a:lvl4pPr lvl="3" marR="0" rtl="0" algn="l">
+      <a:lvl4pPr marR="0" lvl="3" algn="l" rtl="0">
         <a:lnSpc>
           <a:spcPct val="100000"/>
         </a:lnSpc>
@@ -6028,7 +6170,7 @@
           <a:srgbClr val="000000"/>
         </a:buClr>
         <a:buFont typeface="Arial"/>
-        <a:defRPr b="0" i="0" sz="1400" u="none" cap="none" strike="noStrike">
+        <a:defRPr sz="1400" b="0" i="0" u="none" strike="noStrike" cap="none">
           <a:solidFill>
             <a:srgbClr val="000000"/>
           </a:solidFill>
@@ -6038,7 +6180,7 @@
           <a:sym typeface="Arial"/>
         </a:defRPr>
       </a:lvl4pPr>
-      <a:lvl5pPr lvl="4" marR="0" rtl="0" algn="l">
+      <a:lvl5pPr marR="0" lvl="4" algn="l" rtl="0">
         <a:lnSpc>
           <a:spcPct val="100000"/>
         </a:lnSpc>
@@ -6052,7 +6194,7 @@
           <a:srgbClr val="000000"/>
         </a:buClr>
         <a:buFont typeface="Arial"/>
-        <a:defRPr b="0" i="0" sz="1400" u="none" cap="none" strike="noStrike">
+        <a:defRPr sz="1400" b="0" i="0" u="none" strike="noStrike" cap="none">
           <a:solidFill>
             <a:srgbClr val="000000"/>
           </a:solidFill>
@@ -6062,7 +6204,7 @@
           <a:sym typeface="Arial"/>
         </a:defRPr>
       </a:lvl5pPr>
-      <a:lvl6pPr lvl="5" marR="0" rtl="0" algn="l">
+      <a:lvl6pPr marR="0" lvl="5" algn="l" rtl="0">
         <a:lnSpc>
           <a:spcPct val="100000"/>
         </a:lnSpc>
@@ -6076,7 +6218,7 @@
           <a:srgbClr val="000000"/>
         </a:buClr>
         <a:buFont typeface="Arial"/>
-        <a:defRPr b="0" i="0" sz="1400" u="none" cap="none" strike="noStrike">
+        <a:defRPr sz="1400" b="0" i="0" u="none" strike="noStrike" cap="none">
           <a:solidFill>
             <a:srgbClr val="000000"/>
           </a:solidFill>
@@ -6086,7 +6228,7 @@
           <a:sym typeface="Arial"/>
         </a:defRPr>
       </a:lvl6pPr>
-      <a:lvl7pPr lvl="6" marR="0" rtl="0" algn="l">
+      <a:lvl7pPr marR="0" lvl="6" algn="l" rtl="0">
         <a:lnSpc>
           <a:spcPct val="100000"/>
         </a:lnSpc>
@@ -6100,7 +6242,7 @@
           <a:srgbClr val="000000"/>
         </a:buClr>
         <a:buFont typeface="Arial"/>
-        <a:defRPr b="0" i="0" sz="1400" u="none" cap="none" strike="noStrike">
+        <a:defRPr sz="1400" b="0" i="0" u="none" strike="noStrike" cap="none">
           <a:solidFill>
             <a:srgbClr val="000000"/>
           </a:solidFill>
@@ -6110,7 +6252,7 @@
           <a:sym typeface="Arial"/>
         </a:defRPr>
       </a:lvl7pPr>
-      <a:lvl8pPr lvl="7" marR="0" rtl="0" algn="l">
+      <a:lvl8pPr marR="0" lvl="7" algn="l" rtl="0">
         <a:lnSpc>
           <a:spcPct val="100000"/>
         </a:lnSpc>
@@ -6124,7 +6266,7 @@
           <a:srgbClr val="000000"/>
         </a:buClr>
         <a:buFont typeface="Arial"/>
-        <a:defRPr b="0" i="0" sz="1400" u="none" cap="none" strike="noStrike">
+        <a:defRPr sz="1400" b="0" i="0" u="none" strike="noStrike" cap="none">
           <a:solidFill>
             <a:srgbClr val="000000"/>
           </a:solidFill>
@@ -6134,7 +6276,7 @@
           <a:sym typeface="Arial"/>
         </a:defRPr>
       </a:lvl8pPr>
-      <a:lvl9pPr lvl="8" marR="0" rtl="0" algn="l">
+      <a:lvl9pPr marR="0" lvl="8" algn="l" rtl="0">
         <a:lnSpc>
           <a:spcPct val="100000"/>
         </a:lnSpc>
@@ -6148,7 +6290,7 @@
           <a:srgbClr val="000000"/>
         </a:buClr>
         <a:buFont typeface="Arial"/>
-        <a:defRPr b="0" i="0" sz="1400" u="none" cap="none" strike="noStrike">
+        <a:defRPr sz="1400" b="0" i="0" u="none" strike="noStrike" cap="none">
           <a:solidFill>
             <a:srgbClr val="000000"/>
           </a:solidFill>
@@ -6160,7 +6302,7 @@
       </a:lvl9pPr>
     </p:titleStyle>
     <p:bodyStyle>
-      <a:defPPr lvl="0" marR="0" rtl="0" algn="l">
+      <a:defPPr marR="0" lvl="0" algn="l" rtl="0">
         <a:lnSpc>
           <a:spcPct val="100000"/>
         </a:lnSpc>
@@ -6171,7 +6313,7 @@
           <a:spcPts val="0"/>
         </a:spcAft>
       </a:defPPr>
-      <a:lvl1pPr lvl="0" marR="0" rtl="0" algn="l">
+      <a:lvl1pPr marR="0" lvl="0" algn="l" rtl="0">
         <a:lnSpc>
           <a:spcPct val="100000"/>
         </a:lnSpc>
@@ -6185,7 +6327,7 @@
           <a:srgbClr val="000000"/>
         </a:buClr>
         <a:buFont typeface="Arial"/>
-        <a:defRPr b="0" i="0" sz="1400" u="none" cap="none" strike="noStrike">
+        <a:defRPr sz="1400" b="0" i="0" u="none" strike="noStrike" cap="none">
           <a:solidFill>
             <a:srgbClr val="000000"/>
           </a:solidFill>
@@ -6195,7 +6337,7 @@
           <a:sym typeface="Arial"/>
         </a:defRPr>
       </a:lvl1pPr>
-      <a:lvl2pPr lvl="1" marR="0" rtl="0" algn="l">
+      <a:lvl2pPr marR="0" lvl="1" algn="l" rtl="0">
         <a:lnSpc>
           <a:spcPct val="100000"/>
         </a:lnSpc>
@@ -6209,7 +6351,7 @@
           <a:srgbClr val="000000"/>
         </a:buClr>
         <a:buFont typeface="Arial"/>
-        <a:defRPr b="0" i="0" sz="1400" u="none" cap="none" strike="noStrike">
+        <a:defRPr sz="1400" b="0" i="0" u="none" strike="noStrike" cap="none">
           <a:solidFill>
             <a:srgbClr val="000000"/>
           </a:solidFill>
@@ -6219,7 +6361,7 @@
           <a:sym typeface="Arial"/>
         </a:defRPr>
       </a:lvl2pPr>
-      <a:lvl3pPr lvl="2" marR="0" rtl="0" algn="l">
+      <a:lvl3pPr marR="0" lvl="2" algn="l" rtl="0">
         <a:lnSpc>
           <a:spcPct val="100000"/>
         </a:lnSpc>
@@ -6233,7 +6375,7 @@
           <a:srgbClr val="000000"/>
         </a:buClr>
         <a:buFont typeface="Arial"/>
-        <a:defRPr b="0" i="0" sz="1400" u="none" cap="none" strike="noStrike">
+        <a:defRPr sz="1400" b="0" i="0" u="none" strike="noStrike" cap="none">
           <a:solidFill>
             <a:srgbClr val="000000"/>
           </a:solidFill>
@@ -6243,7 +6385,7 @@
           <a:sym typeface="Arial"/>
         </a:defRPr>
       </a:lvl3pPr>
-      <a:lvl4pPr lvl="3" marR="0" rtl="0" algn="l">
+      <a:lvl4pPr marR="0" lvl="3" algn="l" rtl="0">
         <a:lnSpc>
           <a:spcPct val="100000"/>
         </a:lnSpc>
@@ -6257,7 +6399,7 @@
           <a:srgbClr val="000000"/>
         </a:buClr>
         <a:buFont typeface="Arial"/>
-        <a:defRPr b="0" i="0" sz="1400" u="none" cap="none" strike="noStrike">
+        <a:defRPr sz="1400" b="0" i="0" u="none" strike="noStrike" cap="none">
           <a:solidFill>
             <a:srgbClr val="000000"/>
           </a:solidFill>
@@ -6267,7 +6409,7 @@
           <a:sym typeface="Arial"/>
         </a:defRPr>
       </a:lvl4pPr>
-      <a:lvl5pPr lvl="4" marR="0" rtl="0" algn="l">
+      <a:lvl5pPr marR="0" lvl="4" algn="l" rtl="0">
         <a:lnSpc>
           <a:spcPct val="100000"/>
         </a:lnSpc>
@@ -6281,7 +6423,7 @@
           <a:srgbClr val="000000"/>
         </a:buClr>
         <a:buFont typeface="Arial"/>
-        <a:defRPr b="0" i="0" sz="1400" u="none" cap="none" strike="noStrike">
+        <a:defRPr sz="1400" b="0" i="0" u="none" strike="noStrike" cap="none">
           <a:solidFill>
             <a:srgbClr val="000000"/>
           </a:solidFill>
@@ -6291,7 +6433,7 @@
           <a:sym typeface="Arial"/>
         </a:defRPr>
       </a:lvl5pPr>
-      <a:lvl6pPr lvl="5" marR="0" rtl="0" algn="l">
+      <a:lvl6pPr marR="0" lvl="5" algn="l" rtl="0">
         <a:lnSpc>
           <a:spcPct val="100000"/>
         </a:lnSpc>
@@ -6305,7 +6447,7 @@
           <a:srgbClr val="000000"/>
         </a:buClr>
         <a:buFont typeface="Arial"/>
-        <a:defRPr b="0" i="0" sz="1400" u="none" cap="none" strike="noStrike">
+        <a:defRPr sz="1400" b="0" i="0" u="none" strike="noStrike" cap="none">
           <a:solidFill>
             <a:srgbClr val="000000"/>
           </a:solidFill>
@@ -6315,7 +6457,7 @@
           <a:sym typeface="Arial"/>
         </a:defRPr>
       </a:lvl6pPr>
-      <a:lvl7pPr lvl="6" marR="0" rtl="0" algn="l">
+      <a:lvl7pPr marR="0" lvl="6" algn="l" rtl="0">
         <a:lnSpc>
           <a:spcPct val="100000"/>
         </a:lnSpc>
@@ -6329,7 +6471,7 @@
           <a:srgbClr val="000000"/>
         </a:buClr>
         <a:buFont typeface="Arial"/>
-        <a:defRPr b="0" i="0" sz="1400" u="none" cap="none" strike="noStrike">
+        <a:defRPr sz="1400" b="0" i="0" u="none" strike="noStrike" cap="none">
           <a:solidFill>
             <a:srgbClr val="000000"/>
           </a:solidFill>
@@ -6339,7 +6481,7 @@
           <a:sym typeface="Arial"/>
         </a:defRPr>
       </a:lvl7pPr>
-      <a:lvl8pPr lvl="7" marR="0" rtl="0" algn="l">
+      <a:lvl8pPr marR="0" lvl="7" algn="l" rtl="0">
         <a:lnSpc>
           <a:spcPct val="100000"/>
         </a:lnSpc>
@@ -6353,7 +6495,7 @@
           <a:srgbClr val="000000"/>
         </a:buClr>
         <a:buFont typeface="Arial"/>
-        <a:defRPr b="0" i="0" sz="1400" u="none" cap="none" strike="noStrike">
+        <a:defRPr sz="1400" b="0" i="0" u="none" strike="noStrike" cap="none">
           <a:solidFill>
             <a:srgbClr val="000000"/>
           </a:solidFill>
@@ -6363,7 +6505,7 @@
           <a:sym typeface="Arial"/>
         </a:defRPr>
       </a:lvl8pPr>
-      <a:lvl9pPr lvl="8" marR="0" rtl="0" algn="l">
+      <a:lvl9pPr marR="0" lvl="8" algn="l" rtl="0">
         <a:lnSpc>
           <a:spcPct val="100000"/>
         </a:lnSpc>
@@ -6377,7 +6519,7 @@
           <a:srgbClr val="000000"/>
         </a:buClr>
         <a:buFont typeface="Arial"/>
-        <a:defRPr b="0" i="0" sz="1400" u="none" cap="none" strike="noStrike">
+        <a:defRPr sz="1400" b="0" i="0" u="none" strike="noStrike" cap="none">
           <a:solidFill>
             <a:srgbClr val="000000"/>
           </a:solidFill>
@@ -6389,7 +6531,7 @@
       </a:lvl9pPr>
     </p:bodyStyle>
     <p:otherStyle>
-      <a:defPPr lvl="0" marR="0" rtl="0" algn="l">
+      <a:defPPr marR="0" lvl="0" algn="l" rtl="0">
         <a:lnSpc>
           <a:spcPct val="100000"/>
         </a:lnSpc>
@@ -6400,7 +6542,7 @@
           <a:spcPts val="0"/>
         </a:spcAft>
       </a:defPPr>
-      <a:lvl1pPr lvl="0" marR="0" rtl="0" algn="l">
+      <a:lvl1pPr marR="0" lvl="0" algn="l" rtl="0">
         <a:lnSpc>
           <a:spcPct val="100000"/>
         </a:lnSpc>
@@ -6414,7 +6556,7 @@
           <a:srgbClr val="000000"/>
         </a:buClr>
         <a:buFont typeface="Arial"/>
-        <a:defRPr b="0" i="0" sz="1400" u="none" cap="none" strike="noStrike">
+        <a:defRPr sz="1400" b="0" i="0" u="none" strike="noStrike" cap="none">
           <a:solidFill>
             <a:srgbClr val="000000"/>
           </a:solidFill>
@@ -6424,7 +6566,7 @@
           <a:sym typeface="Arial"/>
         </a:defRPr>
       </a:lvl1pPr>
-      <a:lvl2pPr lvl="1" marR="0" rtl="0" algn="l">
+      <a:lvl2pPr marR="0" lvl="1" algn="l" rtl="0">
         <a:lnSpc>
           <a:spcPct val="100000"/>
         </a:lnSpc>
@@ -6438,7 +6580,7 @@
           <a:srgbClr val="000000"/>
         </a:buClr>
         <a:buFont typeface="Arial"/>
-        <a:defRPr b="0" i="0" sz="1400" u="none" cap="none" strike="noStrike">
+        <a:defRPr sz="1400" b="0" i="0" u="none" strike="noStrike" cap="none">
           <a:solidFill>
             <a:srgbClr val="000000"/>
           </a:solidFill>
@@ -6448,7 +6590,7 @@
           <a:sym typeface="Arial"/>
         </a:defRPr>
       </a:lvl2pPr>
-      <a:lvl3pPr lvl="2" marR="0" rtl="0" algn="l">
+      <a:lvl3pPr marR="0" lvl="2" algn="l" rtl="0">
         <a:lnSpc>
           <a:spcPct val="100000"/>
         </a:lnSpc>
@@ -6462,7 +6604,7 @@
           <a:srgbClr val="000000"/>
         </a:buClr>
         <a:buFont typeface="Arial"/>
-        <a:defRPr b="0" i="0" sz="1400" u="none" cap="none" strike="noStrike">
+        <a:defRPr sz="1400" b="0" i="0" u="none" strike="noStrike" cap="none">
           <a:solidFill>
             <a:srgbClr val="000000"/>
           </a:solidFill>
@@ -6472,7 +6614,7 @@
           <a:sym typeface="Arial"/>
         </a:defRPr>
       </a:lvl3pPr>
-      <a:lvl4pPr lvl="3" marR="0" rtl="0" algn="l">
+      <a:lvl4pPr marR="0" lvl="3" algn="l" rtl="0">
         <a:lnSpc>
           <a:spcPct val="100000"/>
         </a:lnSpc>
@@ -6486,7 +6628,7 @@
           <a:srgbClr val="000000"/>
         </a:buClr>
         <a:buFont typeface="Arial"/>
-        <a:defRPr b="0" i="0" sz="1400" u="none" cap="none" strike="noStrike">
+        <a:defRPr sz="1400" b="0" i="0" u="none" strike="noStrike" cap="none">
           <a:solidFill>
             <a:srgbClr val="000000"/>
           </a:solidFill>
@@ -6496,7 +6638,7 @@
           <a:sym typeface="Arial"/>
         </a:defRPr>
       </a:lvl4pPr>
-      <a:lvl5pPr lvl="4" marR="0" rtl="0" algn="l">
+      <a:lvl5pPr marR="0" lvl="4" algn="l" rtl="0">
         <a:lnSpc>
           <a:spcPct val="100000"/>
         </a:lnSpc>
@@ -6510,7 +6652,7 @@
           <a:srgbClr val="000000"/>
         </a:buClr>
         <a:buFont typeface="Arial"/>
-        <a:defRPr b="0" i="0" sz="1400" u="none" cap="none" strike="noStrike">
+        <a:defRPr sz="1400" b="0" i="0" u="none" strike="noStrike" cap="none">
           <a:solidFill>
             <a:srgbClr val="000000"/>
           </a:solidFill>
@@ -6520,7 +6662,7 @@
           <a:sym typeface="Arial"/>
         </a:defRPr>
       </a:lvl5pPr>
-      <a:lvl6pPr lvl="5" marR="0" rtl="0" algn="l">
+      <a:lvl6pPr marR="0" lvl="5" algn="l" rtl="0">
         <a:lnSpc>
           <a:spcPct val="100000"/>
         </a:lnSpc>
@@ -6534,7 +6676,7 @@
           <a:srgbClr val="000000"/>
         </a:buClr>
         <a:buFont typeface="Arial"/>
-        <a:defRPr b="0" i="0" sz="1400" u="none" cap="none" strike="noStrike">
+        <a:defRPr sz="1400" b="0" i="0" u="none" strike="noStrike" cap="none">
           <a:solidFill>
             <a:srgbClr val="000000"/>
           </a:solidFill>
@@ -6544,7 +6686,7 @@
           <a:sym typeface="Arial"/>
         </a:defRPr>
       </a:lvl6pPr>
-      <a:lvl7pPr lvl="6" marR="0" rtl="0" algn="l">
+      <a:lvl7pPr marR="0" lvl="6" algn="l" rtl="0">
         <a:lnSpc>
           <a:spcPct val="100000"/>
         </a:lnSpc>
@@ -6558,7 +6700,7 @@
           <a:srgbClr val="000000"/>
         </a:buClr>
         <a:buFont typeface="Arial"/>
-        <a:defRPr b="0" i="0" sz="1400" u="none" cap="none" strike="noStrike">
+        <a:defRPr sz="1400" b="0" i="0" u="none" strike="noStrike" cap="none">
           <a:solidFill>
             <a:srgbClr val="000000"/>
           </a:solidFill>
@@ -6568,7 +6710,7 @@
           <a:sym typeface="Arial"/>
         </a:defRPr>
       </a:lvl7pPr>
-      <a:lvl8pPr lvl="7" marR="0" rtl="0" algn="l">
+      <a:lvl8pPr marR="0" lvl="7" algn="l" rtl="0">
         <a:lnSpc>
           <a:spcPct val="100000"/>
         </a:lnSpc>
@@ -6582,7 +6724,7 @@
           <a:srgbClr val="000000"/>
         </a:buClr>
         <a:buFont typeface="Arial"/>
-        <a:defRPr b="0" i="0" sz="1400" u="none" cap="none" strike="noStrike">
+        <a:defRPr sz="1400" b="0" i="0" u="none" strike="noStrike" cap="none">
           <a:solidFill>
             <a:srgbClr val="000000"/>
           </a:solidFill>
@@ -6592,7 +6734,7 @@
           <a:sym typeface="Arial"/>
         </a:defRPr>
       </a:lvl8pPr>
-      <a:lvl9pPr lvl="8" marR="0" rtl="0" algn="l">
+      <a:lvl9pPr marR="0" lvl="8" algn="l" rtl="0">
         <a:lnSpc>
           <a:spcPct val="100000"/>
         </a:lnSpc>
@@ -6606,7 +6748,7 @@
           <a:srgbClr val="000000"/>
         </a:buClr>
         <a:buFont typeface="Arial"/>
-        <a:defRPr b="0" i="0" sz="1400" u="none" cap="none" strike="noStrike">
+        <a:defRPr sz="1400" b="0" i="0" u="none" strike="noStrike" cap="none">
           <a:solidFill>
             <a:srgbClr val="000000"/>
           </a:solidFill>
@@ -6622,11 +6764,11 @@
 </file>
 
 <file path=ppt/slides/slide1.xml><?xml version="1.0" encoding="utf-8"?>
-<p:sld xmlns:a="http://schemas.openxmlformats.org/drawingml/2006/main" xmlns:r="http://schemas.openxmlformats.org/officeDocument/2006/relationships" xmlns:mc="http://schemas.openxmlformats.org/markup-compatibility/2006" xmlns:mv="urn:schemas-microsoft-com:mac:vml" xmlns:p="http://schemas.openxmlformats.org/presentationml/2006/main" xmlns:c="http://schemas.openxmlformats.org/drawingml/2006/chart" xmlns:dgm="http://schemas.openxmlformats.org/drawingml/2006/diagram" xmlns:o="urn:schemas-microsoft-com:office:office" xmlns:v="urn:schemas-microsoft-com:vml" xmlns:pvml="urn:schemas-microsoft-com:office:powerpoint" xmlns:com="http://schemas.openxmlformats.org/drawingml/2006/compatibility" xmlns:p14="http://schemas.microsoft.com/office/powerpoint/2010/main" xmlns:p15="http://schemas.microsoft.com/office/powerpoint/2012/main" xmlns:ahyp="http://schemas.microsoft.com/office/drawing/2018/hyperlinkcolor">
+<p:sld xmlns:a="http://schemas.openxmlformats.org/drawingml/2006/main" xmlns:r="http://schemas.openxmlformats.org/officeDocument/2006/relationships" xmlns:p="http://schemas.openxmlformats.org/presentationml/2006/main">
   <p:cSld>
     <p:spTree>
       <p:nvGrpSpPr>
-        <p:cNvPr id="58" name="Shape 58"/>
+        <p:cNvPr id="1" name="Shape 58"/>
         <p:cNvGrpSpPr/>
         <p:nvPr/>
       </p:nvGrpSpPr>
@@ -6641,7 +6783,9 @@
       <p:sp>
         <p:nvSpPr>
           <p:cNvPr id="59" name="Google Shape;59;p13"/>
-          <p:cNvSpPr txBox="1"/>
+          <p:cNvSpPr txBox="1">
+            <a:spLocks noGrp="1"/>
+          </p:cNvSpPr>
           <p:nvPr>
             <p:ph type="ctrTitle"/>
           </p:nvPr>
@@ -6656,12 +6800,12 @@
           </a:prstGeom>
         </p:spPr>
         <p:txBody>
-          <a:bodyPr anchorCtr="0" anchor="b" bIns="91425" lIns="91425" spcFirstLastPara="1" rIns="91425" wrap="square" tIns="91425">
+          <a:bodyPr spcFirstLastPara="1" wrap="square" lIns="91425" tIns="91425" rIns="91425" bIns="91425" anchor="b" anchorCtr="0">
             <a:normAutofit/>
           </a:bodyPr>
           <a:lstStyle/>
           <a:p>
-            <a:pPr indent="0" lvl="0" marL="0" rtl="0" algn="ctr">
+            <a:pPr marL="0" lvl="0" indent="0" algn="ctr" rtl="0">
               <a:spcBef>
                 <a:spcPts val="0"/>
               </a:spcBef>
@@ -6681,9 +6825,11 @@
       <p:sp>
         <p:nvSpPr>
           <p:cNvPr id="60" name="Google Shape;60;p13"/>
-          <p:cNvSpPr txBox="1"/>
+          <p:cNvSpPr txBox="1">
+            <a:spLocks noGrp="1"/>
+          </p:cNvSpPr>
           <p:nvPr>
-            <p:ph idx="1" type="subTitle"/>
+            <p:ph type="subTitle" idx="1"/>
           </p:nvPr>
         </p:nvSpPr>
         <p:spPr>
@@ -6696,12 +6842,12 @@
           </a:prstGeom>
         </p:spPr>
         <p:txBody>
-          <a:bodyPr anchorCtr="0" anchor="t" bIns="91425" lIns="91425" spcFirstLastPara="1" rIns="91425" wrap="square" tIns="91425">
+          <a:bodyPr spcFirstLastPara="1" wrap="square" lIns="91425" tIns="91425" rIns="91425" bIns="91425" anchor="t" anchorCtr="0">
             <a:normAutofit/>
           </a:bodyPr>
           <a:lstStyle/>
           <a:p>
-            <a:pPr indent="0" lvl="0" marL="0" rtl="0" algn="ctr">
+            <a:pPr marL="0" lvl="0" indent="0" algn="ctr" rtl="0">
               <a:spcBef>
                 <a:spcPts val="0"/>
               </a:spcBef>
@@ -6727,11 +6873,11 @@
 </file>
 
 <file path=ppt/slides/slide2.xml><?xml version="1.0" encoding="utf-8"?>
-<p:sld xmlns:a="http://schemas.openxmlformats.org/drawingml/2006/main" xmlns:r="http://schemas.openxmlformats.org/officeDocument/2006/relationships" xmlns:mc="http://schemas.openxmlformats.org/markup-compatibility/2006" xmlns:mv="urn:schemas-microsoft-com:mac:vml" xmlns:p="http://schemas.openxmlformats.org/presentationml/2006/main" xmlns:c="http://schemas.openxmlformats.org/drawingml/2006/chart" xmlns:dgm="http://schemas.openxmlformats.org/drawingml/2006/diagram" xmlns:o="urn:schemas-microsoft-com:office:office" xmlns:v="urn:schemas-microsoft-com:vml" xmlns:pvml="urn:schemas-microsoft-com:office:powerpoint" xmlns:com="http://schemas.openxmlformats.org/drawingml/2006/compatibility" xmlns:p14="http://schemas.microsoft.com/office/powerpoint/2010/main" xmlns:p15="http://schemas.microsoft.com/office/powerpoint/2012/main" xmlns:ahyp="http://schemas.microsoft.com/office/drawing/2018/hyperlinkcolor">
+<p:sld xmlns:a="http://schemas.openxmlformats.org/drawingml/2006/main" xmlns:r="http://schemas.openxmlformats.org/officeDocument/2006/relationships" xmlns:p="http://schemas.openxmlformats.org/presentationml/2006/main">
   <p:cSld>
     <p:spTree>
       <p:nvGrpSpPr>
-        <p:cNvPr id="64" name="Shape 64"/>
+        <p:cNvPr id="1" name="Shape 64"/>
         <p:cNvGrpSpPr/>
         <p:nvPr/>
       </p:nvGrpSpPr>
@@ -6746,7 +6892,9 @@
       <p:sp>
         <p:nvSpPr>
           <p:cNvPr id="65" name="Google Shape;65;p14"/>
-          <p:cNvSpPr txBox="1"/>
+          <p:cNvSpPr txBox="1">
+            <a:spLocks noGrp="1"/>
+          </p:cNvSpPr>
           <p:nvPr>
             <p:ph type="title"/>
           </p:nvPr>
@@ -6761,12 +6909,12 @@
           </a:prstGeom>
         </p:spPr>
         <p:txBody>
-          <a:bodyPr anchorCtr="0" anchor="t" bIns="91425" lIns="91425" spcFirstLastPara="1" rIns="91425" wrap="square" tIns="91425">
+          <a:bodyPr spcFirstLastPara="1" wrap="square" lIns="91425" tIns="91425" rIns="91425" bIns="91425" anchor="t" anchorCtr="0">
             <a:normAutofit fontScale="90000"/>
           </a:bodyPr>
           <a:lstStyle/>
           <a:p>
-            <a:pPr indent="0" lvl="0" marL="0" rtl="0" algn="l">
+            <a:pPr marL="0" lvl="0" indent="0" algn="l" rtl="0">
               <a:spcBef>
                 <a:spcPts val="0"/>
               </a:spcBef>
@@ -6786,9 +6934,11 @@
       <p:sp>
         <p:nvSpPr>
           <p:cNvPr id="66" name="Google Shape;66;p14"/>
-          <p:cNvSpPr txBox="1"/>
+          <p:cNvSpPr txBox="1">
+            <a:spLocks noGrp="1"/>
+          </p:cNvSpPr>
           <p:nvPr>
-            <p:ph idx="1" type="body"/>
+            <p:ph type="body" idx="1"/>
           </p:nvPr>
         </p:nvSpPr>
         <p:spPr>
@@ -6801,12 +6951,12 @@
           </a:prstGeom>
         </p:spPr>
         <p:txBody>
-          <a:bodyPr anchorCtr="0" anchor="t" bIns="91425" lIns="91425" spcFirstLastPara="1" rIns="91425" wrap="square" tIns="91425">
+          <a:bodyPr spcFirstLastPara="1" wrap="square" lIns="91425" tIns="91425" rIns="91425" bIns="91425" anchor="t" anchorCtr="0">
             <a:normAutofit/>
           </a:bodyPr>
           <a:lstStyle/>
           <a:p>
-            <a:pPr indent="0" lvl="0" marL="0" rtl="0" algn="l">
+            <a:pPr marL="0" lvl="0" indent="0" algn="l" rtl="0">
               <a:spcBef>
                 <a:spcPts val="0"/>
               </a:spcBef>
@@ -6816,10 +6966,10 @@
               <a:buNone/>
             </a:pPr>
             <a:r>
-              <a:rPr lang="en"/>
+              <a:rPr lang="en" dirty="0"/>
               <a:t>There is a “drawing area” inside the center of a frame. Users can place a long thin object inside this area. By moving the object around, you can “paint” pixels on an LED screen.</a:t>
             </a:r>
-            <a:endParaRPr/>
+            <a:endParaRPr dirty="0"/>
           </a:p>
         </p:txBody>
       </p:sp>
@@ -6832,11 +6982,11 @@
 </file>
 
 <file path=ppt/slides/slide3.xml><?xml version="1.0" encoding="utf-8"?>
-<p:sld xmlns:a="http://schemas.openxmlformats.org/drawingml/2006/main" xmlns:r="http://schemas.openxmlformats.org/officeDocument/2006/relationships" xmlns:mc="http://schemas.openxmlformats.org/markup-compatibility/2006" xmlns:mv="urn:schemas-microsoft-com:mac:vml" xmlns:p="http://schemas.openxmlformats.org/presentationml/2006/main" xmlns:c="http://schemas.openxmlformats.org/drawingml/2006/chart" xmlns:dgm="http://schemas.openxmlformats.org/drawingml/2006/diagram" xmlns:o="urn:schemas-microsoft-com:office:office" xmlns:v="urn:schemas-microsoft-com:vml" xmlns:pvml="urn:schemas-microsoft-com:office:powerpoint" xmlns:com="http://schemas.openxmlformats.org/drawingml/2006/compatibility" xmlns:p14="http://schemas.microsoft.com/office/powerpoint/2010/main" xmlns:p15="http://schemas.microsoft.com/office/powerpoint/2012/main" xmlns:ahyp="http://schemas.microsoft.com/office/drawing/2018/hyperlinkcolor">
+<p:sld xmlns:a="http://schemas.openxmlformats.org/drawingml/2006/main" xmlns:r="http://schemas.openxmlformats.org/officeDocument/2006/relationships" xmlns:p="http://schemas.openxmlformats.org/presentationml/2006/main">
   <p:cSld>
     <p:spTree>
       <p:nvGrpSpPr>
-        <p:cNvPr id="70" name="Shape 70"/>
+        <p:cNvPr id="1" name="Shape 70"/>
         <p:cNvGrpSpPr/>
         <p:nvPr/>
       </p:nvGrpSpPr>
@@ -6851,7 +7001,9 @@
       <p:sp>
         <p:nvSpPr>
           <p:cNvPr id="71" name="Google Shape;71;p15"/>
-          <p:cNvSpPr txBox="1"/>
+          <p:cNvSpPr txBox="1">
+            <a:spLocks noGrp="1"/>
+          </p:cNvSpPr>
           <p:nvPr>
             <p:ph type="title"/>
           </p:nvPr>
@@ -6866,12 +7018,12 @@
           </a:prstGeom>
         </p:spPr>
         <p:txBody>
-          <a:bodyPr anchorCtr="0" anchor="t" bIns="91425" lIns="91425" spcFirstLastPara="1" rIns="91425" wrap="square" tIns="91425">
+          <a:bodyPr spcFirstLastPara="1" wrap="square" lIns="91425" tIns="91425" rIns="91425" bIns="91425" anchor="t" anchorCtr="0">
             <a:normAutofit fontScale="90000"/>
           </a:bodyPr>
           <a:lstStyle/>
           <a:p>
-            <a:pPr indent="0" lvl="0" marL="0" rtl="0" algn="l">
+            <a:pPr marL="0" lvl="0" indent="0" algn="l" rtl="0">
               <a:spcBef>
                 <a:spcPts val="0"/>
               </a:spcBef>
@@ -6891,9 +7043,11 @@
       <p:sp>
         <p:nvSpPr>
           <p:cNvPr id="72" name="Google Shape;72;p15"/>
-          <p:cNvSpPr txBox="1"/>
+          <p:cNvSpPr txBox="1">
+            <a:spLocks noGrp="1"/>
+          </p:cNvSpPr>
           <p:nvPr>
-            <p:ph idx="1" type="body"/>
+            <p:ph type="body" idx="1"/>
           </p:nvPr>
         </p:nvSpPr>
         <p:spPr>
@@ -6906,12 +7060,12 @@
           </a:prstGeom>
         </p:spPr>
         <p:txBody>
-          <a:bodyPr anchorCtr="0" anchor="t" bIns="91425" lIns="91425" spcFirstLastPara="1" rIns="91425" wrap="square" tIns="91425">
+          <a:bodyPr spcFirstLastPara="1" wrap="square" lIns="91425" tIns="91425" rIns="91425" bIns="91425" anchor="t" anchorCtr="0">
             <a:normAutofit/>
           </a:bodyPr>
           <a:lstStyle/>
           <a:p>
-            <a:pPr indent="-342900" lvl="0" marL="457200" rtl="0" algn="l">
+            <a:pPr marL="457200" lvl="0" indent="-342900" algn="l" rtl="0">
               <a:spcBef>
                 <a:spcPts val="0"/>
               </a:spcBef>
@@ -6928,7 +7082,7 @@
             <a:endParaRPr/>
           </a:p>
           <a:p>
-            <a:pPr indent="-342900" lvl="0" marL="457200" rtl="0" algn="l">
+            <a:pPr marL="457200" lvl="0" indent="-342900" algn="l" rtl="0">
               <a:spcBef>
                 <a:spcPts val="0"/>
               </a:spcBef>
@@ -6955,11 +7109,11 @@
 </file>
 
 <file path=ppt/slides/slide4.xml><?xml version="1.0" encoding="utf-8"?>
-<p:sld xmlns:a="http://schemas.openxmlformats.org/drawingml/2006/main" xmlns:r="http://schemas.openxmlformats.org/officeDocument/2006/relationships" xmlns:mc="http://schemas.openxmlformats.org/markup-compatibility/2006" xmlns:mv="urn:schemas-microsoft-com:mac:vml" xmlns:p="http://schemas.openxmlformats.org/presentationml/2006/main" xmlns:c="http://schemas.openxmlformats.org/drawingml/2006/chart" xmlns:dgm="http://schemas.openxmlformats.org/drawingml/2006/diagram" xmlns:o="urn:schemas-microsoft-com:office:office" xmlns:v="urn:schemas-microsoft-com:vml" xmlns:pvml="urn:schemas-microsoft-com:office:powerpoint" xmlns:com="http://schemas.openxmlformats.org/drawingml/2006/compatibility" xmlns:p14="http://schemas.microsoft.com/office/powerpoint/2010/main" xmlns:p15="http://schemas.microsoft.com/office/powerpoint/2012/main" xmlns:ahyp="http://schemas.microsoft.com/office/drawing/2018/hyperlinkcolor">
+<p:sld xmlns:a="http://schemas.openxmlformats.org/drawingml/2006/main" xmlns:r="http://schemas.openxmlformats.org/officeDocument/2006/relationships" xmlns:p="http://schemas.openxmlformats.org/presentationml/2006/main">
   <p:cSld>
     <p:spTree>
       <p:nvGrpSpPr>
-        <p:cNvPr id="76" name="Shape 76"/>
+        <p:cNvPr id="1" name="Shape 76"/>
         <p:cNvGrpSpPr/>
         <p:nvPr/>
       </p:nvGrpSpPr>
@@ -6974,7 +7128,9 @@
       <p:sp>
         <p:nvSpPr>
           <p:cNvPr id="77" name="Google Shape;77;p16"/>
-          <p:cNvSpPr txBox="1"/>
+          <p:cNvSpPr txBox="1">
+            <a:spLocks noGrp="1"/>
+          </p:cNvSpPr>
           <p:nvPr>
             <p:ph type="title"/>
           </p:nvPr>
@@ -6989,12 +7145,12 @@
           </a:prstGeom>
         </p:spPr>
         <p:txBody>
-          <a:bodyPr anchorCtr="0" anchor="t" bIns="91425" lIns="91425" spcFirstLastPara="1" rIns="91425" wrap="square" tIns="91425">
+          <a:bodyPr spcFirstLastPara="1" wrap="square" lIns="91425" tIns="91425" rIns="91425" bIns="91425" anchor="t" anchorCtr="0">
             <a:normAutofit fontScale="90000"/>
           </a:bodyPr>
           <a:lstStyle/>
           <a:p>
-            <a:pPr indent="0" lvl="0" marL="0" rtl="0" algn="l">
+            <a:pPr marL="0" lvl="0" indent="0" algn="l" rtl="0">
               <a:spcBef>
                 <a:spcPts val="0"/>
               </a:spcBef>
@@ -7014,27 +7170,29 @@
       <p:sp>
         <p:nvSpPr>
           <p:cNvPr id="78" name="Google Shape;78;p16"/>
-          <p:cNvSpPr txBox="1"/>
+          <p:cNvSpPr txBox="1">
+            <a:spLocks noGrp="1"/>
+          </p:cNvSpPr>
           <p:nvPr>
-            <p:ph idx="1" type="body"/>
+            <p:ph type="body" idx="1"/>
           </p:nvPr>
         </p:nvSpPr>
         <p:spPr>
           <a:xfrm>
-            <a:off x="311700" y="1152475"/>
-            <a:ext cx="8520600" cy="3416400"/>
+            <a:off x="311699" y="1152475"/>
+            <a:ext cx="5339087" cy="3416400"/>
           </a:xfrm>
           <a:prstGeom prst="rect">
             <a:avLst/>
           </a:prstGeom>
         </p:spPr>
         <p:txBody>
-          <a:bodyPr anchorCtr="0" anchor="t" bIns="91425" lIns="91425" spcFirstLastPara="1" rIns="91425" wrap="square" tIns="91425">
-            <a:normAutofit/>
+          <a:bodyPr spcFirstLastPara="1" wrap="square" lIns="91425" tIns="91425" rIns="91425" bIns="91425" anchor="t" anchorCtr="0">
+            <a:normAutofit fontScale="85000" lnSpcReduction="10000"/>
           </a:bodyPr>
           <a:lstStyle/>
           <a:p>
-            <a:pPr indent="457200" lvl="0" marL="0" rtl="0" algn="l">
+            <a:pPr marL="0" lvl="0" indent="457200" algn="l" rtl="0">
               <a:spcBef>
                 <a:spcPts val="0"/>
               </a:spcBef>
@@ -7044,13 +7202,13 @@
               <a:buNone/>
             </a:pPr>
             <a:r>
-              <a:rPr lang="en"/>
+              <a:rPr lang="en" dirty="0"/>
               <a:t>We have 2 proximity sensors in each corner of the rectangle. We are using 2 per corner so that the combined angle of effect of the sensors is greater than it would be with just one.</a:t>
             </a:r>
-            <a:endParaRPr/>
+            <a:endParaRPr dirty="0"/>
           </a:p>
           <a:p>
-            <a:pPr indent="457200" lvl="0" marL="0" rtl="0" algn="l">
+            <a:pPr marL="0" lvl="0" indent="457200" algn="l" rtl="0">
               <a:spcBef>
                 <a:spcPts val="1200"/>
               </a:spcBef>
@@ -7060,13 +7218,13 @@
               <a:buNone/>
             </a:pPr>
             <a:r>
-              <a:rPr lang="en"/>
+              <a:rPr lang="en" dirty="0"/>
               <a:t>By pinging each sensor individually, we can take the minimum distance from each corner and create a circle for each corner, where the center is the location of the corner relative to the center and the radius is the distance returned by the proximity sensors.</a:t>
             </a:r>
-            <a:endParaRPr/>
+            <a:endParaRPr dirty="0"/>
           </a:p>
           <a:p>
-            <a:pPr indent="457200" lvl="0" marL="0" rtl="0" algn="l">
+            <a:pPr marL="0" lvl="0" indent="457200" algn="l" rtl="0">
               <a:spcBef>
                 <a:spcPts val="1200"/>
               </a:spcBef>
@@ -7076,18 +7234,79 @@
               <a:buNone/>
             </a:pPr>
             <a:r>
-              <a:rPr lang="en"/>
-              <a:t>With these 4 circles, we can calculate the point of intersection </a:t>
+              <a:rPr lang="en" dirty="0"/>
+              <a:t>With these 4 circles, we can calculate the point of intersection between all the circles, and then draw that point onto the screen.</a:t>
             </a:r>
+            <a:endParaRPr dirty="0"/>
+          </a:p>
+        </p:txBody>
+      </p:sp>
+      <p:pic>
+        <p:nvPicPr>
+          <p:cNvPr id="3" name="Picture 2" descr="A yellow plastic board with wires and wires&#10;&#10;Description automatically generated">
+            <a:extLst>
+              <a:ext uri="{FF2B5EF4-FFF2-40B4-BE49-F238E27FC236}">
+                <a16:creationId xmlns:a16="http://schemas.microsoft.com/office/drawing/2014/main" id="{F70DDBE5-0A20-BC18-DDD6-7CC100B30AFF}"/>
+              </a:ext>
+            </a:extLst>
+          </p:cNvPr>
+          <p:cNvPicPr>
+            <a:picLocks noChangeAspect="1"/>
+          </p:cNvPicPr>
+          <p:nvPr/>
+        </p:nvPicPr>
+        <p:blipFill>
+          <a:blip r:embed="rId3"/>
+          <a:srcRect l="5630" t="3337" r="-732" b="16928"/>
+          <a:stretch/>
+        </p:blipFill>
+        <p:spPr>
+          <a:xfrm rot="5400000">
+            <a:off x="5263247" y="1181565"/>
+            <a:ext cx="4296497" cy="2701741"/>
+          </a:xfrm>
+          <a:prstGeom prst="rect">
+            <a:avLst/>
+          </a:prstGeom>
+        </p:spPr>
+      </p:pic>
+      <p:sp>
+        <p:nvSpPr>
+          <p:cNvPr id="4" name="TextBox 3">
+            <a:extLst>
+              <a:ext uri="{FF2B5EF4-FFF2-40B4-BE49-F238E27FC236}">
+                <a16:creationId xmlns:a16="http://schemas.microsoft.com/office/drawing/2014/main" id="{16C9E259-F94A-DB35-D85E-8094B8D5BD19}"/>
+              </a:ext>
+            </a:extLst>
+          </p:cNvPr>
+          <p:cNvSpPr txBox="1"/>
+          <p:nvPr/>
+        </p:nvSpPr>
+        <p:spPr>
+          <a:xfrm>
+            <a:off x="6695550" y="4680684"/>
+            <a:ext cx="1331406" cy="261610"/>
+          </a:xfrm>
+          <a:prstGeom prst="rect">
+            <a:avLst/>
+          </a:prstGeom>
+          <a:noFill/>
+        </p:spPr>
+        <p:txBody>
+          <a:bodyPr wrap="square" rtlCol="0">
+            <a:spAutoFit/>
+          </a:bodyPr>
+          <a:lstStyle/>
+          <a:p>
             <a:r>
-              <a:rPr lang="en"/>
-              <a:t>between</a:t>
+              <a:rPr lang="en-US" sz="1100" dirty="0">
+                <a:solidFill>
+                  <a:schemeClr val="tx1"/>
+                </a:solidFill>
+                <a:latin typeface="Average" panose="020B0604020202020204" charset="0"/>
+              </a:rPr>
+              <a:t>Final sensor arena</a:t>
             </a:r>
-            <a:r>
-              <a:rPr lang="en"/>
-              <a:t> all the circles, and then draw that point onto the screen.</a:t>
-            </a:r>
-            <a:endParaRPr/>
           </a:p>
         </p:txBody>
       </p:sp>
@@ -7100,11 +7319,11 @@
 </file>
 
 <file path=ppt/slides/slide5.xml><?xml version="1.0" encoding="utf-8"?>
-<p:sld xmlns:a="http://schemas.openxmlformats.org/drawingml/2006/main" xmlns:r="http://schemas.openxmlformats.org/officeDocument/2006/relationships" xmlns:mc="http://schemas.openxmlformats.org/markup-compatibility/2006" xmlns:mv="urn:schemas-microsoft-com:mac:vml" xmlns:p="http://schemas.openxmlformats.org/presentationml/2006/main" xmlns:c="http://schemas.openxmlformats.org/drawingml/2006/chart" xmlns:dgm="http://schemas.openxmlformats.org/drawingml/2006/diagram" xmlns:o="urn:schemas-microsoft-com:office:office" xmlns:v="urn:schemas-microsoft-com:vml" xmlns:pvml="urn:schemas-microsoft-com:office:powerpoint" xmlns:com="http://schemas.openxmlformats.org/drawingml/2006/compatibility" xmlns:p14="http://schemas.microsoft.com/office/powerpoint/2010/main" xmlns:p15="http://schemas.microsoft.com/office/powerpoint/2012/main" xmlns:ahyp="http://schemas.microsoft.com/office/drawing/2018/hyperlinkcolor">
+<p:sld xmlns:a="http://schemas.openxmlformats.org/drawingml/2006/main" xmlns:r="http://schemas.openxmlformats.org/officeDocument/2006/relationships" xmlns:p="http://schemas.openxmlformats.org/presentationml/2006/main">
   <p:cSld>
     <p:spTree>
       <p:nvGrpSpPr>
-        <p:cNvPr id="82" name="Shape 82"/>
+        <p:cNvPr id="1" name="Shape 82"/>
         <p:cNvGrpSpPr/>
         <p:nvPr/>
       </p:nvGrpSpPr>
@@ -7119,7 +7338,9 @@
       <p:sp>
         <p:nvSpPr>
           <p:cNvPr id="83" name="Google Shape;83;p17"/>
-          <p:cNvSpPr txBox="1"/>
+          <p:cNvSpPr txBox="1">
+            <a:spLocks noGrp="1"/>
+          </p:cNvSpPr>
           <p:nvPr>
             <p:ph type="title"/>
           </p:nvPr>
@@ -7134,12 +7355,12 @@
           </a:prstGeom>
         </p:spPr>
         <p:txBody>
-          <a:bodyPr anchorCtr="0" anchor="t" bIns="91425" lIns="91425" spcFirstLastPara="1" rIns="91425" wrap="square" tIns="91425">
+          <a:bodyPr spcFirstLastPara="1" wrap="square" lIns="91425" tIns="91425" rIns="91425" bIns="91425" anchor="t" anchorCtr="0">
             <a:normAutofit fontScale="90000"/>
           </a:bodyPr>
           <a:lstStyle/>
           <a:p>
-            <a:pPr indent="0" lvl="0" marL="0" rtl="0" algn="l">
+            <a:pPr marL="0" lvl="0" indent="0" algn="l" rtl="0">
               <a:spcBef>
                 <a:spcPts val="0"/>
               </a:spcBef>
@@ -7159,9 +7380,11 @@
       <p:sp>
         <p:nvSpPr>
           <p:cNvPr id="84" name="Google Shape;84;p17"/>
-          <p:cNvSpPr txBox="1"/>
+          <p:cNvSpPr txBox="1">
+            <a:spLocks noGrp="1"/>
+          </p:cNvSpPr>
           <p:nvPr>
-            <p:ph idx="1" type="body"/>
+            <p:ph type="body" idx="1"/>
           </p:nvPr>
         </p:nvSpPr>
         <p:spPr>
@@ -7174,12 +7397,12 @@
           </a:prstGeom>
         </p:spPr>
         <p:txBody>
-          <a:bodyPr anchorCtr="0" anchor="t" bIns="91425" lIns="91425" spcFirstLastPara="1" rIns="91425" wrap="square" tIns="91425">
-            <a:normAutofit fontScale="92500" lnSpcReduction="20000"/>
+          <a:bodyPr spcFirstLastPara="1" wrap="square" lIns="91425" tIns="91425" rIns="91425" bIns="91425" anchor="t" anchorCtr="0">
+            <a:normAutofit fontScale="92500" lnSpcReduction="10000"/>
           </a:bodyPr>
           <a:lstStyle/>
           <a:p>
-            <a:pPr indent="0" lvl="0" marL="0" rtl="0" algn="l">
+            <a:pPr marL="0" lvl="0" indent="0" algn="l" rtl="0">
               <a:spcBef>
                 <a:spcPts val="0"/>
               </a:spcBef>
@@ -7189,13 +7412,13 @@
               <a:buNone/>
             </a:pPr>
             <a:r>
-              <a:rPr lang="en"/>
-              <a:t>The sensors were a nightmare. We had to test two different models of sensors, 17 sensors in total. We had to make sure that each sensor had a accurate reading and had to measure the angle of effect each sensor had.</a:t>
+              <a:rPr lang="en" dirty="0"/>
+              <a:t>The sensors were a nightmare. We had to test two different models of sensors (an IR model and ultrasonic sensor model), 17 sensors in total. We had to make sure that each sensor had a accurate reading and had to measure the angle of effect each sensor had.</a:t>
             </a:r>
-            <a:endParaRPr/>
+            <a:endParaRPr dirty="0"/>
           </a:p>
           <a:p>
-            <a:pPr indent="0" lvl="0" marL="0" rtl="0" algn="l">
+            <a:pPr marL="0" lvl="0" indent="0" algn="l" rtl="0">
               <a:spcBef>
                 <a:spcPts val="1200"/>
               </a:spcBef>
@@ -7205,21 +7428,13 @@
               <a:buNone/>
             </a:pPr>
             <a:r>
-              <a:rPr lang="en"/>
-              <a:t>Each sensor was fine on its own, but after wiring everything together, they would give very </a:t>
+              <a:rPr lang="en" dirty="0"/>
+              <a:t>Each sensor was fine on its own, but after wiring everything together, they would give very inaccurate readings. We “fixed” it by multiplying the distance returned by some magic number, which was a very unsatisfying solution.</a:t>
             </a:r>
-            <a:r>
-              <a:rPr lang="en"/>
-              <a:t>inaccurate</a:t>
-            </a:r>
-            <a:r>
-              <a:rPr lang="en"/>
-              <a:t> readings. We “fixed” it by multiplying the distance returned by some magic number, which was a very unsatisfying solution.</a:t>
-            </a:r>
-            <a:endParaRPr/>
+            <a:endParaRPr dirty="0"/>
           </a:p>
           <a:p>
-            <a:pPr indent="0" lvl="0" marL="0" rtl="0" algn="l">
+            <a:pPr marL="0" lvl="0" indent="0" algn="l" rtl="0">
               <a:spcBef>
                 <a:spcPts val="1200"/>
               </a:spcBef>
@@ -7229,13 +7444,13 @@
               <a:buNone/>
             </a:pPr>
             <a:r>
-              <a:rPr lang="en"/>
+              <a:rPr lang="en" dirty="0"/>
               <a:t>Because of our LED screen, we had very few pins to work with. We were forced to use pins 0 and 1, which are the pins the Uno uses for Serial output. Because of this, we were not able to print out any of the distances for each sensor when we were testing with all 8 sensors active. This made testing very annoying.</a:t>
             </a:r>
-            <a:endParaRPr/>
+            <a:endParaRPr dirty="0"/>
           </a:p>
           <a:p>
-            <a:pPr indent="0" lvl="0" marL="0" rtl="0" algn="l">
+            <a:pPr marL="0" lvl="0" indent="0" algn="l" rtl="0">
               <a:spcBef>
                 <a:spcPts val="1200"/>
               </a:spcBef>
@@ -7244,10 +7459,7 @@
               </a:spcAft>
               <a:buNone/>
             </a:pPr>
-            <a:r>
-              <a:t/>
-            </a:r>
-            <a:endParaRPr/>
+            <a:endParaRPr dirty="0"/>
           </a:p>
         </p:txBody>
       </p:sp>
@@ -7260,11 +7472,11 @@
 </file>
 
 <file path=ppt/slides/slide6.xml><?xml version="1.0" encoding="utf-8"?>
-<p:sld xmlns:a="http://schemas.openxmlformats.org/drawingml/2006/main" xmlns:r="http://schemas.openxmlformats.org/officeDocument/2006/relationships" xmlns:mc="http://schemas.openxmlformats.org/markup-compatibility/2006" xmlns:mv="urn:schemas-microsoft-com:mac:vml" xmlns:p="http://schemas.openxmlformats.org/presentationml/2006/main" xmlns:c="http://schemas.openxmlformats.org/drawingml/2006/chart" xmlns:dgm="http://schemas.openxmlformats.org/drawingml/2006/diagram" xmlns:o="urn:schemas-microsoft-com:office:office" xmlns:v="urn:schemas-microsoft-com:vml" xmlns:pvml="urn:schemas-microsoft-com:office:powerpoint" xmlns:com="http://schemas.openxmlformats.org/drawingml/2006/compatibility" xmlns:p14="http://schemas.microsoft.com/office/powerpoint/2010/main" xmlns:p15="http://schemas.microsoft.com/office/powerpoint/2012/main" xmlns:ahyp="http://schemas.microsoft.com/office/drawing/2018/hyperlinkcolor">
+<p:sld xmlns:a="http://schemas.openxmlformats.org/drawingml/2006/main" xmlns:r="http://schemas.openxmlformats.org/officeDocument/2006/relationships" xmlns:p="http://schemas.openxmlformats.org/presentationml/2006/main">
   <p:cSld>
     <p:spTree>
       <p:nvGrpSpPr>
-        <p:cNvPr id="88" name="Shape 88"/>
+        <p:cNvPr id="1" name="Shape 88"/>
         <p:cNvGrpSpPr/>
         <p:nvPr/>
       </p:nvGrpSpPr>
@@ -7279,7 +7491,9 @@
       <p:sp>
         <p:nvSpPr>
           <p:cNvPr id="89" name="Google Shape;89;p18"/>
-          <p:cNvSpPr txBox="1"/>
+          <p:cNvSpPr txBox="1">
+            <a:spLocks noGrp="1"/>
+          </p:cNvSpPr>
           <p:nvPr>
             <p:ph type="title"/>
           </p:nvPr>
@@ -7294,12 +7508,12 @@
           </a:prstGeom>
         </p:spPr>
         <p:txBody>
-          <a:bodyPr anchorCtr="0" anchor="t" bIns="91425" lIns="91425" spcFirstLastPara="1" rIns="91425" wrap="square" tIns="91425">
+          <a:bodyPr spcFirstLastPara="1" wrap="square" lIns="91425" tIns="91425" rIns="91425" bIns="91425" anchor="t" anchorCtr="0">
             <a:normAutofit fontScale="90000"/>
           </a:bodyPr>
           <a:lstStyle/>
           <a:p>
-            <a:pPr indent="0" lvl="0" marL="0" rtl="0" algn="l">
+            <a:pPr marL="0" lvl="0" indent="0" algn="l" rtl="0">
               <a:spcBef>
                 <a:spcPts val="0"/>
               </a:spcBef>
@@ -7319,27 +7533,29 @@
       <p:sp>
         <p:nvSpPr>
           <p:cNvPr id="90" name="Google Shape;90;p18"/>
-          <p:cNvSpPr txBox="1"/>
+          <p:cNvSpPr txBox="1">
+            <a:spLocks noGrp="1"/>
+          </p:cNvSpPr>
           <p:nvPr>
-            <p:ph idx="1" type="body"/>
+            <p:ph type="body" idx="1"/>
           </p:nvPr>
         </p:nvSpPr>
         <p:spPr>
           <a:xfrm>
             <a:off x="311700" y="1152475"/>
-            <a:ext cx="8520600" cy="3416400"/>
+            <a:ext cx="5904716" cy="3416400"/>
           </a:xfrm>
           <a:prstGeom prst="rect">
             <a:avLst/>
           </a:prstGeom>
         </p:spPr>
         <p:txBody>
-          <a:bodyPr anchorCtr="0" anchor="t" bIns="91425" lIns="91425" spcFirstLastPara="1" rIns="91425" wrap="square" tIns="91425">
-            <a:normAutofit/>
+          <a:bodyPr spcFirstLastPara="1" wrap="square" lIns="91425" tIns="91425" rIns="91425" bIns="91425" anchor="t" anchorCtr="0">
+            <a:normAutofit fontScale="85000" lnSpcReduction="10000"/>
           </a:bodyPr>
           <a:lstStyle/>
           <a:p>
-            <a:pPr indent="0" lvl="0" marL="0" rtl="0" algn="l">
+            <a:pPr marL="0" lvl="0" indent="0" algn="l" rtl="0">
               <a:spcBef>
                 <a:spcPts val="0"/>
               </a:spcBef>
@@ -7349,13 +7565,13 @@
               <a:buNone/>
             </a:pPr>
             <a:r>
-              <a:rPr lang="en"/>
+              <a:rPr lang="en" dirty="0"/>
               <a:t>We decided to 3D print most of our components, as a lot of them relied on very specific angles to ensure that we could maximize the angle of effect of each corner. </a:t>
             </a:r>
-            <a:endParaRPr/>
+            <a:endParaRPr dirty="0"/>
           </a:p>
           <a:p>
-            <a:pPr indent="0" lvl="0" marL="0" rtl="0" algn="l">
+            <a:pPr marL="0" lvl="0" indent="0" algn="l" rtl="0">
               <a:spcBef>
                 <a:spcPts val="1200"/>
               </a:spcBef>
@@ -7365,13 +7581,13 @@
               <a:buNone/>
             </a:pPr>
             <a:r>
-              <a:rPr lang="en"/>
+              <a:rPr lang="en" dirty="0"/>
               <a:t>However, our 3D prints changed a lot as our ideas for implementation changed. We had to go through over 5 different iterations of the models before we settled on what we now have.</a:t>
             </a:r>
-            <a:endParaRPr/>
+            <a:endParaRPr dirty="0"/>
           </a:p>
           <a:p>
-            <a:pPr indent="0" lvl="0" marL="0" rtl="0" algn="l">
+            <a:pPr marL="0" lvl="0" indent="0" algn="l" rtl="0">
               <a:spcBef>
                 <a:spcPts val="1200"/>
               </a:spcBef>
@@ -7381,10 +7597,149 @@
               <a:buNone/>
             </a:pPr>
             <a:r>
-              <a:rPr lang="en"/>
+              <a:rPr lang="en" dirty="0"/>
               <a:t>To print out just one iteration took over 3 hours, so there was a large gap between modeling and the finished print. During one of the prints, we decided midway through on a better model and had to scrap the whole print. All in all, printing everything took over 20 hours.</a:t>
             </a:r>
-            <a:endParaRPr/>
+            <a:endParaRPr dirty="0"/>
+          </a:p>
+        </p:txBody>
+      </p:sp>
+      <p:pic>
+        <p:nvPicPr>
+          <p:cNvPr id="3" name="Picture 2" descr="A grey rectangular object on a grid&#10;&#10;Description automatically generated">
+            <a:extLst>
+              <a:ext uri="{FF2B5EF4-FFF2-40B4-BE49-F238E27FC236}">
+                <a16:creationId xmlns:a16="http://schemas.microsoft.com/office/drawing/2014/main" id="{8900CD4C-0ED0-6ED6-FDBA-A41C12BD1AE8}"/>
+              </a:ext>
+            </a:extLst>
+          </p:cNvPr>
+          <p:cNvPicPr>
+            <a:picLocks noChangeAspect="1"/>
+          </p:cNvPicPr>
+          <p:nvPr/>
+        </p:nvPicPr>
+        <p:blipFill>
+          <a:blip r:embed="rId3"/>
+          <a:srcRect l="7377" t="2435" r="3468" b="-2435"/>
+          <a:stretch/>
+        </p:blipFill>
+        <p:spPr>
+          <a:xfrm>
+            <a:off x="6712299" y="314220"/>
+            <a:ext cx="1876564" cy="2330505"/>
+          </a:xfrm>
+          <a:prstGeom prst="rect">
+            <a:avLst/>
+          </a:prstGeom>
+        </p:spPr>
+      </p:pic>
+      <p:sp>
+        <p:nvSpPr>
+          <p:cNvPr id="6" name="TextBox 5">
+            <a:extLst>
+              <a:ext uri="{FF2B5EF4-FFF2-40B4-BE49-F238E27FC236}">
+                <a16:creationId xmlns:a16="http://schemas.microsoft.com/office/drawing/2014/main" id="{FFCEFCB8-8EC3-FD43-8872-EDA9549A4DC9}"/>
+              </a:ext>
+            </a:extLst>
+          </p:cNvPr>
+          <p:cNvSpPr txBox="1"/>
+          <p:nvPr/>
+        </p:nvSpPr>
+        <p:spPr>
+          <a:xfrm>
+            <a:off x="6972318" y="4567670"/>
+            <a:ext cx="1411395" cy="261610"/>
+          </a:xfrm>
+          <a:prstGeom prst="rect">
+            <a:avLst/>
+          </a:prstGeom>
+          <a:noFill/>
+        </p:spPr>
+        <p:txBody>
+          <a:bodyPr wrap="square" rtlCol="0">
+            <a:spAutoFit/>
+          </a:bodyPr>
+          <a:lstStyle/>
+          <a:p>
+            <a:r>
+              <a:rPr lang="en-US" sz="1100" dirty="0">
+                <a:solidFill>
+                  <a:schemeClr val="tx1"/>
+                </a:solidFill>
+                <a:latin typeface="Average" panose="020B0604020202020204" charset="0"/>
+              </a:rPr>
+              <a:t>Final mount design</a:t>
+            </a:r>
+          </a:p>
+        </p:txBody>
+      </p:sp>
+      <p:pic>
+        <p:nvPicPr>
+          <p:cNvPr id="8" name="Picture 7" descr="A grey object with three angles&#10;&#10;Description automatically generated with medium confidence">
+            <a:extLst>
+              <a:ext uri="{FF2B5EF4-FFF2-40B4-BE49-F238E27FC236}">
+                <a16:creationId xmlns:a16="http://schemas.microsoft.com/office/drawing/2014/main" id="{964F1C27-4583-4776-A9EB-08D6E51F5A2A}"/>
+              </a:ext>
+            </a:extLst>
+          </p:cNvPr>
+          <p:cNvPicPr>
+            <a:picLocks noChangeAspect="1"/>
+          </p:cNvPicPr>
+          <p:nvPr/>
+        </p:nvPicPr>
+        <p:blipFill>
+          <a:blip r:embed="rId4"/>
+          <a:stretch>
+            <a:fillRect/>
+          </a:stretch>
+        </p:blipFill>
+        <p:spPr>
+          <a:xfrm>
+            <a:off x="6712299" y="2989368"/>
+            <a:ext cx="1876564" cy="1510644"/>
+          </a:xfrm>
+          <a:prstGeom prst="rect">
+            <a:avLst/>
+          </a:prstGeom>
+        </p:spPr>
+      </p:pic>
+      <p:sp>
+        <p:nvSpPr>
+          <p:cNvPr id="9" name="TextBox 8">
+            <a:extLst>
+              <a:ext uri="{FF2B5EF4-FFF2-40B4-BE49-F238E27FC236}">
+                <a16:creationId xmlns:a16="http://schemas.microsoft.com/office/drawing/2014/main" id="{9C27924B-E344-EB92-4900-5BF0BAA79CC6}"/>
+              </a:ext>
+            </a:extLst>
+          </p:cNvPr>
+          <p:cNvSpPr txBox="1"/>
+          <p:nvPr/>
+        </p:nvSpPr>
+        <p:spPr>
+          <a:xfrm>
+            <a:off x="6956575" y="2644725"/>
+            <a:ext cx="1427138" cy="261610"/>
+          </a:xfrm>
+          <a:prstGeom prst="rect">
+            <a:avLst/>
+          </a:prstGeom>
+          <a:noFill/>
+        </p:spPr>
+        <p:txBody>
+          <a:bodyPr wrap="square" rtlCol="0">
+            <a:spAutoFit/>
+          </a:bodyPr>
+          <a:lstStyle/>
+          <a:p>
+            <a:r>
+              <a:rPr lang="en-US" sz="1100" dirty="0">
+                <a:solidFill>
+                  <a:schemeClr val="tx1"/>
+                </a:solidFill>
+                <a:latin typeface="Average" panose="020B0604020202020204" charset="0"/>
+              </a:rPr>
+              <a:t>Initial mount design</a:t>
+            </a:r>
           </a:p>
         </p:txBody>
       </p:sp>
@@ -7397,11 +7752,11 @@
 </file>
 
 <file path=ppt/slides/slide7.xml><?xml version="1.0" encoding="utf-8"?>
-<p:sld xmlns:a="http://schemas.openxmlformats.org/drawingml/2006/main" xmlns:r="http://schemas.openxmlformats.org/officeDocument/2006/relationships" xmlns:mc="http://schemas.openxmlformats.org/markup-compatibility/2006" xmlns:mv="urn:schemas-microsoft-com:mac:vml" xmlns:p="http://schemas.openxmlformats.org/presentationml/2006/main" xmlns:c="http://schemas.openxmlformats.org/drawingml/2006/chart" xmlns:dgm="http://schemas.openxmlformats.org/drawingml/2006/diagram" xmlns:o="urn:schemas-microsoft-com:office:office" xmlns:v="urn:schemas-microsoft-com:vml" xmlns:pvml="urn:schemas-microsoft-com:office:powerpoint" xmlns:com="http://schemas.openxmlformats.org/drawingml/2006/compatibility" xmlns:p14="http://schemas.microsoft.com/office/powerpoint/2010/main" xmlns:p15="http://schemas.microsoft.com/office/powerpoint/2012/main" xmlns:ahyp="http://schemas.microsoft.com/office/drawing/2018/hyperlinkcolor">
+<p:sld xmlns:a="http://schemas.openxmlformats.org/drawingml/2006/main" xmlns:r="http://schemas.openxmlformats.org/officeDocument/2006/relationships" xmlns:p="http://schemas.openxmlformats.org/presentationml/2006/main">
   <p:cSld>
     <p:spTree>
       <p:nvGrpSpPr>
-        <p:cNvPr id="94" name="Shape 94"/>
+        <p:cNvPr id="1" name="Shape 94"/>
         <p:cNvGrpSpPr/>
         <p:nvPr/>
       </p:nvGrpSpPr>
@@ -7416,7 +7771,9 @@
       <p:sp>
         <p:nvSpPr>
           <p:cNvPr id="95" name="Google Shape;95;p19"/>
-          <p:cNvSpPr txBox="1"/>
+          <p:cNvSpPr txBox="1">
+            <a:spLocks noGrp="1"/>
+          </p:cNvSpPr>
           <p:nvPr>
             <p:ph type="title"/>
           </p:nvPr>
@@ -7431,12 +7788,12 @@
           </a:prstGeom>
         </p:spPr>
         <p:txBody>
-          <a:bodyPr anchorCtr="0" anchor="t" bIns="91425" lIns="91425" spcFirstLastPara="1" rIns="91425" wrap="square" tIns="91425">
+          <a:bodyPr spcFirstLastPara="1" wrap="square" lIns="91425" tIns="91425" rIns="91425" bIns="91425" anchor="t" anchorCtr="0">
             <a:normAutofit fontScale="90000"/>
           </a:bodyPr>
           <a:lstStyle/>
           <a:p>
-            <a:pPr indent="0" lvl="0" marL="0" rtl="0" algn="l">
+            <a:pPr marL="0" lvl="0" indent="0" algn="l" rtl="0">
               <a:spcBef>
                 <a:spcPts val="0"/>
               </a:spcBef>
@@ -7456,9 +7813,11 @@
       <p:sp>
         <p:nvSpPr>
           <p:cNvPr id="96" name="Google Shape;96;p19"/>
-          <p:cNvSpPr txBox="1"/>
+          <p:cNvSpPr txBox="1">
+            <a:spLocks noGrp="1"/>
+          </p:cNvSpPr>
           <p:nvPr>
-            <p:ph idx="1" type="body"/>
+            <p:ph type="body" idx="1"/>
           </p:nvPr>
         </p:nvSpPr>
         <p:spPr>
@@ -7471,12 +7830,12 @@
           </a:prstGeom>
         </p:spPr>
         <p:txBody>
-          <a:bodyPr anchorCtr="0" anchor="t" bIns="91425" lIns="91425" spcFirstLastPara="1" rIns="91425" wrap="square" tIns="91425">
+          <a:bodyPr spcFirstLastPara="1" wrap="square" lIns="91425" tIns="91425" rIns="91425" bIns="91425" anchor="t" anchorCtr="0">
             <a:normAutofit/>
           </a:bodyPr>
           <a:lstStyle/>
           <a:p>
-            <a:pPr indent="-342900" lvl="0" marL="457200" rtl="0" algn="l">
+            <a:pPr marL="457200" lvl="0" indent="-342900" algn="l" rtl="0">
               <a:spcBef>
                 <a:spcPts val="0"/>
               </a:spcBef>
@@ -7487,13 +7846,13 @@
               <a:buChar char="-"/>
             </a:pPr>
             <a:r>
-              <a:rPr lang="en"/>
+              <a:rPr lang="en" dirty="0"/>
               <a:t>We would have liked to add some buttons that allow you to change color/brush size, as well as a button that allows you to erase.</a:t>
             </a:r>
-            <a:endParaRPr/>
+            <a:endParaRPr dirty="0"/>
           </a:p>
           <a:p>
-            <a:pPr indent="-342900" lvl="0" marL="457200" rtl="0" algn="l">
+            <a:pPr marL="457200" lvl="0" indent="-342900" algn="l" rtl="0">
               <a:spcBef>
                 <a:spcPts val="0"/>
               </a:spcBef>
@@ -7504,13 +7863,13 @@
               <a:buChar char="-"/>
             </a:pPr>
             <a:r>
-              <a:rPr lang="en"/>
+              <a:rPr lang="en" dirty="0"/>
               <a:t>We would have liked to have a larger area to draw on, since ours is rather small</a:t>
             </a:r>
-            <a:endParaRPr/>
+            <a:endParaRPr dirty="0"/>
           </a:p>
           <a:p>
-            <a:pPr indent="-342900" lvl="0" marL="457200" rtl="0" algn="l">
+            <a:pPr marL="457200" lvl="0" indent="-342900" algn="l" rtl="0">
               <a:spcBef>
                 <a:spcPts val="0"/>
               </a:spcBef>
@@ -7521,10 +7880,10 @@
               <a:buChar char="-"/>
             </a:pPr>
             <a:r>
-              <a:rPr lang="en"/>
-              <a:t>Cleaning up wires: Putting the breadboards underneath the drawing area so they’re hidden and out of the way.</a:t>
+              <a:rPr lang="en" dirty="0"/>
+              <a:t>Cleaning up wires: putting the breadboards underneath the drawing area so they’re hidden and out of the way.</a:t>
             </a:r>
-            <a:endParaRPr/>
+            <a:endParaRPr dirty="0"/>
           </a:p>
         </p:txBody>
       </p:sp>
@@ -7537,7 +7896,288 @@
 </file>
 
 <file path=ppt/theme/theme1.xml><?xml version="1.0" encoding="utf-8"?>
-<a:theme xmlns:a="http://schemas.openxmlformats.org/drawingml/2006/main" xmlns:r="http://schemas.openxmlformats.org/officeDocument/2006/relationships">
+<a:theme xmlns:a="http://schemas.openxmlformats.org/drawingml/2006/main" name="Slate">
+  <a:themeElements>
+    <a:clrScheme name="Slate">
+      <a:dk1>
+        <a:srgbClr val="FFFFFF"/>
+      </a:dk1>
+      <a:lt1>
+        <a:srgbClr val="37474F"/>
+      </a:lt1>
+      <a:dk2>
+        <a:srgbClr val="9E9E9E"/>
+      </a:dk2>
+      <a:lt2>
+        <a:srgbClr val="E0E0E0"/>
+      </a:lt2>
+      <a:accent1>
+        <a:srgbClr val="616161"/>
+      </a:accent1>
+      <a:accent2>
+        <a:srgbClr val="78909C"/>
+      </a:accent2>
+      <a:accent3>
+        <a:srgbClr val="CACACA"/>
+      </a:accent3>
+      <a:accent4>
+        <a:srgbClr val="64FFDA"/>
+      </a:accent4>
+      <a:accent5>
+        <a:srgbClr val="FFD966"/>
+      </a:accent5>
+      <a:accent6>
+        <a:srgbClr val="F5F5F5"/>
+      </a:accent6>
+      <a:hlink>
+        <a:srgbClr val="FFD966"/>
+      </a:hlink>
+      <a:folHlink>
+        <a:srgbClr val="FFD966"/>
+      </a:folHlink>
+    </a:clrScheme>
+    <a:fontScheme name="Office">
+      <a:majorFont>
+        <a:latin typeface="Arial"/>
+        <a:ea typeface=""/>
+        <a:cs typeface=""/>
+        <a:font script="Jpan" typeface="ＭＳ Ｐゴシック"/>
+        <a:font script="Hang" typeface="맑은 고딕"/>
+        <a:font script="Hans" typeface="宋体"/>
+        <a:font script="Hant" typeface="新細明體"/>
+        <a:font script="Arab" typeface="Times New Roman"/>
+        <a:font script="Hebr" typeface="Times New Roman"/>
+        <a:font script="Thai" typeface="Angsana New"/>
+        <a:font script="Ethi" typeface="Nyala"/>
+        <a:font script="Beng" typeface="Vrinda"/>
+        <a:font script="Gujr" typeface="Shruti"/>
+        <a:font script="Khmr" typeface="MoolBoran"/>
+        <a:font script="Knda" typeface="Tunga"/>
+        <a:font script="Guru" typeface="Raavi"/>
+        <a:font script="Cans" typeface="Euphemia"/>
+        <a:font script="Cher" typeface="Plantagenet Cherokee"/>
+        <a:font script="Yiii" typeface="Microsoft Yi Baiti"/>
+        <a:font script="Tibt" typeface="Microsoft Himalaya"/>
+        <a:font script="Thaa" typeface="MV Boli"/>
+        <a:font script="Deva" typeface="Mangal"/>
+        <a:font script="Telu" typeface="Gautami"/>
+        <a:font script="Taml" typeface="Latha"/>
+        <a:font script="Syrc" typeface="Estrangelo Edessa"/>
+        <a:font script="Orya" typeface="Kalinga"/>
+        <a:font script="Mlym" typeface="Kartika"/>
+        <a:font script="Laoo" typeface="DokChampa"/>
+        <a:font script="Sinh" typeface="Iskoola Pota"/>
+        <a:font script="Mong" typeface="Mongolian Baiti"/>
+        <a:font script="Viet" typeface="Times New Roman"/>
+        <a:font script="Uigh" typeface="Microsoft Uighur"/>
+        <a:font script="Geor" typeface="Sylfaen"/>
+      </a:majorFont>
+      <a:minorFont>
+        <a:latin typeface="Arial"/>
+        <a:ea typeface=""/>
+        <a:cs typeface=""/>
+        <a:font script="Jpan" typeface="ＭＳ Ｐゴシック"/>
+        <a:font script="Hang" typeface="맑은 고딕"/>
+        <a:font script="Hans" typeface="宋体"/>
+        <a:font script="Hant" typeface="新細明體"/>
+        <a:font script="Arab" typeface="Arial"/>
+        <a:font script="Hebr" typeface="Arial"/>
+        <a:font script="Thai" typeface="Cordia New"/>
+        <a:font script="Ethi" typeface="Nyala"/>
+        <a:font script="Beng" typeface="Vrinda"/>
+        <a:font script="Gujr" typeface="Shruti"/>
+        <a:font script="Khmr" typeface="DaunPenh"/>
+        <a:font script="Knda" typeface="Tunga"/>
+        <a:font script="Guru" typeface="Raavi"/>
+        <a:font script="Cans" typeface="Euphemia"/>
+        <a:font script="Cher" typeface="Plantagenet Cherokee"/>
+        <a:font script="Yiii" typeface="Microsoft Yi Baiti"/>
+        <a:font script="Tibt" typeface="Microsoft Himalaya"/>
+        <a:font script="Thaa" typeface="MV Boli"/>
+        <a:font script="Deva" typeface="Mangal"/>
+        <a:font script="Telu" typeface="Gautami"/>
+        <a:font script="Taml" typeface="Latha"/>
+        <a:font script="Syrc" typeface="Estrangelo Edessa"/>
+        <a:font script="Orya" typeface="Kalinga"/>
+        <a:font script="Mlym" typeface="Kartika"/>
+        <a:font script="Laoo" typeface="DokChampa"/>
+        <a:font script="Sinh" typeface="Iskoola Pota"/>
+        <a:font script="Mong" typeface="Mongolian Baiti"/>
+        <a:font script="Viet" typeface="Arial"/>
+        <a:font script="Uigh" typeface="Microsoft Uighur"/>
+        <a:font script="Geor" typeface="Sylfaen"/>
+      </a:minorFont>
+    </a:fontScheme>
+    <a:fmtScheme name="Office">
+      <a:fillStyleLst>
+        <a:solidFill>
+          <a:schemeClr val="phClr"/>
+        </a:solidFill>
+        <a:gradFill rotWithShape="1">
+          <a:gsLst>
+            <a:gs pos="0">
+              <a:schemeClr val="phClr">
+                <a:tint val="50000"/>
+                <a:satMod val="300000"/>
+              </a:schemeClr>
+            </a:gs>
+            <a:gs pos="35000">
+              <a:schemeClr val="phClr">
+                <a:tint val="37000"/>
+                <a:satMod val="300000"/>
+              </a:schemeClr>
+            </a:gs>
+            <a:gs pos="100000">
+              <a:schemeClr val="phClr">
+                <a:tint val="15000"/>
+                <a:satMod val="350000"/>
+              </a:schemeClr>
+            </a:gs>
+          </a:gsLst>
+          <a:lin ang="16200000" scaled="1"/>
+        </a:gradFill>
+        <a:gradFill rotWithShape="1">
+          <a:gsLst>
+            <a:gs pos="0">
+              <a:schemeClr val="phClr">
+                <a:tint val="100000"/>
+                <a:shade val="100000"/>
+                <a:satMod val="130000"/>
+              </a:schemeClr>
+            </a:gs>
+            <a:gs pos="100000">
+              <a:schemeClr val="phClr">
+                <a:tint val="50000"/>
+                <a:shade val="100000"/>
+                <a:satMod val="350000"/>
+              </a:schemeClr>
+            </a:gs>
+          </a:gsLst>
+          <a:lin ang="16200000" scaled="0"/>
+        </a:gradFill>
+      </a:fillStyleLst>
+      <a:lnStyleLst>
+        <a:ln w="9525" cap="flat" cmpd="sng" algn="ctr">
+          <a:solidFill>
+            <a:schemeClr val="phClr">
+              <a:shade val="95000"/>
+              <a:satMod val="105000"/>
+            </a:schemeClr>
+          </a:solidFill>
+          <a:prstDash val="solid"/>
+        </a:ln>
+        <a:ln w="25400" cap="flat" cmpd="sng" algn="ctr">
+          <a:solidFill>
+            <a:schemeClr val="phClr"/>
+          </a:solidFill>
+          <a:prstDash val="solid"/>
+        </a:ln>
+        <a:ln w="38100" cap="flat" cmpd="sng" algn="ctr">
+          <a:solidFill>
+            <a:schemeClr val="phClr"/>
+          </a:solidFill>
+          <a:prstDash val="solid"/>
+        </a:ln>
+      </a:lnStyleLst>
+      <a:effectStyleLst>
+        <a:effectStyle>
+          <a:effectLst>
+            <a:outerShdw blurRad="40000" dist="20000" dir="5400000" rotWithShape="0">
+              <a:srgbClr val="000000">
+                <a:alpha val="38000"/>
+              </a:srgbClr>
+            </a:outerShdw>
+          </a:effectLst>
+        </a:effectStyle>
+        <a:effectStyle>
+          <a:effectLst>
+            <a:outerShdw blurRad="40000" dist="23000" dir="5400000" rotWithShape="0">
+              <a:srgbClr val="000000">
+                <a:alpha val="35000"/>
+              </a:srgbClr>
+            </a:outerShdw>
+          </a:effectLst>
+        </a:effectStyle>
+        <a:effectStyle>
+          <a:effectLst>
+            <a:outerShdw blurRad="40000" dist="23000" dir="5400000" rotWithShape="0">
+              <a:srgbClr val="000000">
+                <a:alpha val="35000"/>
+              </a:srgbClr>
+            </a:outerShdw>
+          </a:effectLst>
+          <a:scene3d>
+            <a:camera prst="orthographicFront">
+              <a:rot lat="0" lon="0" rev="0"/>
+            </a:camera>
+            <a:lightRig rig="threePt" dir="t">
+              <a:rot lat="0" lon="0" rev="1200000"/>
+            </a:lightRig>
+          </a:scene3d>
+          <a:sp3d>
+            <a:bevelT w="63500" h="25400"/>
+          </a:sp3d>
+        </a:effectStyle>
+      </a:effectStyleLst>
+      <a:bgFillStyleLst>
+        <a:solidFill>
+          <a:schemeClr val="phClr"/>
+        </a:solidFill>
+        <a:gradFill rotWithShape="1">
+          <a:gsLst>
+            <a:gs pos="0">
+              <a:schemeClr val="phClr">
+                <a:tint val="40000"/>
+                <a:satMod val="350000"/>
+              </a:schemeClr>
+            </a:gs>
+            <a:gs pos="40000">
+              <a:schemeClr val="phClr">
+                <a:tint val="45000"/>
+                <a:shade val="99000"/>
+                <a:satMod val="350000"/>
+              </a:schemeClr>
+            </a:gs>
+            <a:gs pos="100000">
+              <a:schemeClr val="phClr">
+                <a:shade val="20000"/>
+                <a:satMod val="255000"/>
+              </a:schemeClr>
+            </a:gs>
+          </a:gsLst>
+          <a:path path="circle">
+            <a:fillToRect l="50000" t="-80000" r="50000" b="180000"/>
+          </a:path>
+        </a:gradFill>
+        <a:gradFill rotWithShape="1">
+          <a:gsLst>
+            <a:gs pos="0">
+              <a:schemeClr val="phClr">
+                <a:tint val="80000"/>
+                <a:satMod val="300000"/>
+              </a:schemeClr>
+            </a:gs>
+            <a:gs pos="100000">
+              <a:schemeClr val="phClr">
+                <a:shade val="30000"/>
+                <a:satMod val="200000"/>
+              </a:schemeClr>
+            </a:gs>
+          </a:gsLst>
+          <a:path path="circle">
+            <a:fillToRect l="50000" t="50000" r="50000" b="50000"/>
+          </a:path>
+        </a:gradFill>
+      </a:bgFillStyleLst>
+    </a:fmtScheme>
+  </a:themeElements>
+  <a:objectDefaults/>
+  <a:extraClrSchemeLst/>
+</a:theme>
+</file>
+
+<file path=ppt/theme/theme2.xml><?xml version="1.0" encoding="utf-8"?>
+<a:theme xmlns:a="http://schemas.openxmlformats.org/drawingml/2006/main">
   <a:themeElements>
     <a:clrScheme name="Default">
       <a:dk1>
@@ -7812,284 +8452,7 @@
       </a:bgFillStyleLst>
     </a:fmtScheme>
   </a:themeElements>
-</a:theme>
-</file>
-
-<file path=ppt/theme/theme2.xml><?xml version="1.0" encoding="utf-8"?>
-<a:theme xmlns:a="http://schemas.openxmlformats.org/drawingml/2006/main" xmlns:r="http://schemas.openxmlformats.org/officeDocument/2006/relationships" name="Slate">
-  <a:themeElements>
-    <a:clrScheme name="Slate">
-      <a:dk1>
-        <a:srgbClr val="FFFFFF"/>
-      </a:dk1>
-      <a:lt1>
-        <a:srgbClr val="37474F"/>
-      </a:lt1>
-      <a:dk2>
-        <a:srgbClr val="9E9E9E"/>
-      </a:dk2>
-      <a:lt2>
-        <a:srgbClr val="E0E0E0"/>
-      </a:lt2>
-      <a:accent1>
-        <a:srgbClr val="616161"/>
-      </a:accent1>
-      <a:accent2>
-        <a:srgbClr val="78909C"/>
-      </a:accent2>
-      <a:accent3>
-        <a:srgbClr val="CACACA"/>
-      </a:accent3>
-      <a:accent4>
-        <a:srgbClr val="64FFDA"/>
-      </a:accent4>
-      <a:accent5>
-        <a:srgbClr val="FFD966"/>
-      </a:accent5>
-      <a:accent6>
-        <a:srgbClr val="F5F5F5"/>
-      </a:accent6>
-      <a:hlink>
-        <a:srgbClr val="FFD966"/>
-      </a:hlink>
-      <a:folHlink>
-        <a:srgbClr val="FFD966"/>
-      </a:folHlink>
-    </a:clrScheme>
-    <a:fontScheme name="Office">
-      <a:majorFont>
-        <a:latin typeface="Arial"/>
-        <a:ea typeface=""/>
-        <a:cs typeface=""/>
-        <a:font script="Jpan" typeface="ＭＳ Ｐゴシック"/>
-        <a:font script="Hang" typeface="맑은 고딕"/>
-        <a:font script="Hans" typeface="宋体"/>
-        <a:font script="Hant" typeface="新細明體"/>
-        <a:font script="Arab" typeface="Times New Roman"/>
-        <a:font script="Hebr" typeface="Times New Roman"/>
-        <a:font script="Thai" typeface="Angsana New"/>
-        <a:font script="Ethi" typeface="Nyala"/>
-        <a:font script="Beng" typeface="Vrinda"/>
-        <a:font script="Gujr" typeface="Shruti"/>
-        <a:font script="Khmr" typeface="MoolBoran"/>
-        <a:font script="Knda" typeface="Tunga"/>
-        <a:font script="Guru" typeface="Raavi"/>
-        <a:font script="Cans" typeface="Euphemia"/>
-        <a:font script="Cher" typeface="Plantagenet Cherokee"/>
-        <a:font script="Yiii" typeface="Microsoft Yi Baiti"/>
-        <a:font script="Tibt" typeface="Microsoft Himalaya"/>
-        <a:font script="Thaa" typeface="MV Boli"/>
-        <a:font script="Deva" typeface="Mangal"/>
-        <a:font script="Telu" typeface="Gautami"/>
-        <a:font script="Taml" typeface="Latha"/>
-        <a:font script="Syrc" typeface="Estrangelo Edessa"/>
-        <a:font script="Orya" typeface="Kalinga"/>
-        <a:font script="Mlym" typeface="Kartika"/>
-        <a:font script="Laoo" typeface="DokChampa"/>
-        <a:font script="Sinh" typeface="Iskoola Pota"/>
-        <a:font script="Mong" typeface="Mongolian Baiti"/>
-        <a:font script="Viet" typeface="Times New Roman"/>
-        <a:font script="Uigh" typeface="Microsoft Uighur"/>
-        <a:font script="Geor" typeface="Sylfaen"/>
-      </a:majorFont>
-      <a:minorFont>
-        <a:latin typeface="Arial"/>
-        <a:ea typeface=""/>
-        <a:cs typeface=""/>
-        <a:font script="Jpan" typeface="ＭＳ Ｐゴシック"/>
-        <a:font script="Hang" typeface="맑은 고딕"/>
-        <a:font script="Hans" typeface="宋体"/>
-        <a:font script="Hant" typeface="新細明體"/>
-        <a:font script="Arab" typeface="Arial"/>
-        <a:font script="Hebr" typeface="Arial"/>
-        <a:font script="Thai" typeface="Cordia New"/>
-        <a:font script="Ethi" typeface="Nyala"/>
-        <a:font script="Beng" typeface="Vrinda"/>
-        <a:font script="Gujr" typeface="Shruti"/>
-        <a:font script="Khmr" typeface="DaunPenh"/>
-        <a:font script="Knda" typeface="Tunga"/>
-        <a:font script="Guru" typeface="Raavi"/>
-        <a:font script="Cans" typeface="Euphemia"/>
-        <a:font script="Cher" typeface="Plantagenet Cherokee"/>
-        <a:font script="Yiii" typeface="Microsoft Yi Baiti"/>
-        <a:font script="Tibt" typeface="Microsoft Himalaya"/>
-        <a:font script="Thaa" typeface="MV Boli"/>
-        <a:font script="Deva" typeface="Mangal"/>
-        <a:font script="Telu" typeface="Gautami"/>
-        <a:font script="Taml" typeface="Latha"/>
-        <a:font script="Syrc" typeface="Estrangelo Edessa"/>
-        <a:font script="Orya" typeface="Kalinga"/>
-        <a:font script="Mlym" typeface="Kartika"/>
-        <a:font script="Laoo" typeface="DokChampa"/>
-        <a:font script="Sinh" typeface="Iskoola Pota"/>
-        <a:font script="Mong" typeface="Mongolian Baiti"/>
-        <a:font script="Viet" typeface="Arial"/>
-        <a:font script="Uigh" typeface="Microsoft Uighur"/>
-        <a:font script="Geor" typeface="Sylfaen"/>
-      </a:minorFont>
-    </a:fontScheme>
-    <a:fmtScheme name="Office">
-      <a:fillStyleLst>
-        <a:solidFill>
-          <a:schemeClr val="phClr"/>
-        </a:solidFill>
-        <a:gradFill rotWithShape="1">
-          <a:gsLst>
-            <a:gs pos="0">
-              <a:schemeClr val="phClr">
-                <a:tint val="50000"/>
-                <a:satMod val="300000"/>
-              </a:schemeClr>
-            </a:gs>
-            <a:gs pos="35000">
-              <a:schemeClr val="phClr">
-                <a:tint val="37000"/>
-                <a:satMod val="300000"/>
-              </a:schemeClr>
-            </a:gs>
-            <a:gs pos="100000">
-              <a:schemeClr val="phClr">
-                <a:tint val="15000"/>
-                <a:satMod val="350000"/>
-              </a:schemeClr>
-            </a:gs>
-          </a:gsLst>
-          <a:lin ang="16200000" scaled="1"/>
-        </a:gradFill>
-        <a:gradFill rotWithShape="1">
-          <a:gsLst>
-            <a:gs pos="0">
-              <a:schemeClr val="phClr">
-                <a:tint val="100000"/>
-                <a:shade val="100000"/>
-                <a:satMod val="130000"/>
-              </a:schemeClr>
-            </a:gs>
-            <a:gs pos="100000">
-              <a:schemeClr val="phClr">
-                <a:tint val="50000"/>
-                <a:shade val="100000"/>
-                <a:satMod val="350000"/>
-              </a:schemeClr>
-            </a:gs>
-          </a:gsLst>
-          <a:lin ang="16200000" scaled="0"/>
-        </a:gradFill>
-      </a:fillStyleLst>
-      <a:lnStyleLst>
-        <a:ln w="9525" cap="flat" cmpd="sng" algn="ctr">
-          <a:solidFill>
-            <a:schemeClr val="phClr">
-              <a:shade val="95000"/>
-              <a:satMod val="105000"/>
-            </a:schemeClr>
-          </a:solidFill>
-          <a:prstDash val="solid"/>
-        </a:ln>
-        <a:ln w="25400" cap="flat" cmpd="sng" algn="ctr">
-          <a:solidFill>
-            <a:schemeClr val="phClr"/>
-          </a:solidFill>
-          <a:prstDash val="solid"/>
-        </a:ln>
-        <a:ln w="38100" cap="flat" cmpd="sng" algn="ctr">
-          <a:solidFill>
-            <a:schemeClr val="phClr"/>
-          </a:solidFill>
-          <a:prstDash val="solid"/>
-        </a:ln>
-      </a:lnStyleLst>
-      <a:effectStyleLst>
-        <a:effectStyle>
-          <a:effectLst>
-            <a:outerShdw blurRad="40000" dist="20000" dir="5400000" rotWithShape="0">
-              <a:srgbClr val="000000">
-                <a:alpha val="38000"/>
-              </a:srgbClr>
-            </a:outerShdw>
-          </a:effectLst>
-        </a:effectStyle>
-        <a:effectStyle>
-          <a:effectLst>
-            <a:outerShdw blurRad="40000" dist="23000" dir="5400000" rotWithShape="0">
-              <a:srgbClr val="000000">
-                <a:alpha val="35000"/>
-              </a:srgbClr>
-            </a:outerShdw>
-          </a:effectLst>
-        </a:effectStyle>
-        <a:effectStyle>
-          <a:effectLst>
-            <a:outerShdw blurRad="40000" dist="23000" dir="5400000" rotWithShape="0">
-              <a:srgbClr val="000000">
-                <a:alpha val="35000"/>
-              </a:srgbClr>
-            </a:outerShdw>
-          </a:effectLst>
-          <a:scene3d>
-            <a:camera prst="orthographicFront">
-              <a:rot lat="0" lon="0" rev="0"/>
-            </a:camera>
-            <a:lightRig rig="threePt" dir="t">
-              <a:rot lat="0" lon="0" rev="1200000"/>
-            </a:lightRig>
-          </a:scene3d>
-          <a:sp3d>
-            <a:bevelT w="63500" h="25400"/>
-          </a:sp3d>
-        </a:effectStyle>
-      </a:effectStyleLst>
-      <a:bgFillStyleLst>
-        <a:solidFill>
-          <a:schemeClr val="phClr"/>
-        </a:solidFill>
-        <a:gradFill rotWithShape="1">
-          <a:gsLst>
-            <a:gs pos="0">
-              <a:schemeClr val="phClr">
-                <a:tint val="40000"/>
-                <a:satMod val="350000"/>
-              </a:schemeClr>
-            </a:gs>
-            <a:gs pos="40000">
-              <a:schemeClr val="phClr">
-                <a:tint val="45000"/>
-                <a:shade val="99000"/>
-                <a:satMod val="350000"/>
-              </a:schemeClr>
-            </a:gs>
-            <a:gs pos="100000">
-              <a:schemeClr val="phClr">
-                <a:shade val="20000"/>
-                <a:satMod val="255000"/>
-              </a:schemeClr>
-            </a:gs>
-          </a:gsLst>
-          <a:path path="circle">
-            <a:fillToRect l="50000" t="-80000" r="50000" b="180000"/>
-          </a:path>
-        </a:gradFill>
-        <a:gradFill rotWithShape="1">
-          <a:gsLst>
-            <a:gs pos="0">
-              <a:schemeClr val="phClr">
-                <a:tint val="80000"/>
-                <a:satMod val="300000"/>
-              </a:schemeClr>
-            </a:gs>
-            <a:gs pos="100000">
-              <a:schemeClr val="phClr">
-                <a:shade val="30000"/>
-                <a:satMod val="200000"/>
-              </a:schemeClr>
-            </a:gs>
-          </a:gsLst>
-          <a:path path="circle">
-            <a:fillToRect l="50000" t="50000" r="50000" b="50000"/>
-          </a:path>
-        </a:gradFill>
-      </a:bgFillStyleLst>
-    </a:fmtScheme>
-  </a:themeElements>
+  <a:objectDefaults/>
+  <a:extraClrSchemeLst/>
 </a:theme>
 </file>